--- a/ex/552-F20/staging/552-F20/lectures/06-endpoint.pptx
+++ b/ex/552-F20/staging/552-F20/lectures/06-endpoint.pptx
@@ -5,23 +5,22 @@
     <p:sldMasterId id="2147483648" r:id="rId1"/>
   </p:sldMasterIdLst>
   <p:notesMasterIdLst>
-    <p:notesMasterId r:id="rId16"/>
+    <p:notesMasterId r:id="rId15"/>
   </p:notesMasterIdLst>
   <p:sldIdLst>
     <p:sldId id="256" r:id="rId2"/>
     <p:sldId id="1207" r:id="rId3"/>
-    <p:sldId id="1211" r:id="rId4"/>
-    <p:sldId id="315" r:id="rId5"/>
-    <p:sldId id="1208" r:id="rId6"/>
-    <p:sldId id="318" r:id="rId7"/>
-    <p:sldId id="323" r:id="rId8"/>
-    <p:sldId id="324" r:id="rId9"/>
+    <p:sldId id="315" r:id="rId4"/>
+    <p:sldId id="1208" r:id="rId5"/>
+    <p:sldId id="318" r:id="rId6"/>
+    <p:sldId id="323" r:id="rId7"/>
+    <p:sldId id="324" r:id="rId8"/>
+    <p:sldId id="1209" r:id="rId9"/>
     <p:sldId id="325" r:id="rId10"/>
-    <p:sldId id="1209" r:id="rId11"/>
-    <p:sldId id="328" r:id="rId12"/>
-    <p:sldId id="329" r:id="rId13"/>
-    <p:sldId id="330" r:id="rId14"/>
-    <p:sldId id="331" r:id="rId15"/>
+    <p:sldId id="328" r:id="rId11"/>
+    <p:sldId id="329" r:id="rId12"/>
+    <p:sldId id="330" r:id="rId13"/>
+    <p:sldId id="331" r:id="rId14"/>
   </p:sldIdLst>
   <p:sldSz cx="12192000" cy="6858000"/>
   <p:notesSz cx="6858000" cy="9144000"/>
@@ -210,7 +209,7 @@
           <a:p>
             <a:fld id="{4F542666-03D5-5341-A833-B4D3FAA577B7}" type="datetimeFigureOut">
               <a:rPr lang="en-US" smtClean="0"/>
-              <a:t>9/15/20</a:t>
+              <a:t>9/16/20</a:t>
             </a:fld>
             <a:endParaRPr lang="en-US"/>
           </a:p>
@@ -652,7 +651,7 @@
                 <a:latin typeface="Times New Roman" charset="0"/>
               </a:rPr>
               <a:pPr eaLnBrk="1" hangingPunct="1"/>
-              <a:t>6</a:t>
+              <a:t>5</a:t>
             </a:fld>
             <a:endParaRPr lang="en-US" altLang="x-none" sz="1300" b="0">
               <a:latin typeface="Times New Roman" charset="0"/>
@@ -706,7 +705,7 @@
               </a14:hiddenLine>
             </a:ext>
             <a:ext uri="{FAA26D3D-D897-4be2-8F04-BA451C77F1D7}">
-              <ma14:placeholderFlag xmlns:ma14="http://schemas.microsoft.com/office/mac/drawingml/2011/main" xmlns="" val="1"/>
+              <ma14:placeholderFlag xmlns="" xmlns:ma14="http://schemas.microsoft.com/office/mac/drawingml/2011/main" val="1"/>
             </a:ext>
           </a:extLst>
         </p:spPr>
@@ -906,7 +905,7 @@
                 <a:latin typeface="Times New Roman" charset="0"/>
               </a:rPr>
               <a:pPr eaLnBrk="1" hangingPunct="1"/>
-              <a:t>8</a:t>
+              <a:t>7</a:t>
             </a:fld>
             <a:endParaRPr lang="en-US" altLang="x-none" sz="1300" b="0">
               <a:latin typeface="Times New Roman" charset="0"/>
@@ -960,7 +959,7 @@
               </a14:hiddenLine>
             </a:ext>
             <a:ext uri="{FAA26D3D-D897-4be2-8F04-BA451C77F1D7}">
-              <ma14:placeholderFlag xmlns:ma14="http://schemas.microsoft.com/office/mac/drawingml/2011/main" xmlns="" val="1"/>
+              <ma14:placeholderFlag xmlns="" xmlns:ma14="http://schemas.microsoft.com/office/mac/drawingml/2011/main" val="1"/>
             </a:ext>
           </a:extLst>
         </p:spPr>
@@ -1114,7 +1113,7 @@
           <a:p>
             <a:fld id="{DCCCB3B3-0381-6043-97A3-E72CD5022D9A}" type="datetimeFigureOut">
               <a:rPr lang="en-US" smtClean="0"/>
-              <a:t>9/15/20</a:t>
+              <a:t>9/16/20</a:t>
             </a:fld>
             <a:endParaRPr lang="en-US"/>
           </a:p>
@@ -1282,7 +1281,7 @@
           <a:p>
             <a:fld id="{DCCCB3B3-0381-6043-97A3-E72CD5022D9A}" type="datetimeFigureOut">
               <a:rPr lang="en-US" smtClean="0"/>
-              <a:t>9/15/20</a:t>
+              <a:t>9/16/20</a:t>
             </a:fld>
             <a:endParaRPr lang="en-US"/>
           </a:p>
@@ -1460,7 +1459,7 @@
           <a:p>
             <a:fld id="{DCCCB3B3-0381-6043-97A3-E72CD5022D9A}" type="datetimeFigureOut">
               <a:rPr lang="en-US" smtClean="0"/>
-              <a:t>9/15/20</a:t>
+              <a:t>9/16/20</a:t>
             </a:fld>
             <a:endParaRPr lang="en-US"/>
           </a:p>
@@ -1628,7 +1627,7 @@
           <a:p>
             <a:fld id="{DCCCB3B3-0381-6043-97A3-E72CD5022D9A}" type="datetimeFigureOut">
               <a:rPr lang="en-US" smtClean="0"/>
-              <a:t>9/15/20</a:t>
+              <a:t>9/16/20</a:t>
             </a:fld>
             <a:endParaRPr lang="en-US"/>
           </a:p>
@@ -1873,7 +1872,7 @@
           <a:p>
             <a:fld id="{DCCCB3B3-0381-6043-97A3-E72CD5022D9A}" type="datetimeFigureOut">
               <a:rPr lang="en-US" smtClean="0"/>
-              <a:t>9/15/20</a:t>
+              <a:t>9/16/20</a:t>
             </a:fld>
             <a:endParaRPr lang="en-US"/>
           </a:p>
@@ -2102,7 +2101,7 @@
           <a:p>
             <a:fld id="{DCCCB3B3-0381-6043-97A3-E72CD5022D9A}" type="datetimeFigureOut">
               <a:rPr lang="en-US" smtClean="0"/>
-              <a:t>9/15/20</a:t>
+              <a:t>9/16/20</a:t>
             </a:fld>
             <a:endParaRPr lang="en-US"/>
           </a:p>
@@ -2466,7 +2465,7 @@
           <a:p>
             <a:fld id="{DCCCB3B3-0381-6043-97A3-E72CD5022D9A}" type="datetimeFigureOut">
               <a:rPr lang="en-US" smtClean="0"/>
-              <a:t>9/15/20</a:t>
+              <a:t>9/16/20</a:t>
             </a:fld>
             <a:endParaRPr lang="en-US"/>
           </a:p>
@@ -2583,7 +2582,7 @@
           <a:p>
             <a:fld id="{DCCCB3B3-0381-6043-97A3-E72CD5022D9A}" type="datetimeFigureOut">
               <a:rPr lang="en-US" smtClean="0"/>
-              <a:t>9/15/20</a:t>
+              <a:t>9/16/20</a:t>
             </a:fld>
             <a:endParaRPr lang="en-US"/>
           </a:p>
@@ -2678,7 +2677,7 @@
           <a:p>
             <a:fld id="{DCCCB3B3-0381-6043-97A3-E72CD5022D9A}" type="datetimeFigureOut">
               <a:rPr lang="en-US" smtClean="0"/>
-              <a:t>9/15/20</a:t>
+              <a:t>9/16/20</a:t>
             </a:fld>
             <a:endParaRPr lang="en-US"/>
           </a:p>
@@ -2953,7 +2952,7 @@
           <a:p>
             <a:fld id="{DCCCB3B3-0381-6043-97A3-E72CD5022D9A}" type="datetimeFigureOut">
               <a:rPr lang="en-US" smtClean="0"/>
-              <a:t>9/15/20</a:t>
+              <a:t>9/16/20</a:t>
             </a:fld>
             <a:endParaRPr lang="en-US"/>
           </a:p>
@@ -3205,7 +3204,7 @@
           <a:p>
             <a:fld id="{DCCCB3B3-0381-6043-97A3-E72CD5022D9A}" type="datetimeFigureOut">
               <a:rPr lang="en-US" smtClean="0"/>
-              <a:t>9/15/20</a:t>
+              <a:t>9/16/20</a:t>
             </a:fld>
             <a:endParaRPr lang="en-US"/>
           </a:p>
@@ -3416,7 +3415,7 @@
           <a:p>
             <a:fld id="{DCCCB3B3-0381-6043-97A3-E72CD5022D9A}" type="datetimeFigureOut">
               <a:rPr lang="en-US" smtClean="0"/>
-              <a:t>9/15/20</a:t>
+              <a:t>9/16/20</a:t>
             </a:fld>
             <a:endParaRPr lang="en-US"/>
           </a:p>
@@ -3975,2036 +3974,6 @@
       </p:grpSpPr>
       <p:sp>
         <p:nvSpPr>
-          <p:cNvPr id="2" name="Title 1">
-            <a:extLst>
-              <a:ext uri="{FF2B5EF4-FFF2-40B4-BE49-F238E27FC236}">
-                <a16:creationId xmlns:a16="http://schemas.microsoft.com/office/drawing/2014/main" id="{60D35FD9-1452-FE4C-89E6-FADF62C4A3FB}"/>
-              </a:ext>
-            </a:extLst>
-          </p:cNvPr>
-          <p:cNvSpPr>
-            <a:spLocks noGrp="1"/>
-          </p:cNvSpPr>
-          <p:nvPr>
-            <p:ph type="title"/>
-          </p:nvPr>
-        </p:nvSpPr>
-        <p:spPr/>
-        <p:txBody>
-          <a:bodyPr/>
-          <a:lstStyle/>
-          <a:p>
-            <a:r>
-              <a:rPr lang="en-US" dirty="0"/>
-              <a:t>Socket: the interface to applications</a:t>
-            </a:r>
-          </a:p>
-        </p:txBody>
-      </p:sp>
-      <p:sp>
-        <p:nvSpPr>
-          <p:cNvPr id="3" name="Content Placeholder 2">
-            <a:extLst>
-              <a:ext uri="{FF2B5EF4-FFF2-40B4-BE49-F238E27FC236}">
-                <a16:creationId xmlns:a16="http://schemas.microsoft.com/office/drawing/2014/main" id="{69A88D2F-3226-C84B-AAA4-6DF9450BDDBB}"/>
-              </a:ext>
-            </a:extLst>
-          </p:cNvPr>
-          <p:cNvSpPr>
-            <a:spLocks noGrp="1"/>
-          </p:cNvSpPr>
-          <p:nvPr>
-            <p:ph idx="1"/>
-          </p:nvPr>
-        </p:nvSpPr>
-        <p:spPr>
-          <a:xfrm>
-            <a:off x="838200" y="1825625"/>
-            <a:ext cx="10515600" cy="4667250"/>
-          </a:xfrm>
-        </p:spPr>
-        <p:txBody>
-          <a:bodyPr/>
-          <a:lstStyle/>
-          <a:p>
-            <a:endParaRPr lang="en-US" dirty="0"/>
-          </a:p>
-          <a:p>
-            <a:endParaRPr lang="en-US" dirty="0"/>
-          </a:p>
-          <a:p>
-            <a:endParaRPr lang="en-US" dirty="0"/>
-          </a:p>
-          <a:p>
-            <a:endParaRPr lang="en-US" dirty="0"/>
-          </a:p>
-          <a:p>
-            <a:r>
-              <a:rPr lang="en-US" dirty="0"/>
-              <a:t>A socket is associated with five pieces of information:</a:t>
-            </a:r>
-          </a:p>
-          <a:p>
-            <a:pPr lvl="1"/>
-            <a:r>
-              <a:rPr lang="en-US" dirty="0"/>
-              <a:t>Source and destination IP address</a:t>
-            </a:r>
-          </a:p>
-          <a:p>
-            <a:pPr lvl="1"/>
-            <a:r>
-              <a:rPr lang="en-US" dirty="0"/>
-              <a:t>Source and destination port</a:t>
-            </a:r>
-          </a:p>
-          <a:p>
-            <a:pPr lvl="1"/>
-            <a:r>
-              <a:rPr lang="en-US" dirty="0"/>
-              <a:t>Kind of transport protocol (TCP/UDP)</a:t>
-            </a:r>
-          </a:p>
-          <a:p>
-            <a:r>
-              <a:rPr lang="en-US" dirty="0"/>
-              <a:t>Together referred to as the </a:t>
-            </a:r>
-            <a:r>
-              <a:rPr lang="en-US" dirty="0">
-                <a:solidFill>
-                  <a:srgbClr val="C00000"/>
-                </a:solidFill>
-              </a:rPr>
-              <a:t>connection five-tuple</a:t>
-            </a:r>
-          </a:p>
-          <a:p>
-            <a:endParaRPr lang="en-US" dirty="0"/>
-          </a:p>
-        </p:txBody>
-      </p:sp>
-      <p:sp>
-        <p:nvSpPr>
-          <p:cNvPr id="4" name="Oval 5">
-            <a:extLst>
-              <a:ext uri="{FF2B5EF4-FFF2-40B4-BE49-F238E27FC236}">
-                <a16:creationId xmlns:a16="http://schemas.microsoft.com/office/drawing/2014/main" id="{5234BFF6-3743-4847-BD31-331B12E95BF6}"/>
-              </a:ext>
-            </a:extLst>
-          </p:cNvPr>
-          <p:cNvSpPr>
-            <a:spLocks noChangeArrowheads="1"/>
-          </p:cNvSpPr>
-          <p:nvPr/>
-        </p:nvSpPr>
-        <p:spPr bwMode="auto">
-          <a:xfrm>
-            <a:off x="2240929" y="1441450"/>
-            <a:ext cx="2419350" cy="768350"/>
-          </a:xfrm>
-          <a:prstGeom prst="ellipse">
-            <a:avLst/>
-          </a:prstGeom>
-          <a:noFill/>
-          <a:ln w="9525">
-            <a:solidFill>
-              <a:schemeClr val="tx1"/>
-            </a:solidFill>
-            <a:round/>
-            <a:headEnd/>
-            <a:tailEnd/>
-          </a:ln>
-          <a:extLst>
-            <a:ext uri="{909E8E84-426E-40DD-AFC4-6F175D3DCCD1}">
-              <a14:hiddenFill xmlns:a14="http://schemas.microsoft.com/office/drawing/2010/main">
-                <a:solidFill>
-                  <a:srgbClr val="FFFFFF"/>
-                </a:solidFill>
-              </a14:hiddenFill>
-            </a:ext>
-          </a:extLst>
-        </p:spPr>
-        <p:txBody>
-          <a:bodyPr wrap="none" anchor="ctr"/>
-          <a:lstStyle>
-            <a:lvl1pPr eaLnBrk="0" hangingPunct="0">
-              <a:defRPr sz="2000" b="1">
-                <a:solidFill>
-                  <a:schemeClr val="tx1"/>
-                </a:solidFill>
-                <a:latin typeface="Helvetica" charset="0"/>
-                <a:ea typeface="Arial" charset="0"/>
-                <a:cs typeface="Arial" charset="0"/>
-              </a:defRPr>
-            </a:lvl1pPr>
-            <a:lvl2pPr marL="37931725" indent="-37474525" eaLnBrk="0" hangingPunct="0">
-              <a:defRPr sz="2000" b="1">
-                <a:solidFill>
-                  <a:schemeClr val="tx1"/>
-                </a:solidFill>
-                <a:latin typeface="Helvetica" charset="0"/>
-                <a:ea typeface="Arial" charset="0"/>
-                <a:cs typeface="Arial" charset="0"/>
-              </a:defRPr>
-            </a:lvl2pPr>
-            <a:lvl3pPr eaLnBrk="0" hangingPunct="0">
-              <a:defRPr sz="2000" b="1">
-                <a:solidFill>
-                  <a:schemeClr val="tx1"/>
-                </a:solidFill>
-                <a:latin typeface="Helvetica" charset="0"/>
-                <a:ea typeface="Arial" charset="0"/>
-                <a:cs typeface="Arial" charset="0"/>
-              </a:defRPr>
-            </a:lvl3pPr>
-            <a:lvl4pPr eaLnBrk="0" hangingPunct="0">
-              <a:defRPr sz="2000" b="1">
-                <a:solidFill>
-                  <a:schemeClr val="tx1"/>
-                </a:solidFill>
-                <a:latin typeface="Helvetica" charset="0"/>
-                <a:ea typeface="Arial" charset="0"/>
-                <a:cs typeface="Arial" charset="0"/>
-              </a:defRPr>
-            </a:lvl4pPr>
-            <a:lvl5pPr eaLnBrk="0" hangingPunct="0">
-              <a:defRPr sz="2000" b="1">
-                <a:solidFill>
-                  <a:schemeClr val="tx1"/>
-                </a:solidFill>
-                <a:latin typeface="Helvetica" charset="0"/>
-                <a:ea typeface="Arial" charset="0"/>
-                <a:cs typeface="Arial" charset="0"/>
-              </a:defRPr>
-            </a:lvl5pPr>
-            <a:lvl6pPr marL="457200" eaLnBrk="0" fontAlgn="base" hangingPunct="0">
-              <a:spcBef>
-                <a:spcPct val="0"/>
-              </a:spcBef>
-              <a:spcAft>
-                <a:spcPct val="0"/>
-              </a:spcAft>
-              <a:defRPr sz="2000" b="1">
-                <a:solidFill>
-                  <a:schemeClr val="tx1"/>
-                </a:solidFill>
-                <a:latin typeface="Helvetica" charset="0"/>
-                <a:ea typeface="Arial" charset="0"/>
-                <a:cs typeface="Arial" charset="0"/>
-              </a:defRPr>
-            </a:lvl6pPr>
-            <a:lvl7pPr marL="914400" eaLnBrk="0" fontAlgn="base" hangingPunct="0">
-              <a:spcBef>
-                <a:spcPct val="0"/>
-              </a:spcBef>
-              <a:spcAft>
-                <a:spcPct val="0"/>
-              </a:spcAft>
-              <a:defRPr sz="2000" b="1">
-                <a:solidFill>
-                  <a:schemeClr val="tx1"/>
-                </a:solidFill>
-                <a:latin typeface="Helvetica" charset="0"/>
-                <a:ea typeface="Arial" charset="0"/>
-                <a:cs typeface="Arial" charset="0"/>
-              </a:defRPr>
-            </a:lvl7pPr>
-            <a:lvl8pPr marL="1371600" eaLnBrk="0" fontAlgn="base" hangingPunct="0">
-              <a:spcBef>
-                <a:spcPct val="0"/>
-              </a:spcBef>
-              <a:spcAft>
-                <a:spcPct val="0"/>
-              </a:spcAft>
-              <a:defRPr sz="2000" b="1">
-                <a:solidFill>
-                  <a:schemeClr val="tx1"/>
-                </a:solidFill>
-                <a:latin typeface="Helvetica" charset="0"/>
-                <a:ea typeface="Arial" charset="0"/>
-                <a:cs typeface="Arial" charset="0"/>
-              </a:defRPr>
-            </a:lvl8pPr>
-            <a:lvl9pPr marL="1828800" eaLnBrk="0" fontAlgn="base" hangingPunct="0">
-              <a:spcBef>
-                <a:spcPct val="0"/>
-              </a:spcBef>
-              <a:spcAft>
-                <a:spcPct val="0"/>
-              </a:spcAft>
-              <a:defRPr sz="2000" b="1">
-                <a:solidFill>
-                  <a:schemeClr val="tx1"/>
-                </a:solidFill>
-                <a:latin typeface="Helvetica" charset="0"/>
-                <a:ea typeface="Arial" charset="0"/>
-                <a:cs typeface="Arial" charset="0"/>
-              </a:defRPr>
-            </a:lvl9pPr>
-          </a:lstStyle>
-          <a:p>
-            <a:pPr eaLnBrk="1" hangingPunct="1"/>
-            <a:endParaRPr lang="x-none" altLang="x-none"/>
-          </a:p>
-        </p:txBody>
-      </p:sp>
-      <p:sp>
-        <p:nvSpPr>
-          <p:cNvPr id="5" name="Oval 6">
-            <a:extLst>
-              <a:ext uri="{FF2B5EF4-FFF2-40B4-BE49-F238E27FC236}">
-                <a16:creationId xmlns:a16="http://schemas.microsoft.com/office/drawing/2014/main" id="{EE9BE5AC-6023-8246-98E7-0DFAC1F311EA}"/>
-              </a:ext>
-            </a:extLst>
-          </p:cNvPr>
-          <p:cNvSpPr>
-            <a:spLocks noChangeArrowheads="1"/>
-          </p:cNvSpPr>
-          <p:nvPr/>
-        </p:nvSpPr>
-        <p:spPr bwMode="auto">
-          <a:xfrm>
-            <a:off x="7501904" y="1441450"/>
-            <a:ext cx="2419350" cy="768350"/>
-          </a:xfrm>
-          <a:prstGeom prst="ellipse">
-            <a:avLst/>
-          </a:prstGeom>
-          <a:noFill/>
-          <a:ln w="9525">
-            <a:solidFill>
-              <a:schemeClr val="tx1"/>
-            </a:solidFill>
-            <a:round/>
-            <a:headEnd/>
-            <a:tailEnd/>
-          </a:ln>
-          <a:extLst>
-            <a:ext uri="{909E8E84-426E-40DD-AFC4-6F175D3DCCD1}">
-              <a14:hiddenFill xmlns:a14="http://schemas.microsoft.com/office/drawing/2010/main">
-                <a:solidFill>
-                  <a:srgbClr val="FFFFFF"/>
-                </a:solidFill>
-              </a14:hiddenFill>
-            </a:ext>
-          </a:extLst>
-        </p:spPr>
-        <p:txBody>
-          <a:bodyPr wrap="none" anchor="ctr"/>
-          <a:lstStyle>
-            <a:lvl1pPr eaLnBrk="0" hangingPunct="0">
-              <a:defRPr sz="2000" b="1">
-                <a:solidFill>
-                  <a:schemeClr val="tx1"/>
-                </a:solidFill>
-                <a:latin typeface="Helvetica" charset="0"/>
-                <a:ea typeface="Arial" charset="0"/>
-                <a:cs typeface="Arial" charset="0"/>
-              </a:defRPr>
-            </a:lvl1pPr>
-            <a:lvl2pPr marL="37931725" indent="-37474525" eaLnBrk="0" hangingPunct="0">
-              <a:defRPr sz="2000" b="1">
-                <a:solidFill>
-                  <a:schemeClr val="tx1"/>
-                </a:solidFill>
-                <a:latin typeface="Helvetica" charset="0"/>
-                <a:ea typeface="Arial" charset="0"/>
-                <a:cs typeface="Arial" charset="0"/>
-              </a:defRPr>
-            </a:lvl2pPr>
-            <a:lvl3pPr eaLnBrk="0" hangingPunct="0">
-              <a:defRPr sz="2000" b="1">
-                <a:solidFill>
-                  <a:schemeClr val="tx1"/>
-                </a:solidFill>
-                <a:latin typeface="Helvetica" charset="0"/>
-                <a:ea typeface="Arial" charset="0"/>
-                <a:cs typeface="Arial" charset="0"/>
-              </a:defRPr>
-            </a:lvl3pPr>
-            <a:lvl4pPr eaLnBrk="0" hangingPunct="0">
-              <a:defRPr sz="2000" b="1">
-                <a:solidFill>
-                  <a:schemeClr val="tx1"/>
-                </a:solidFill>
-                <a:latin typeface="Helvetica" charset="0"/>
-                <a:ea typeface="Arial" charset="0"/>
-                <a:cs typeface="Arial" charset="0"/>
-              </a:defRPr>
-            </a:lvl4pPr>
-            <a:lvl5pPr eaLnBrk="0" hangingPunct="0">
-              <a:defRPr sz="2000" b="1">
-                <a:solidFill>
-                  <a:schemeClr val="tx1"/>
-                </a:solidFill>
-                <a:latin typeface="Helvetica" charset="0"/>
-                <a:ea typeface="Arial" charset="0"/>
-                <a:cs typeface="Arial" charset="0"/>
-              </a:defRPr>
-            </a:lvl5pPr>
-            <a:lvl6pPr marL="457200" eaLnBrk="0" fontAlgn="base" hangingPunct="0">
-              <a:spcBef>
-                <a:spcPct val="0"/>
-              </a:spcBef>
-              <a:spcAft>
-                <a:spcPct val="0"/>
-              </a:spcAft>
-              <a:defRPr sz="2000" b="1">
-                <a:solidFill>
-                  <a:schemeClr val="tx1"/>
-                </a:solidFill>
-                <a:latin typeface="Helvetica" charset="0"/>
-                <a:ea typeface="Arial" charset="0"/>
-                <a:cs typeface="Arial" charset="0"/>
-              </a:defRPr>
-            </a:lvl6pPr>
-            <a:lvl7pPr marL="914400" eaLnBrk="0" fontAlgn="base" hangingPunct="0">
-              <a:spcBef>
-                <a:spcPct val="0"/>
-              </a:spcBef>
-              <a:spcAft>
-                <a:spcPct val="0"/>
-              </a:spcAft>
-              <a:defRPr sz="2000" b="1">
-                <a:solidFill>
-                  <a:schemeClr val="tx1"/>
-                </a:solidFill>
-                <a:latin typeface="Helvetica" charset="0"/>
-                <a:ea typeface="Arial" charset="0"/>
-                <a:cs typeface="Arial" charset="0"/>
-              </a:defRPr>
-            </a:lvl7pPr>
-            <a:lvl8pPr marL="1371600" eaLnBrk="0" fontAlgn="base" hangingPunct="0">
-              <a:spcBef>
-                <a:spcPct val="0"/>
-              </a:spcBef>
-              <a:spcAft>
-                <a:spcPct val="0"/>
-              </a:spcAft>
-              <a:defRPr sz="2000" b="1">
-                <a:solidFill>
-                  <a:schemeClr val="tx1"/>
-                </a:solidFill>
-                <a:latin typeface="Helvetica" charset="0"/>
-                <a:ea typeface="Arial" charset="0"/>
-                <a:cs typeface="Arial" charset="0"/>
-              </a:defRPr>
-            </a:lvl8pPr>
-            <a:lvl9pPr marL="1828800" eaLnBrk="0" fontAlgn="base" hangingPunct="0">
-              <a:spcBef>
-                <a:spcPct val="0"/>
-              </a:spcBef>
-              <a:spcAft>
-                <a:spcPct val="0"/>
-              </a:spcAft>
-              <a:defRPr sz="2000" b="1">
-                <a:solidFill>
-                  <a:schemeClr val="tx1"/>
-                </a:solidFill>
-                <a:latin typeface="Helvetica" charset="0"/>
-                <a:ea typeface="Arial" charset="0"/>
-                <a:cs typeface="Arial" charset="0"/>
-              </a:defRPr>
-            </a:lvl9pPr>
-          </a:lstStyle>
-          <a:p>
-            <a:pPr eaLnBrk="1" hangingPunct="1"/>
-            <a:endParaRPr lang="x-none" altLang="x-none"/>
-          </a:p>
-        </p:txBody>
-      </p:sp>
-      <p:sp>
-        <p:nvSpPr>
-          <p:cNvPr id="6" name="Text Box 8">
-            <a:extLst>
-              <a:ext uri="{FF2B5EF4-FFF2-40B4-BE49-F238E27FC236}">
-                <a16:creationId xmlns:a16="http://schemas.microsoft.com/office/drawing/2014/main" id="{D8811DC0-846D-514C-B9A7-3DF9EFE96A6C}"/>
-              </a:ext>
-            </a:extLst>
-          </p:cNvPr>
-          <p:cNvSpPr txBox="1">
-            <a:spLocks noChangeArrowheads="1"/>
-          </p:cNvSpPr>
-          <p:nvPr/>
-        </p:nvSpPr>
-        <p:spPr bwMode="auto">
-          <a:xfrm>
-            <a:off x="2625104" y="2247901"/>
-            <a:ext cx="1481496" cy="584775"/>
-          </a:xfrm>
-          <a:prstGeom prst="rect">
-            <a:avLst/>
-          </a:prstGeom>
-          <a:solidFill>
-            <a:srgbClr val="CCFFFF"/>
-          </a:solidFill>
-          <a:ln w="9525">
-            <a:solidFill>
-              <a:schemeClr val="tx1"/>
-            </a:solidFill>
-            <a:miter lim="800000"/>
-            <a:headEnd/>
-            <a:tailEnd/>
-          </a:ln>
-        </p:spPr>
-        <p:txBody>
-          <a:bodyPr wrap="none">
-            <a:spAutoFit/>
-          </a:bodyPr>
-          <a:lstStyle>
-            <a:lvl1pPr eaLnBrk="0" hangingPunct="0">
-              <a:defRPr sz="2000" b="1">
-                <a:solidFill>
-                  <a:schemeClr val="tx1"/>
-                </a:solidFill>
-                <a:latin typeface="Helvetica" charset="0"/>
-                <a:ea typeface="Arial" charset="0"/>
-                <a:cs typeface="Arial" charset="0"/>
-              </a:defRPr>
-            </a:lvl1pPr>
-            <a:lvl2pPr marL="37931725" indent="-37474525" eaLnBrk="0" hangingPunct="0">
-              <a:defRPr sz="2000" b="1">
-                <a:solidFill>
-                  <a:schemeClr val="tx1"/>
-                </a:solidFill>
-                <a:latin typeface="Helvetica" charset="0"/>
-                <a:ea typeface="Arial" charset="0"/>
-                <a:cs typeface="Arial" charset="0"/>
-              </a:defRPr>
-            </a:lvl2pPr>
-            <a:lvl3pPr eaLnBrk="0" hangingPunct="0">
-              <a:defRPr sz="2000" b="1">
-                <a:solidFill>
-                  <a:schemeClr val="tx1"/>
-                </a:solidFill>
-                <a:latin typeface="Helvetica" charset="0"/>
-                <a:ea typeface="Arial" charset="0"/>
-                <a:cs typeface="Arial" charset="0"/>
-              </a:defRPr>
-            </a:lvl3pPr>
-            <a:lvl4pPr eaLnBrk="0" hangingPunct="0">
-              <a:defRPr sz="2000" b="1">
-                <a:solidFill>
-                  <a:schemeClr val="tx1"/>
-                </a:solidFill>
-                <a:latin typeface="Helvetica" charset="0"/>
-                <a:ea typeface="Arial" charset="0"/>
-                <a:cs typeface="Arial" charset="0"/>
-              </a:defRPr>
-            </a:lvl4pPr>
-            <a:lvl5pPr eaLnBrk="0" hangingPunct="0">
-              <a:defRPr sz="2000" b="1">
-                <a:solidFill>
-                  <a:schemeClr val="tx1"/>
-                </a:solidFill>
-                <a:latin typeface="Helvetica" charset="0"/>
-                <a:ea typeface="Arial" charset="0"/>
-                <a:cs typeface="Arial" charset="0"/>
-              </a:defRPr>
-            </a:lvl5pPr>
-            <a:lvl6pPr marL="457200" eaLnBrk="0" fontAlgn="base" hangingPunct="0">
-              <a:spcBef>
-                <a:spcPct val="0"/>
-              </a:spcBef>
-              <a:spcAft>
-                <a:spcPct val="0"/>
-              </a:spcAft>
-              <a:defRPr sz="2000" b="1">
-                <a:solidFill>
-                  <a:schemeClr val="tx1"/>
-                </a:solidFill>
-                <a:latin typeface="Helvetica" charset="0"/>
-                <a:ea typeface="Arial" charset="0"/>
-                <a:cs typeface="Arial" charset="0"/>
-              </a:defRPr>
-            </a:lvl6pPr>
-            <a:lvl7pPr marL="914400" eaLnBrk="0" fontAlgn="base" hangingPunct="0">
-              <a:spcBef>
-                <a:spcPct val="0"/>
-              </a:spcBef>
-              <a:spcAft>
-                <a:spcPct val="0"/>
-              </a:spcAft>
-              <a:defRPr sz="2000" b="1">
-                <a:solidFill>
-                  <a:schemeClr val="tx1"/>
-                </a:solidFill>
-                <a:latin typeface="Helvetica" charset="0"/>
-                <a:ea typeface="Arial" charset="0"/>
-                <a:cs typeface="Arial" charset="0"/>
-              </a:defRPr>
-            </a:lvl7pPr>
-            <a:lvl8pPr marL="1371600" eaLnBrk="0" fontAlgn="base" hangingPunct="0">
-              <a:spcBef>
-                <a:spcPct val="0"/>
-              </a:spcBef>
-              <a:spcAft>
-                <a:spcPct val="0"/>
-              </a:spcAft>
-              <a:defRPr sz="2000" b="1">
-                <a:solidFill>
-                  <a:schemeClr val="tx1"/>
-                </a:solidFill>
-                <a:latin typeface="Helvetica" charset="0"/>
-                <a:ea typeface="Arial" charset="0"/>
-                <a:cs typeface="Arial" charset="0"/>
-              </a:defRPr>
-            </a:lvl8pPr>
-            <a:lvl9pPr marL="1828800" eaLnBrk="0" fontAlgn="base" hangingPunct="0">
-              <a:spcBef>
-                <a:spcPct val="0"/>
-              </a:spcBef>
-              <a:spcAft>
-                <a:spcPct val="0"/>
-              </a:spcAft>
-              <a:defRPr sz="2000" b="1">
-                <a:solidFill>
-                  <a:schemeClr val="tx1"/>
-                </a:solidFill>
-                <a:latin typeface="Helvetica" charset="0"/>
-                <a:ea typeface="Arial" charset="0"/>
-                <a:cs typeface="Arial" charset="0"/>
-              </a:defRPr>
-            </a:lvl9pPr>
-          </a:lstStyle>
-          <a:p>
-            <a:pPr eaLnBrk="1" hangingPunct="1"/>
-            <a:r>
-              <a:rPr lang="en-US" altLang="x-none" sz="3200"/>
-              <a:t>socket</a:t>
-            </a:r>
-          </a:p>
-        </p:txBody>
-      </p:sp>
-      <p:sp>
-        <p:nvSpPr>
-          <p:cNvPr id="7" name="Text Box 9">
-            <a:extLst>
-              <a:ext uri="{FF2B5EF4-FFF2-40B4-BE49-F238E27FC236}">
-                <a16:creationId xmlns:a16="http://schemas.microsoft.com/office/drawing/2014/main" id="{878664BF-55F2-5446-A75F-CD0D37C8348F}"/>
-              </a:ext>
-            </a:extLst>
-          </p:cNvPr>
-          <p:cNvSpPr txBox="1">
-            <a:spLocks noChangeArrowheads="1"/>
-          </p:cNvSpPr>
-          <p:nvPr/>
-        </p:nvSpPr>
-        <p:spPr bwMode="auto">
-          <a:xfrm>
-            <a:off x="7847979" y="2247901"/>
-            <a:ext cx="1481496" cy="584775"/>
-          </a:xfrm>
-          <a:prstGeom prst="rect">
-            <a:avLst/>
-          </a:prstGeom>
-          <a:solidFill>
-            <a:srgbClr val="CCFFFF"/>
-          </a:solidFill>
-          <a:ln w="9525">
-            <a:solidFill>
-              <a:schemeClr val="tx1"/>
-            </a:solidFill>
-            <a:miter lim="800000"/>
-            <a:headEnd/>
-            <a:tailEnd/>
-          </a:ln>
-        </p:spPr>
-        <p:txBody>
-          <a:bodyPr wrap="none">
-            <a:spAutoFit/>
-          </a:bodyPr>
-          <a:lstStyle>
-            <a:lvl1pPr eaLnBrk="0" hangingPunct="0">
-              <a:defRPr sz="2000" b="1">
-                <a:solidFill>
-                  <a:schemeClr val="tx1"/>
-                </a:solidFill>
-                <a:latin typeface="Helvetica" charset="0"/>
-                <a:ea typeface="Arial" charset="0"/>
-                <a:cs typeface="Arial" charset="0"/>
-              </a:defRPr>
-            </a:lvl1pPr>
-            <a:lvl2pPr marL="37931725" indent="-37474525" eaLnBrk="0" hangingPunct="0">
-              <a:defRPr sz="2000" b="1">
-                <a:solidFill>
-                  <a:schemeClr val="tx1"/>
-                </a:solidFill>
-                <a:latin typeface="Helvetica" charset="0"/>
-                <a:ea typeface="Arial" charset="0"/>
-                <a:cs typeface="Arial" charset="0"/>
-              </a:defRPr>
-            </a:lvl2pPr>
-            <a:lvl3pPr eaLnBrk="0" hangingPunct="0">
-              <a:defRPr sz="2000" b="1">
-                <a:solidFill>
-                  <a:schemeClr val="tx1"/>
-                </a:solidFill>
-                <a:latin typeface="Helvetica" charset="0"/>
-                <a:ea typeface="Arial" charset="0"/>
-                <a:cs typeface="Arial" charset="0"/>
-              </a:defRPr>
-            </a:lvl3pPr>
-            <a:lvl4pPr eaLnBrk="0" hangingPunct="0">
-              <a:defRPr sz="2000" b="1">
-                <a:solidFill>
-                  <a:schemeClr val="tx1"/>
-                </a:solidFill>
-                <a:latin typeface="Helvetica" charset="0"/>
-                <a:ea typeface="Arial" charset="0"/>
-                <a:cs typeface="Arial" charset="0"/>
-              </a:defRPr>
-            </a:lvl4pPr>
-            <a:lvl5pPr eaLnBrk="0" hangingPunct="0">
-              <a:defRPr sz="2000" b="1">
-                <a:solidFill>
-                  <a:schemeClr val="tx1"/>
-                </a:solidFill>
-                <a:latin typeface="Helvetica" charset="0"/>
-                <a:ea typeface="Arial" charset="0"/>
-                <a:cs typeface="Arial" charset="0"/>
-              </a:defRPr>
-            </a:lvl5pPr>
-            <a:lvl6pPr marL="457200" eaLnBrk="0" fontAlgn="base" hangingPunct="0">
-              <a:spcBef>
-                <a:spcPct val="0"/>
-              </a:spcBef>
-              <a:spcAft>
-                <a:spcPct val="0"/>
-              </a:spcAft>
-              <a:defRPr sz="2000" b="1">
-                <a:solidFill>
-                  <a:schemeClr val="tx1"/>
-                </a:solidFill>
-                <a:latin typeface="Helvetica" charset="0"/>
-                <a:ea typeface="Arial" charset="0"/>
-                <a:cs typeface="Arial" charset="0"/>
-              </a:defRPr>
-            </a:lvl6pPr>
-            <a:lvl7pPr marL="914400" eaLnBrk="0" fontAlgn="base" hangingPunct="0">
-              <a:spcBef>
-                <a:spcPct val="0"/>
-              </a:spcBef>
-              <a:spcAft>
-                <a:spcPct val="0"/>
-              </a:spcAft>
-              <a:defRPr sz="2000" b="1">
-                <a:solidFill>
-                  <a:schemeClr val="tx1"/>
-                </a:solidFill>
-                <a:latin typeface="Helvetica" charset="0"/>
-                <a:ea typeface="Arial" charset="0"/>
-                <a:cs typeface="Arial" charset="0"/>
-              </a:defRPr>
-            </a:lvl7pPr>
-            <a:lvl8pPr marL="1371600" eaLnBrk="0" fontAlgn="base" hangingPunct="0">
-              <a:spcBef>
-                <a:spcPct val="0"/>
-              </a:spcBef>
-              <a:spcAft>
-                <a:spcPct val="0"/>
-              </a:spcAft>
-              <a:defRPr sz="2000" b="1">
-                <a:solidFill>
-                  <a:schemeClr val="tx1"/>
-                </a:solidFill>
-                <a:latin typeface="Helvetica" charset="0"/>
-                <a:ea typeface="Arial" charset="0"/>
-                <a:cs typeface="Arial" charset="0"/>
-              </a:defRPr>
-            </a:lvl8pPr>
-            <a:lvl9pPr marL="1828800" eaLnBrk="0" fontAlgn="base" hangingPunct="0">
-              <a:spcBef>
-                <a:spcPct val="0"/>
-              </a:spcBef>
-              <a:spcAft>
-                <a:spcPct val="0"/>
-              </a:spcAft>
-              <a:defRPr sz="2000" b="1">
-                <a:solidFill>
-                  <a:schemeClr val="tx1"/>
-                </a:solidFill>
-                <a:latin typeface="Helvetica" charset="0"/>
-                <a:ea typeface="Arial" charset="0"/>
-                <a:cs typeface="Arial" charset="0"/>
-              </a:defRPr>
-            </a:lvl9pPr>
-          </a:lstStyle>
-          <a:p>
-            <a:pPr eaLnBrk="1" hangingPunct="1"/>
-            <a:r>
-              <a:rPr lang="en-US" altLang="x-none" sz="3200"/>
-              <a:t>socket</a:t>
-            </a:r>
-          </a:p>
-        </p:txBody>
-      </p:sp>
-      <p:sp>
-        <p:nvSpPr>
-          <p:cNvPr id="8" name="Text Box 11">
-            <a:extLst>
-              <a:ext uri="{FF2B5EF4-FFF2-40B4-BE49-F238E27FC236}">
-                <a16:creationId xmlns:a16="http://schemas.microsoft.com/office/drawing/2014/main" id="{B3AC0863-F204-E647-9AA5-CB7E05735E3D}"/>
-              </a:ext>
-            </a:extLst>
-          </p:cNvPr>
-          <p:cNvSpPr txBox="1">
-            <a:spLocks noChangeArrowheads="1"/>
-          </p:cNvSpPr>
-          <p:nvPr/>
-        </p:nvSpPr>
-        <p:spPr bwMode="auto">
-          <a:xfrm>
-            <a:off x="2433017" y="1633538"/>
-            <a:ext cx="1810111" cy="400110"/>
-          </a:xfrm>
-          <a:prstGeom prst="rect">
-            <a:avLst/>
-          </a:prstGeom>
-          <a:noFill/>
-          <a:ln>
-            <a:noFill/>
-          </a:ln>
-          <a:extLst>
-            <a:ext uri="{909E8E84-426E-40DD-AFC4-6F175D3DCCD1}">
-              <a14:hiddenFill xmlns:a14="http://schemas.microsoft.com/office/drawing/2010/main">
-                <a:solidFill>
-                  <a:srgbClr val="FFFFFF"/>
-                </a:solidFill>
-              </a14:hiddenFill>
-            </a:ext>
-            <a:ext uri="{91240B29-F687-4F45-9708-019B960494DF}">
-              <a14:hiddenLine xmlns:a14="http://schemas.microsoft.com/office/drawing/2010/main" w="9525">
-                <a:solidFill>
-                  <a:srgbClr val="000000"/>
-                </a:solidFill>
-                <a:miter lim="800000"/>
-                <a:headEnd/>
-                <a:tailEnd/>
-              </a14:hiddenLine>
-            </a:ext>
-          </a:extLst>
-        </p:spPr>
-        <p:txBody>
-          <a:bodyPr wrap="none">
-            <a:spAutoFit/>
-          </a:bodyPr>
-          <a:lstStyle>
-            <a:lvl1pPr eaLnBrk="0" hangingPunct="0">
-              <a:defRPr sz="2000" b="1">
-                <a:solidFill>
-                  <a:schemeClr val="tx1"/>
-                </a:solidFill>
-                <a:latin typeface="Helvetica" charset="0"/>
-                <a:ea typeface="Arial" charset="0"/>
-                <a:cs typeface="Arial" charset="0"/>
-              </a:defRPr>
-            </a:lvl1pPr>
-            <a:lvl2pPr marL="37931725" indent="-37474525" eaLnBrk="0" hangingPunct="0">
-              <a:defRPr sz="2000" b="1">
-                <a:solidFill>
-                  <a:schemeClr val="tx1"/>
-                </a:solidFill>
-                <a:latin typeface="Helvetica" charset="0"/>
-                <a:ea typeface="Arial" charset="0"/>
-                <a:cs typeface="Arial" charset="0"/>
-              </a:defRPr>
-            </a:lvl2pPr>
-            <a:lvl3pPr eaLnBrk="0" hangingPunct="0">
-              <a:defRPr sz="2000" b="1">
-                <a:solidFill>
-                  <a:schemeClr val="tx1"/>
-                </a:solidFill>
-                <a:latin typeface="Helvetica" charset="0"/>
-                <a:ea typeface="Arial" charset="0"/>
-                <a:cs typeface="Arial" charset="0"/>
-              </a:defRPr>
-            </a:lvl3pPr>
-            <a:lvl4pPr eaLnBrk="0" hangingPunct="0">
-              <a:defRPr sz="2000" b="1">
-                <a:solidFill>
-                  <a:schemeClr val="tx1"/>
-                </a:solidFill>
-                <a:latin typeface="Helvetica" charset="0"/>
-                <a:ea typeface="Arial" charset="0"/>
-                <a:cs typeface="Arial" charset="0"/>
-              </a:defRPr>
-            </a:lvl4pPr>
-            <a:lvl5pPr eaLnBrk="0" hangingPunct="0">
-              <a:defRPr sz="2000" b="1">
-                <a:solidFill>
-                  <a:schemeClr val="tx1"/>
-                </a:solidFill>
-                <a:latin typeface="Helvetica" charset="0"/>
-                <a:ea typeface="Arial" charset="0"/>
-                <a:cs typeface="Arial" charset="0"/>
-              </a:defRPr>
-            </a:lvl5pPr>
-            <a:lvl6pPr marL="457200" eaLnBrk="0" fontAlgn="base" hangingPunct="0">
-              <a:spcBef>
-                <a:spcPct val="0"/>
-              </a:spcBef>
-              <a:spcAft>
-                <a:spcPct val="0"/>
-              </a:spcAft>
-              <a:defRPr sz="2000" b="1">
-                <a:solidFill>
-                  <a:schemeClr val="tx1"/>
-                </a:solidFill>
-                <a:latin typeface="Helvetica" charset="0"/>
-                <a:ea typeface="Arial" charset="0"/>
-                <a:cs typeface="Arial" charset="0"/>
-              </a:defRPr>
-            </a:lvl6pPr>
-            <a:lvl7pPr marL="914400" eaLnBrk="0" fontAlgn="base" hangingPunct="0">
-              <a:spcBef>
-                <a:spcPct val="0"/>
-              </a:spcBef>
-              <a:spcAft>
-                <a:spcPct val="0"/>
-              </a:spcAft>
-              <a:defRPr sz="2000" b="1">
-                <a:solidFill>
-                  <a:schemeClr val="tx1"/>
-                </a:solidFill>
-                <a:latin typeface="Helvetica" charset="0"/>
-                <a:ea typeface="Arial" charset="0"/>
-                <a:cs typeface="Arial" charset="0"/>
-              </a:defRPr>
-            </a:lvl7pPr>
-            <a:lvl8pPr marL="1371600" eaLnBrk="0" fontAlgn="base" hangingPunct="0">
-              <a:spcBef>
-                <a:spcPct val="0"/>
-              </a:spcBef>
-              <a:spcAft>
-                <a:spcPct val="0"/>
-              </a:spcAft>
-              <a:defRPr sz="2000" b="1">
-                <a:solidFill>
-                  <a:schemeClr val="tx1"/>
-                </a:solidFill>
-                <a:latin typeface="Helvetica" charset="0"/>
-                <a:ea typeface="Arial" charset="0"/>
-                <a:cs typeface="Arial" charset="0"/>
-              </a:defRPr>
-            </a:lvl8pPr>
-            <a:lvl9pPr marL="1828800" eaLnBrk="0" fontAlgn="base" hangingPunct="0">
-              <a:spcBef>
-                <a:spcPct val="0"/>
-              </a:spcBef>
-              <a:spcAft>
-                <a:spcPct val="0"/>
-              </a:spcAft>
-              <a:defRPr sz="2000" b="1">
-                <a:solidFill>
-                  <a:schemeClr val="tx1"/>
-                </a:solidFill>
-                <a:latin typeface="Helvetica" charset="0"/>
-                <a:ea typeface="Arial" charset="0"/>
-                <a:cs typeface="Arial" charset="0"/>
-              </a:defRPr>
-            </a:lvl9pPr>
-          </a:lstStyle>
-          <a:p>
-            <a:pPr eaLnBrk="1" hangingPunct="1"/>
-            <a:r>
-              <a:rPr lang="en-US" altLang="x-none"/>
-              <a:t>User process</a:t>
-            </a:r>
-          </a:p>
-        </p:txBody>
-      </p:sp>
-      <p:sp>
-        <p:nvSpPr>
-          <p:cNvPr id="9" name="Text Box 12">
-            <a:extLst>
-              <a:ext uri="{FF2B5EF4-FFF2-40B4-BE49-F238E27FC236}">
-                <a16:creationId xmlns:a16="http://schemas.microsoft.com/office/drawing/2014/main" id="{C0946131-8E23-DE4B-9DCB-A0A8A2567F51}"/>
-              </a:ext>
-            </a:extLst>
-          </p:cNvPr>
-          <p:cNvSpPr txBox="1">
-            <a:spLocks noChangeArrowheads="1"/>
-          </p:cNvSpPr>
-          <p:nvPr/>
-        </p:nvSpPr>
-        <p:spPr bwMode="auto">
-          <a:xfrm>
-            <a:off x="7732092" y="1620838"/>
-            <a:ext cx="1810111" cy="400110"/>
-          </a:xfrm>
-          <a:prstGeom prst="rect">
-            <a:avLst/>
-          </a:prstGeom>
-          <a:noFill/>
-          <a:ln>
-            <a:noFill/>
-          </a:ln>
-          <a:extLst>
-            <a:ext uri="{909E8E84-426E-40DD-AFC4-6F175D3DCCD1}">
-              <a14:hiddenFill xmlns:a14="http://schemas.microsoft.com/office/drawing/2010/main">
-                <a:solidFill>
-                  <a:srgbClr val="FFFFFF"/>
-                </a:solidFill>
-              </a14:hiddenFill>
-            </a:ext>
-            <a:ext uri="{91240B29-F687-4F45-9708-019B960494DF}">
-              <a14:hiddenLine xmlns:a14="http://schemas.microsoft.com/office/drawing/2010/main" w="9525">
-                <a:solidFill>
-                  <a:srgbClr val="000000"/>
-                </a:solidFill>
-                <a:miter lim="800000"/>
-                <a:headEnd/>
-                <a:tailEnd/>
-              </a14:hiddenLine>
-            </a:ext>
-          </a:extLst>
-        </p:spPr>
-        <p:txBody>
-          <a:bodyPr wrap="none">
-            <a:spAutoFit/>
-          </a:bodyPr>
-          <a:lstStyle>
-            <a:lvl1pPr eaLnBrk="0" hangingPunct="0">
-              <a:defRPr sz="2000" b="1">
-                <a:solidFill>
-                  <a:schemeClr val="tx1"/>
-                </a:solidFill>
-                <a:latin typeface="Helvetica" charset="0"/>
-                <a:ea typeface="Arial" charset="0"/>
-                <a:cs typeface="Arial" charset="0"/>
-              </a:defRPr>
-            </a:lvl1pPr>
-            <a:lvl2pPr marL="37931725" indent="-37474525" eaLnBrk="0" hangingPunct="0">
-              <a:defRPr sz="2000" b="1">
-                <a:solidFill>
-                  <a:schemeClr val="tx1"/>
-                </a:solidFill>
-                <a:latin typeface="Helvetica" charset="0"/>
-                <a:ea typeface="Arial" charset="0"/>
-                <a:cs typeface="Arial" charset="0"/>
-              </a:defRPr>
-            </a:lvl2pPr>
-            <a:lvl3pPr eaLnBrk="0" hangingPunct="0">
-              <a:defRPr sz="2000" b="1">
-                <a:solidFill>
-                  <a:schemeClr val="tx1"/>
-                </a:solidFill>
-                <a:latin typeface="Helvetica" charset="0"/>
-                <a:ea typeface="Arial" charset="0"/>
-                <a:cs typeface="Arial" charset="0"/>
-              </a:defRPr>
-            </a:lvl3pPr>
-            <a:lvl4pPr eaLnBrk="0" hangingPunct="0">
-              <a:defRPr sz="2000" b="1">
-                <a:solidFill>
-                  <a:schemeClr val="tx1"/>
-                </a:solidFill>
-                <a:latin typeface="Helvetica" charset="0"/>
-                <a:ea typeface="Arial" charset="0"/>
-                <a:cs typeface="Arial" charset="0"/>
-              </a:defRPr>
-            </a:lvl4pPr>
-            <a:lvl5pPr eaLnBrk="0" hangingPunct="0">
-              <a:defRPr sz="2000" b="1">
-                <a:solidFill>
-                  <a:schemeClr val="tx1"/>
-                </a:solidFill>
-                <a:latin typeface="Helvetica" charset="0"/>
-                <a:ea typeface="Arial" charset="0"/>
-                <a:cs typeface="Arial" charset="0"/>
-              </a:defRPr>
-            </a:lvl5pPr>
-            <a:lvl6pPr marL="457200" eaLnBrk="0" fontAlgn="base" hangingPunct="0">
-              <a:spcBef>
-                <a:spcPct val="0"/>
-              </a:spcBef>
-              <a:spcAft>
-                <a:spcPct val="0"/>
-              </a:spcAft>
-              <a:defRPr sz="2000" b="1">
-                <a:solidFill>
-                  <a:schemeClr val="tx1"/>
-                </a:solidFill>
-                <a:latin typeface="Helvetica" charset="0"/>
-                <a:ea typeface="Arial" charset="0"/>
-                <a:cs typeface="Arial" charset="0"/>
-              </a:defRPr>
-            </a:lvl6pPr>
-            <a:lvl7pPr marL="914400" eaLnBrk="0" fontAlgn="base" hangingPunct="0">
-              <a:spcBef>
-                <a:spcPct val="0"/>
-              </a:spcBef>
-              <a:spcAft>
-                <a:spcPct val="0"/>
-              </a:spcAft>
-              <a:defRPr sz="2000" b="1">
-                <a:solidFill>
-                  <a:schemeClr val="tx1"/>
-                </a:solidFill>
-                <a:latin typeface="Helvetica" charset="0"/>
-                <a:ea typeface="Arial" charset="0"/>
-                <a:cs typeface="Arial" charset="0"/>
-              </a:defRPr>
-            </a:lvl7pPr>
-            <a:lvl8pPr marL="1371600" eaLnBrk="0" fontAlgn="base" hangingPunct="0">
-              <a:spcBef>
-                <a:spcPct val="0"/>
-              </a:spcBef>
-              <a:spcAft>
-                <a:spcPct val="0"/>
-              </a:spcAft>
-              <a:defRPr sz="2000" b="1">
-                <a:solidFill>
-                  <a:schemeClr val="tx1"/>
-                </a:solidFill>
-                <a:latin typeface="Helvetica" charset="0"/>
-                <a:ea typeface="Arial" charset="0"/>
-                <a:cs typeface="Arial" charset="0"/>
-              </a:defRPr>
-            </a:lvl8pPr>
-            <a:lvl9pPr marL="1828800" eaLnBrk="0" fontAlgn="base" hangingPunct="0">
-              <a:spcBef>
-                <a:spcPct val="0"/>
-              </a:spcBef>
-              <a:spcAft>
-                <a:spcPct val="0"/>
-              </a:spcAft>
-              <a:defRPr sz="2000" b="1">
-                <a:solidFill>
-                  <a:schemeClr val="tx1"/>
-                </a:solidFill>
-                <a:latin typeface="Helvetica" charset="0"/>
-                <a:ea typeface="Arial" charset="0"/>
-                <a:cs typeface="Arial" charset="0"/>
-              </a:defRPr>
-            </a:lvl9pPr>
-          </a:lstStyle>
-          <a:p>
-            <a:pPr eaLnBrk="1" hangingPunct="1"/>
-            <a:r>
-              <a:rPr lang="en-US" altLang="x-none"/>
-              <a:t>User process</a:t>
-            </a:r>
-          </a:p>
-        </p:txBody>
-      </p:sp>
-      <p:sp>
-        <p:nvSpPr>
-          <p:cNvPr id="10" name="Text Box 13">
-            <a:extLst>
-              <a:ext uri="{FF2B5EF4-FFF2-40B4-BE49-F238E27FC236}">
-                <a16:creationId xmlns:a16="http://schemas.microsoft.com/office/drawing/2014/main" id="{326D560E-144B-9D49-BD4A-5AD8CBDCDFDB}"/>
-              </a:ext>
-            </a:extLst>
-          </p:cNvPr>
-          <p:cNvSpPr txBox="1">
-            <a:spLocks noChangeArrowheads="1"/>
-          </p:cNvSpPr>
-          <p:nvPr/>
-        </p:nvSpPr>
-        <p:spPr bwMode="auto">
-          <a:xfrm>
-            <a:off x="2682254" y="2851150"/>
-            <a:ext cx="1394934" cy="707886"/>
-          </a:xfrm>
-          <a:prstGeom prst="rect">
-            <a:avLst/>
-          </a:prstGeom>
-          <a:solidFill>
-            <a:srgbClr val="99CCFF"/>
-          </a:solidFill>
-          <a:ln>
-            <a:noFill/>
-          </a:ln>
-          <a:extLst>
-            <a:ext uri="{91240B29-F687-4F45-9708-019B960494DF}">
-              <a14:hiddenLine xmlns:a14="http://schemas.microsoft.com/office/drawing/2010/main" w="9525">
-                <a:solidFill>
-                  <a:srgbClr val="000000"/>
-                </a:solidFill>
-                <a:miter lim="800000"/>
-                <a:headEnd/>
-                <a:tailEnd/>
-              </a14:hiddenLine>
-            </a:ext>
-          </a:extLst>
-        </p:spPr>
-        <p:txBody>
-          <a:bodyPr wrap="none">
-            <a:spAutoFit/>
-          </a:bodyPr>
-          <a:lstStyle>
-            <a:lvl1pPr eaLnBrk="0" hangingPunct="0">
-              <a:defRPr sz="2000" b="1">
-                <a:solidFill>
-                  <a:schemeClr val="tx1"/>
-                </a:solidFill>
-                <a:latin typeface="Helvetica" charset="0"/>
-                <a:ea typeface="Arial" charset="0"/>
-                <a:cs typeface="Arial" charset="0"/>
-              </a:defRPr>
-            </a:lvl1pPr>
-            <a:lvl2pPr marL="37931725" indent="-37474525" eaLnBrk="0" hangingPunct="0">
-              <a:defRPr sz="2000" b="1">
-                <a:solidFill>
-                  <a:schemeClr val="tx1"/>
-                </a:solidFill>
-                <a:latin typeface="Helvetica" charset="0"/>
-                <a:ea typeface="Arial" charset="0"/>
-                <a:cs typeface="Arial" charset="0"/>
-              </a:defRPr>
-            </a:lvl2pPr>
-            <a:lvl3pPr eaLnBrk="0" hangingPunct="0">
-              <a:defRPr sz="2000" b="1">
-                <a:solidFill>
-                  <a:schemeClr val="tx1"/>
-                </a:solidFill>
-                <a:latin typeface="Helvetica" charset="0"/>
-                <a:ea typeface="Arial" charset="0"/>
-                <a:cs typeface="Arial" charset="0"/>
-              </a:defRPr>
-            </a:lvl3pPr>
-            <a:lvl4pPr eaLnBrk="0" hangingPunct="0">
-              <a:defRPr sz="2000" b="1">
-                <a:solidFill>
-                  <a:schemeClr val="tx1"/>
-                </a:solidFill>
-                <a:latin typeface="Helvetica" charset="0"/>
-                <a:ea typeface="Arial" charset="0"/>
-                <a:cs typeface="Arial" charset="0"/>
-              </a:defRPr>
-            </a:lvl4pPr>
-            <a:lvl5pPr eaLnBrk="0" hangingPunct="0">
-              <a:defRPr sz="2000" b="1">
-                <a:solidFill>
-                  <a:schemeClr val="tx1"/>
-                </a:solidFill>
-                <a:latin typeface="Helvetica" charset="0"/>
-                <a:ea typeface="Arial" charset="0"/>
-                <a:cs typeface="Arial" charset="0"/>
-              </a:defRPr>
-            </a:lvl5pPr>
-            <a:lvl6pPr marL="457200" eaLnBrk="0" fontAlgn="base" hangingPunct="0">
-              <a:spcBef>
-                <a:spcPct val="0"/>
-              </a:spcBef>
-              <a:spcAft>
-                <a:spcPct val="0"/>
-              </a:spcAft>
-              <a:defRPr sz="2000" b="1">
-                <a:solidFill>
-                  <a:schemeClr val="tx1"/>
-                </a:solidFill>
-                <a:latin typeface="Helvetica" charset="0"/>
-                <a:ea typeface="Arial" charset="0"/>
-                <a:cs typeface="Arial" charset="0"/>
-              </a:defRPr>
-            </a:lvl6pPr>
-            <a:lvl7pPr marL="914400" eaLnBrk="0" fontAlgn="base" hangingPunct="0">
-              <a:spcBef>
-                <a:spcPct val="0"/>
-              </a:spcBef>
-              <a:spcAft>
-                <a:spcPct val="0"/>
-              </a:spcAft>
-              <a:defRPr sz="2000" b="1">
-                <a:solidFill>
-                  <a:schemeClr val="tx1"/>
-                </a:solidFill>
-                <a:latin typeface="Helvetica" charset="0"/>
-                <a:ea typeface="Arial" charset="0"/>
-                <a:cs typeface="Arial" charset="0"/>
-              </a:defRPr>
-            </a:lvl7pPr>
-            <a:lvl8pPr marL="1371600" eaLnBrk="0" fontAlgn="base" hangingPunct="0">
-              <a:spcBef>
-                <a:spcPct val="0"/>
-              </a:spcBef>
-              <a:spcAft>
-                <a:spcPct val="0"/>
-              </a:spcAft>
-              <a:defRPr sz="2000" b="1">
-                <a:solidFill>
-                  <a:schemeClr val="tx1"/>
-                </a:solidFill>
-                <a:latin typeface="Helvetica" charset="0"/>
-                <a:ea typeface="Arial" charset="0"/>
-                <a:cs typeface="Arial" charset="0"/>
-              </a:defRPr>
-            </a:lvl8pPr>
-            <a:lvl9pPr marL="1828800" eaLnBrk="0" fontAlgn="base" hangingPunct="0">
-              <a:spcBef>
-                <a:spcPct val="0"/>
-              </a:spcBef>
-              <a:spcAft>
-                <a:spcPct val="0"/>
-              </a:spcAft>
-              <a:defRPr sz="2000" b="1">
-                <a:solidFill>
-                  <a:schemeClr val="tx1"/>
-                </a:solidFill>
-                <a:latin typeface="Helvetica" charset="0"/>
-                <a:ea typeface="Arial" charset="0"/>
-                <a:cs typeface="Arial" charset="0"/>
-              </a:defRPr>
-            </a:lvl9pPr>
-          </a:lstStyle>
-          <a:p>
-            <a:pPr eaLnBrk="1" hangingPunct="1"/>
-            <a:r>
-              <a:rPr lang="en-US" altLang="x-none"/>
-              <a:t>Operating</a:t>
-            </a:r>
-          </a:p>
-          <a:p>
-            <a:pPr eaLnBrk="1" hangingPunct="1"/>
-            <a:r>
-              <a:rPr lang="en-US" altLang="x-none"/>
-              <a:t>System</a:t>
-            </a:r>
-          </a:p>
-        </p:txBody>
-      </p:sp>
-      <p:sp>
-        <p:nvSpPr>
-          <p:cNvPr id="11" name="Text Box 14">
-            <a:extLst>
-              <a:ext uri="{FF2B5EF4-FFF2-40B4-BE49-F238E27FC236}">
-                <a16:creationId xmlns:a16="http://schemas.microsoft.com/office/drawing/2014/main" id="{D873DBBA-3F63-5047-A188-73BEFDE33264}"/>
-              </a:ext>
-            </a:extLst>
-          </p:cNvPr>
-          <p:cNvSpPr txBox="1">
-            <a:spLocks noChangeArrowheads="1"/>
-          </p:cNvSpPr>
-          <p:nvPr/>
-        </p:nvSpPr>
-        <p:spPr bwMode="auto">
-          <a:xfrm>
-            <a:off x="7924179" y="2863850"/>
-            <a:ext cx="1394934" cy="707886"/>
-          </a:xfrm>
-          <a:prstGeom prst="rect">
-            <a:avLst/>
-          </a:prstGeom>
-          <a:solidFill>
-            <a:srgbClr val="99CCFF"/>
-          </a:solidFill>
-          <a:ln>
-            <a:noFill/>
-          </a:ln>
-          <a:extLst>
-            <a:ext uri="{91240B29-F687-4F45-9708-019B960494DF}">
-              <a14:hiddenLine xmlns:a14="http://schemas.microsoft.com/office/drawing/2010/main" w="9525">
-                <a:solidFill>
-                  <a:srgbClr val="000000"/>
-                </a:solidFill>
-                <a:miter lim="800000"/>
-                <a:headEnd/>
-                <a:tailEnd/>
-              </a14:hiddenLine>
-            </a:ext>
-          </a:extLst>
-        </p:spPr>
-        <p:txBody>
-          <a:bodyPr wrap="none">
-            <a:spAutoFit/>
-          </a:bodyPr>
-          <a:lstStyle>
-            <a:lvl1pPr eaLnBrk="0" hangingPunct="0">
-              <a:defRPr sz="2000" b="1">
-                <a:solidFill>
-                  <a:schemeClr val="tx1"/>
-                </a:solidFill>
-                <a:latin typeface="Helvetica" charset="0"/>
-                <a:ea typeface="Arial" charset="0"/>
-                <a:cs typeface="Arial" charset="0"/>
-              </a:defRPr>
-            </a:lvl1pPr>
-            <a:lvl2pPr marL="37931725" indent="-37474525" eaLnBrk="0" hangingPunct="0">
-              <a:defRPr sz="2000" b="1">
-                <a:solidFill>
-                  <a:schemeClr val="tx1"/>
-                </a:solidFill>
-                <a:latin typeface="Helvetica" charset="0"/>
-                <a:ea typeface="Arial" charset="0"/>
-                <a:cs typeface="Arial" charset="0"/>
-              </a:defRPr>
-            </a:lvl2pPr>
-            <a:lvl3pPr eaLnBrk="0" hangingPunct="0">
-              <a:defRPr sz="2000" b="1">
-                <a:solidFill>
-                  <a:schemeClr val="tx1"/>
-                </a:solidFill>
-                <a:latin typeface="Helvetica" charset="0"/>
-                <a:ea typeface="Arial" charset="0"/>
-                <a:cs typeface="Arial" charset="0"/>
-              </a:defRPr>
-            </a:lvl3pPr>
-            <a:lvl4pPr eaLnBrk="0" hangingPunct="0">
-              <a:defRPr sz="2000" b="1">
-                <a:solidFill>
-                  <a:schemeClr val="tx1"/>
-                </a:solidFill>
-                <a:latin typeface="Helvetica" charset="0"/>
-                <a:ea typeface="Arial" charset="0"/>
-                <a:cs typeface="Arial" charset="0"/>
-              </a:defRPr>
-            </a:lvl4pPr>
-            <a:lvl5pPr eaLnBrk="0" hangingPunct="0">
-              <a:defRPr sz="2000" b="1">
-                <a:solidFill>
-                  <a:schemeClr val="tx1"/>
-                </a:solidFill>
-                <a:latin typeface="Helvetica" charset="0"/>
-                <a:ea typeface="Arial" charset="0"/>
-                <a:cs typeface="Arial" charset="0"/>
-              </a:defRPr>
-            </a:lvl5pPr>
-            <a:lvl6pPr marL="457200" eaLnBrk="0" fontAlgn="base" hangingPunct="0">
-              <a:spcBef>
-                <a:spcPct val="0"/>
-              </a:spcBef>
-              <a:spcAft>
-                <a:spcPct val="0"/>
-              </a:spcAft>
-              <a:defRPr sz="2000" b="1">
-                <a:solidFill>
-                  <a:schemeClr val="tx1"/>
-                </a:solidFill>
-                <a:latin typeface="Helvetica" charset="0"/>
-                <a:ea typeface="Arial" charset="0"/>
-                <a:cs typeface="Arial" charset="0"/>
-              </a:defRPr>
-            </a:lvl6pPr>
-            <a:lvl7pPr marL="914400" eaLnBrk="0" fontAlgn="base" hangingPunct="0">
-              <a:spcBef>
-                <a:spcPct val="0"/>
-              </a:spcBef>
-              <a:spcAft>
-                <a:spcPct val="0"/>
-              </a:spcAft>
-              <a:defRPr sz="2000" b="1">
-                <a:solidFill>
-                  <a:schemeClr val="tx1"/>
-                </a:solidFill>
-                <a:latin typeface="Helvetica" charset="0"/>
-                <a:ea typeface="Arial" charset="0"/>
-                <a:cs typeface="Arial" charset="0"/>
-              </a:defRPr>
-            </a:lvl7pPr>
-            <a:lvl8pPr marL="1371600" eaLnBrk="0" fontAlgn="base" hangingPunct="0">
-              <a:spcBef>
-                <a:spcPct val="0"/>
-              </a:spcBef>
-              <a:spcAft>
-                <a:spcPct val="0"/>
-              </a:spcAft>
-              <a:defRPr sz="2000" b="1">
-                <a:solidFill>
-                  <a:schemeClr val="tx1"/>
-                </a:solidFill>
-                <a:latin typeface="Helvetica" charset="0"/>
-                <a:ea typeface="Arial" charset="0"/>
-                <a:cs typeface="Arial" charset="0"/>
-              </a:defRPr>
-            </a:lvl8pPr>
-            <a:lvl9pPr marL="1828800" eaLnBrk="0" fontAlgn="base" hangingPunct="0">
-              <a:spcBef>
-                <a:spcPct val="0"/>
-              </a:spcBef>
-              <a:spcAft>
-                <a:spcPct val="0"/>
-              </a:spcAft>
-              <a:defRPr sz="2000" b="1">
-                <a:solidFill>
-                  <a:schemeClr val="tx1"/>
-                </a:solidFill>
-                <a:latin typeface="Helvetica" charset="0"/>
-                <a:ea typeface="Arial" charset="0"/>
-                <a:cs typeface="Arial" charset="0"/>
-              </a:defRPr>
-            </a:lvl9pPr>
-          </a:lstStyle>
-          <a:p>
-            <a:pPr eaLnBrk="1" hangingPunct="1"/>
-            <a:r>
-              <a:rPr lang="en-US" altLang="x-none"/>
-              <a:t>Operating</a:t>
-            </a:r>
-          </a:p>
-          <a:p>
-            <a:pPr eaLnBrk="1" hangingPunct="1"/>
-            <a:r>
-              <a:rPr lang="en-US" altLang="x-none"/>
-              <a:t>System</a:t>
-            </a:r>
-          </a:p>
-        </p:txBody>
-      </p:sp>
-      <p:sp>
-        <p:nvSpPr>
-          <p:cNvPr id="12" name="Cloud">
-            <a:extLst>
-              <a:ext uri="{FF2B5EF4-FFF2-40B4-BE49-F238E27FC236}">
-                <a16:creationId xmlns:a16="http://schemas.microsoft.com/office/drawing/2014/main" id="{ABA0741B-C199-5442-9102-50053C075F08}"/>
-              </a:ext>
-            </a:extLst>
-          </p:cNvPr>
-          <p:cNvSpPr>
-            <a:spLocks noChangeAspect="1" noEditPoints="1" noChangeArrowheads="1"/>
-          </p:cNvSpPr>
-          <p:nvPr/>
-        </p:nvSpPr>
-        <p:spPr bwMode="auto">
-          <a:xfrm>
-            <a:off x="4698380" y="2863851"/>
-            <a:ext cx="2689225" cy="779463"/>
-          </a:xfrm>
-          <a:custGeom>
-            <a:avLst/>
-            <a:gdLst>
-              <a:gd name="T0" fmla="*/ 8342 w 21600"/>
-              <a:gd name="T1" fmla="*/ 389731 h 21600"/>
-              <a:gd name="T2" fmla="*/ 1344613 w 21600"/>
-              <a:gd name="T3" fmla="*/ 778632 h 21600"/>
-              <a:gd name="T4" fmla="*/ 2686984 w 21600"/>
-              <a:gd name="T5" fmla="*/ 389731 h 21600"/>
-              <a:gd name="T6" fmla="*/ 1344613 w 21600"/>
-              <a:gd name="T7" fmla="*/ 44566 h 21600"/>
-              <a:gd name="T8" fmla="*/ 0 60000 65536"/>
-              <a:gd name="T9" fmla="*/ 0 60000 65536"/>
-              <a:gd name="T10" fmla="*/ 0 60000 65536"/>
-              <a:gd name="T11" fmla="*/ 0 60000 65536"/>
-              <a:gd name="T12" fmla="*/ 2977 w 21600"/>
-              <a:gd name="T13" fmla="*/ 3262 h 21600"/>
-              <a:gd name="T14" fmla="*/ 17087 w 21600"/>
-              <a:gd name="T15" fmla="*/ 17337 h 21600"/>
-            </a:gdLst>
-            <a:ahLst/>
-            <a:cxnLst>
-              <a:cxn ang="T8">
-                <a:pos x="T0" y="T1"/>
-              </a:cxn>
-              <a:cxn ang="T9">
-                <a:pos x="T2" y="T3"/>
-              </a:cxn>
-              <a:cxn ang="T10">
-                <a:pos x="T4" y="T5"/>
-              </a:cxn>
-              <a:cxn ang="T11">
-                <a:pos x="T6" y="T7"/>
-              </a:cxn>
-            </a:cxnLst>
-            <a:rect l="T12" t="T13" r="T14" b="T15"/>
-            <a:pathLst>
-              <a:path w="21600" h="21600" extrusionOk="0">
-                <a:moveTo>
-                  <a:pt x="1949" y="7180"/>
-                </a:moveTo>
-                <a:cubicBezTo>
-                  <a:pt x="841" y="7336"/>
-                  <a:pt x="-1" y="8613"/>
-                  <a:pt x="-1" y="10137"/>
-                </a:cubicBezTo>
-                <a:cubicBezTo>
-                  <a:pt x="-1" y="11192"/>
-                  <a:pt x="409" y="12169"/>
-                  <a:pt x="1074" y="12702"/>
-                </a:cubicBezTo>
-                <a:lnTo>
-                  <a:pt x="1063" y="12668"/>
-                </a:lnTo>
-                <a:cubicBezTo>
-                  <a:pt x="685" y="13217"/>
-                  <a:pt x="474" y="13940"/>
-                  <a:pt x="474" y="14690"/>
-                </a:cubicBezTo>
-                <a:cubicBezTo>
-                  <a:pt x="475" y="16325"/>
-                  <a:pt x="1451" y="17650"/>
-                  <a:pt x="2655" y="17650"/>
-                </a:cubicBezTo>
-                <a:cubicBezTo>
-                  <a:pt x="2739" y="17650"/>
-                  <a:pt x="2824" y="17643"/>
-                  <a:pt x="2909" y="17629"/>
-                </a:cubicBezTo>
-                <a:lnTo>
-                  <a:pt x="2897" y="17649"/>
-                </a:lnTo>
-                <a:cubicBezTo>
-                  <a:pt x="3585" y="19288"/>
-                  <a:pt x="4863" y="20299"/>
-                  <a:pt x="6247" y="20299"/>
-                </a:cubicBezTo>
-                <a:cubicBezTo>
-                  <a:pt x="6947" y="20299"/>
-                  <a:pt x="7635" y="20039"/>
-                  <a:pt x="8235" y="19546"/>
-                </a:cubicBezTo>
-                <a:lnTo>
-                  <a:pt x="8229" y="19550"/>
-                </a:lnTo>
-                <a:cubicBezTo>
-                  <a:pt x="8855" y="20829"/>
-                  <a:pt x="9908" y="21596"/>
-                  <a:pt x="11036" y="21596"/>
-                </a:cubicBezTo>
-                <a:cubicBezTo>
-                  <a:pt x="12523" y="21596"/>
-                  <a:pt x="13836" y="20267"/>
-                  <a:pt x="14267" y="18324"/>
-                </a:cubicBezTo>
-                <a:lnTo>
-                  <a:pt x="14270" y="18350"/>
-                </a:lnTo>
-                <a:cubicBezTo>
-                  <a:pt x="14730" y="18740"/>
-                  <a:pt x="15260" y="18946"/>
-                  <a:pt x="15802" y="18946"/>
-                </a:cubicBezTo>
-                <a:cubicBezTo>
-                  <a:pt x="17390" y="18946"/>
-                  <a:pt x="18682" y="17205"/>
-                  <a:pt x="18694" y="15045"/>
-                </a:cubicBezTo>
-                <a:lnTo>
-                  <a:pt x="18689" y="15035"/>
-                </a:lnTo>
-                <a:cubicBezTo>
-                  <a:pt x="20357" y="14710"/>
-                  <a:pt x="21597" y="12765"/>
-                  <a:pt x="21597" y="10472"/>
-                </a:cubicBezTo>
-                <a:cubicBezTo>
-                  <a:pt x="21597" y="9456"/>
-                  <a:pt x="21350" y="8469"/>
-                  <a:pt x="20896" y="7663"/>
-                </a:cubicBezTo>
-                <a:lnTo>
-                  <a:pt x="20889" y="7661"/>
-                </a:lnTo>
-                <a:cubicBezTo>
-                  <a:pt x="21031" y="7208"/>
-                  <a:pt x="21105" y="6721"/>
-                  <a:pt x="21105" y="6228"/>
-                </a:cubicBezTo>
-                <a:cubicBezTo>
-                  <a:pt x="21105" y="4588"/>
-                  <a:pt x="20299" y="3150"/>
-                  <a:pt x="19139" y="2719"/>
-                </a:cubicBezTo>
-                <a:lnTo>
-                  <a:pt x="19148" y="2712"/>
-                </a:lnTo>
-                <a:cubicBezTo>
-                  <a:pt x="18940" y="1142"/>
-                  <a:pt x="17933" y="-1"/>
-                  <a:pt x="16758" y="-1"/>
-                </a:cubicBezTo>
-                <a:cubicBezTo>
-                  <a:pt x="16044" y="-1"/>
-                  <a:pt x="15367" y="426"/>
-                  <a:pt x="14905" y="1165"/>
-                </a:cubicBezTo>
-                <a:lnTo>
-                  <a:pt x="14909" y="1170"/>
-                </a:lnTo>
-                <a:cubicBezTo>
-                  <a:pt x="14497" y="432"/>
-                  <a:pt x="13855" y="-1"/>
-                  <a:pt x="13174" y="-1"/>
-                </a:cubicBezTo>
-                <a:cubicBezTo>
-                  <a:pt x="12347" y="-1"/>
-                  <a:pt x="11590" y="637"/>
-                  <a:pt x="11221" y="1645"/>
-                </a:cubicBezTo>
-                <a:lnTo>
-                  <a:pt x="11229" y="1694"/>
-                </a:lnTo>
-                <a:cubicBezTo>
-                  <a:pt x="10730" y="1024"/>
-                  <a:pt x="10058" y="649"/>
-                  <a:pt x="9358" y="649"/>
-                </a:cubicBezTo>
-                <a:cubicBezTo>
-                  <a:pt x="8372" y="649"/>
-                  <a:pt x="7466" y="1391"/>
-                  <a:pt x="7003" y="2578"/>
-                </a:cubicBezTo>
-                <a:lnTo>
-                  <a:pt x="6995" y="2602"/>
-                </a:lnTo>
-                <a:cubicBezTo>
-                  <a:pt x="6477" y="2189"/>
-                  <a:pt x="5888" y="1971"/>
-                  <a:pt x="5288" y="1971"/>
-                </a:cubicBezTo>
-                <a:cubicBezTo>
-                  <a:pt x="3423" y="1972"/>
-                  <a:pt x="1912" y="4029"/>
-                  <a:pt x="1912" y="6567"/>
-                </a:cubicBezTo>
-                <a:cubicBezTo>
-                  <a:pt x="1911" y="6774"/>
-                  <a:pt x="1922" y="6981"/>
-                  <a:pt x="1942" y="7186"/>
-                </a:cubicBezTo>
-                <a:close/>
-              </a:path>
-              <a:path w="21600" h="21600" fill="none" extrusionOk="0">
-                <a:moveTo>
-                  <a:pt x="1074" y="12702"/>
-                </a:moveTo>
-                <a:cubicBezTo>
-                  <a:pt x="1407" y="12969"/>
-                  <a:pt x="1786" y="13109"/>
-                  <a:pt x="2172" y="13109"/>
-                </a:cubicBezTo>
-                <a:cubicBezTo>
-                  <a:pt x="2228" y="13109"/>
-                  <a:pt x="2285" y="13107"/>
-                  <a:pt x="2341" y="13101"/>
-                </a:cubicBezTo>
-              </a:path>
-              <a:path w="21600" h="21600" fill="none" extrusionOk="0">
-                <a:moveTo>
-                  <a:pt x="2909" y="17629"/>
-                </a:moveTo>
-                <a:cubicBezTo>
-                  <a:pt x="3099" y="17599"/>
-                  <a:pt x="3285" y="17535"/>
-                  <a:pt x="3463" y="17439"/>
-                </a:cubicBezTo>
-              </a:path>
-              <a:path w="21600" h="21600" fill="none" extrusionOk="0">
-                <a:moveTo>
-                  <a:pt x="7895" y="18680"/>
-                </a:moveTo>
-                <a:cubicBezTo>
-                  <a:pt x="7983" y="18985"/>
-                  <a:pt x="8095" y="19277"/>
-                  <a:pt x="8229" y="19550"/>
-                </a:cubicBezTo>
-              </a:path>
-              <a:path w="21600" h="21600" fill="none" extrusionOk="0">
-                <a:moveTo>
-                  <a:pt x="14267" y="18324"/>
-                </a:moveTo>
-                <a:cubicBezTo>
-                  <a:pt x="14336" y="18013"/>
-                  <a:pt x="14380" y="17693"/>
-                  <a:pt x="14400" y="17370"/>
-                </a:cubicBezTo>
-              </a:path>
-              <a:path w="21600" h="21600" fill="none" extrusionOk="0">
-                <a:moveTo>
-                  <a:pt x="18694" y="15045"/>
-                </a:moveTo>
-                <a:cubicBezTo>
-                  <a:pt x="18694" y="15034"/>
-                  <a:pt x="18695" y="15024"/>
-                  <a:pt x="18695" y="15013"/>
-                </a:cubicBezTo>
-                <a:cubicBezTo>
-                  <a:pt x="18695" y="13508"/>
-                  <a:pt x="18063" y="12136"/>
-                  <a:pt x="17069" y="11477"/>
-                </a:cubicBezTo>
-              </a:path>
-              <a:path w="21600" h="21600" fill="none" extrusionOk="0">
-                <a:moveTo>
-                  <a:pt x="20165" y="8999"/>
-                </a:moveTo>
-                <a:cubicBezTo>
-                  <a:pt x="20479" y="8635"/>
-                  <a:pt x="20726" y="8177"/>
-                  <a:pt x="20889" y="7661"/>
-                </a:cubicBezTo>
-              </a:path>
-              <a:path w="21600" h="21600" fill="none" extrusionOk="0">
-                <a:moveTo>
-                  <a:pt x="19186" y="3344"/>
-                </a:moveTo>
-                <a:cubicBezTo>
-                  <a:pt x="19186" y="3328"/>
-                  <a:pt x="19187" y="3313"/>
-                  <a:pt x="19187" y="3297"/>
-                </a:cubicBezTo>
-                <a:cubicBezTo>
-                  <a:pt x="19187" y="3101"/>
-                  <a:pt x="19174" y="2905"/>
-                  <a:pt x="19148" y="2712"/>
-                </a:cubicBezTo>
-              </a:path>
-              <a:path w="21600" h="21600" fill="none" extrusionOk="0">
-                <a:moveTo>
-                  <a:pt x="14905" y="1165"/>
-                </a:moveTo>
-                <a:cubicBezTo>
-                  <a:pt x="14754" y="1408"/>
-                  <a:pt x="14629" y="1679"/>
-                  <a:pt x="14535" y="1971"/>
-                </a:cubicBezTo>
-              </a:path>
-              <a:path w="21600" h="21600" fill="none" extrusionOk="0">
-                <a:moveTo>
-                  <a:pt x="11221" y="1645"/>
-                </a:moveTo>
-                <a:cubicBezTo>
-                  <a:pt x="11140" y="1866"/>
-                  <a:pt x="11080" y="2099"/>
-                  <a:pt x="11041" y="2340"/>
-                </a:cubicBezTo>
-              </a:path>
-              <a:path w="21600" h="21600" fill="none" extrusionOk="0">
-                <a:moveTo>
-                  <a:pt x="7645" y="3276"/>
-                </a:moveTo>
-                <a:cubicBezTo>
-                  <a:pt x="7449" y="3016"/>
-                  <a:pt x="7231" y="2790"/>
-                  <a:pt x="6995" y="2602"/>
-                </a:cubicBezTo>
-              </a:path>
-              <a:path w="21600" h="21600" fill="none" extrusionOk="0">
-                <a:moveTo>
-                  <a:pt x="1942" y="7186"/>
-                </a:moveTo>
-                <a:cubicBezTo>
-                  <a:pt x="1966" y="7426"/>
-                  <a:pt x="2004" y="7663"/>
-                  <a:pt x="2056" y="7895"/>
-                </a:cubicBezTo>
-              </a:path>
-            </a:pathLst>
-          </a:custGeom>
-          <a:solidFill>
-            <a:srgbClr val="FFBE7D"/>
-          </a:solidFill>
-          <a:ln w="9525">
-            <a:solidFill>
-              <a:srgbClr val="000000"/>
-            </a:solidFill>
-            <a:miter lim="800000"/>
-            <a:headEnd/>
-            <a:tailEnd/>
-          </a:ln>
-          <a:effectLst>
-            <a:outerShdw blurRad="63500" dist="107763" dir="2700000" algn="ctr" rotWithShape="0">
-              <a:srgbClr val="000000">
-                <a:alpha val="74997"/>
-              </a:srgbClr>
-            </a:outerShdw>
-          </a:effectLst>
-        </p:spPr>
-        <p:txBody>
-          <a:bodyPr/>
-          <a:lstStyle>
-            <a:lvl1pPr eaLnBrk="0" hangingPunct="0">
-              <a:defRPr sz="2000" b="1">
-                <a:solidFill>
-                  <a:schemeClr val="tx1"/>
-                </a:solidFill>
-                <a:latin typeface="Helvetica" charset="0"/>
-                <a:ea typeface="Arial" charset="0"/>
-                <a:cs typeface="Arial" charset="0"/>
-              </a:defRPr>
-            </a:lvl1pPr>
-            <a:lvl2pPr marL="37931725" indent="-37474525" eaLnBrk="0" hangingPunct="0">
-              <a:defRPr sz="2000" b="1">
-                <a:solidFill>
-                  <a:schemeClr val="tx1"/>
-                </a:solidFill>
-                <a:latin typeface="Helvetica" charset="0"/>
-                <a:ea typeface="Arial" charset="0"/>
-                <a:cs typeface="Arial" charset="0"/>
-              </a:defRPr>
-            </a:lvl2pPr>
-            <a:lvl3pPr eaLnBrk="0" hangingPunct="0">
-              <a:defRPr sz="2000" b="1">
-                <a:solidFill>
-                  <a:schemeClr val="tx1"/>
-                </a:solidFill>
-                <a:latin typeface="Helvetica" charset="0"/>
-                <a:ea typeface="Arial" charset="0"/>
-                <a:cs typeface="Arial" charset="0"/>
-              </a:defRPr>
-            </a:lvl3pPr>
-            <a:lvl4pPr eaLnBrk="0" hangingPunct="0">
-              <a:defRPr sz="2000" b="1">
-                <a:solidFill>
-                  <a:schemeClr val="tx1"/>
-                </a:solidFill>
-                <a:latin typeface="Helvetica" charset="0"/>
-                <a:ea typeface="Arial" charset="0"/>
-                <a:cs typeface="Arial" charset="0"/>
-              </a:defRPr>
-            </a:lvl4pPr>
-            <a:lvl5pPr eaLnBrk="0" hangingPunct="0">
-              <a:defRPr sz="2000" b="1">
-                <a:solidFill>
-                  <a:schemeClr val="tx1"/>
-                </a:solidFill>
-                <a:latin typeface="Helvetica" charset="0"/>
-                <a:ea typeface="Arial" charset="0"/>
-                <a:cs typeface="Arial" charset="0"/>
-              </a:defRPr>
-            </a:lvl5pPr>
-            <a:lvl6pPr marL="457200" eaLnBrk="0" fontAlgn="base" hangingPunct="0">
-              <a:spcBef>
-                <a:spcPct val="0"/>
-              </a:spcBef>
-              <a:spcAft>
-                <a:spcPct val="0"/>
-              </a:spcAft>
-              <a:defRPr sz="2000" b="1">
-                <a:solidFill>
-                  <a:schemeClr val="tx1"/>
-                </a:solidFill>
-                <a:latin typeface="Helvetica" charset="0"/>
-                <a:ea typeface="Arial" charset="0"/>
-                <a:cs typeface="Arial" charset="0"/>
-              </a:defRPr>
-            </a:lvl6pPr>
-            <a:lvl7pPr marL="914400" eaLnBrk="0" fontAlgn="base" hangingPunct="0">
-              <a:spcBef>
-                <a:spcPct val="0"/>
-              </a:spcBef>
-              <a:spcAft>
-                <a:spcPct val="0"/>
-              </a:spcAft>
-              <a:defRPr sz="2000" b="1">
-                <a:solidFill>
-                  <a:schemeClr val="tx1"/>
-                </a:solidFill>
-                <a:latin typeface="Helvetica" charset="0"/>
-                <a:ea typeface="Arial" charset="0"/>
-                <a:cs typeface="Arial" charset="0"/>
-              </a:defRPr>
-            </a:lvl7pPr>
-            <a:lvl8pPr marL="1371600" eaLnBrk="0" fontAlgn="base" hangingPunct="0">
-              <a:spcBef>
-                <a:spcPct val="0"/>
-              </a:spcBef>
-              <a:spcAft>
-                <a:spcPct val="0"/>
-              </a:spcAft>
-              <a:defRPr sz="2000" b="1">
-                <a:solidFill>
-                  <a:schemeClr val="tx1"/>
-                </a:solidFill>
-                <a:latin typeface="Helvetica" charset="0"/>
-                <a:ea typeface="Arial" charset="0"/>
-                <a:cs typeface="Arial" charset="0"/>
-              </a:defRPr>
-            </a:lvl8pPr>
-            <a:lvl9pPr marL="1828800" eaLnBrk="0" fontAlgn="base" hangingPunct="0">
-              <a:spcBef>
-                <a:spcPct val="0"/>
-              </a:spcBef>
-              <a:spcAft>
-                <a:spcPct val="0"/>
-              </a:spcAft>
-              <a:defRPr sz="2000" b="1">
-                <a:solidFill>
-                  <a:schemeClr val="tx1"/>
-                </a:solidFill>
-                <a:latin typeface="Helvetica" charset="0"/>
-                <a:ea typeface="Arial" charset="0"/>
-                <a:cs typeface="Arial" charset="0"/>
-              </a:defRPr>
-            </a:lvl9pPr>
-          </a:lstStyle>
-          <a:p>
-            <a:pPr eaLnBrk="1" hangingPunct="1"/>
-            <a:endParaRPr lang="x-none" altLang="x-none"/>
-          </a:p>
-        </p:txBody>
-      </p:sp>
-      <p:sp>
-        <p:nvSpPr>
-          <p:cNvPr id="13" name="Line 16">
-            <a:extLst>
-              <a:ext uri="{FF2B5EF4-FFF2-40B4-BE49-F238E27FC236}">
-                <a16:creationId xmlns:a16="http://schemas.microsoft.com/office/drawing/2014/main" id="{2BC87729-11E9-584B-A7B1-28EB34131432}"/>
-              </a:ext>
-            </a:extLst>
-          </p:cNvPr>
-          <p:cNvSpPr>
-            <a:spLocks noChangeShapeType="1"/>
-          </p:cNvSpPr>
-          <p:nvPr/>
-        </p:nvSpPr>
-        <p:spPr bwMode="auto">
-          <a:xfrm flipV="1">
-            <a:off x="4238005" y="3246439"/>
-            <a:ext cx="3648075" cy="39687"/>
-          </a:xfrm>
-          <a:prstGeom prst="line">
-            <a:avLst/>
-          </a:prstGeom>
-          <a:noFill/>
-          <a:ln w="38100">
-            <a:solidFill>
-              <a:schemeClr val="tx1"/>
-            </a:solidFill>
-            <a:round/>
-            <a:headEnd type="triangle" w="med" len="med"/>
-            <a:tailEnd type="triangle" w="med" len="med"/>
-          </a:ln>
-          <a:extLst>
-            <a:ext uri="{909E8E84-426E-40DD-AFC4-6F175D3DCCD1}">
-              <a14:hiddenFill xmlns:a14="http://schemas.microsoft.com/office/drawing/2010/main">
-                <a:noFill/>
-              </a14:hiddenFill>
-            </a:ext>
-          </a:extLst>
-        </p:spPr>
-        <p:txBody>
-          <a:bodyPr wrap="none" anchor="ctr"/>
-          <a:lstStyle/>
-          <a:p>
-            <a:endParaRPr lang="en-US"/>
-          </a:p>
-        </p:txBody>
-      </p:sp>
-    </p:spTree>
-    <p:extLst>
-      <p:ext uri="{BB962C8B-B14F-4D97-AF65-F5344CB8AC3E}">
-        <p14:creationId xmlns:p14="http://schemas.microsoft.com/office/powerpoint/2010/main" val="1620664493"/>
-      </p:ext>
-    </p:extLst>
-  </p:cSld>
-  <p:clrMapOvr>
-    <a:masterClrMapping/>
-  </p:clrMapOvr>
-</p:sld>
-</file>
-
-<file path=ppt/slides/slide11.xml><?xml version="1.0" encoding="utf-8"?>
-<p:sld xmlns:a="http://schemas.openxmlformats.org/drawingml/2006/main" xmlns:r="http://schemas.openxmlformats.org/officeDocument/2006/relationships" xmlns:p="http://schemas.openxmlformats.org/presentationml/2006/main">
-  <p:cSld>
-    <p:spTree>
-      <p:nvGrpSpPr>
-        <p:cNvPr id="1" name=""/>
-        <p:cNvGrpSpPr/>
-        <p:nvPr/>
-      </p:nvGrpSpPr>
-      <p:grpSpPr>
-        <a:xfrm>
-          <a:off x="0" y="0"/>
-          <a:ext cx="0" cy="0"/>
-          <a:chOff x="0" y="0"/>
-          <a:chExt cx="0" cy="0"/>
-        </a:xfrm>
-      </p:grpSpPr>
-      <p:sp>
-        <p:nvSpPr>
           <p:cNvPr id="41986" name="Title 1"/>
           <p:cNvSpPr>
             <a:spLocks noGrp="1"/>
@@ -6035,28 +4004,45 @@
             <p:ph idx="1"/>
           </p:nvPr>
         </p:nvSpPr>
-        <p:spPr/>
+        <p:spPr>
+          <a:xfrm>
+            <a:off x="669926" y="1690268"/>
+            <a:ext cx="11245769" cy="4351338"/>
+          </a:xfrm>
+        </p:spPr>
         <p:txBody>
           <a:bodyPr/>
           <a:lstStyle/>
           <a:p>
             <a:r>
               <a:rPr lang="en-US" altLang="x-none" dirty="0"/>
-              <a:t>Best-effort network easily becomes overloaded</a:t>
+              <a:t>A best-effort network can easily get overloaded</a:t>
             </a:r>
           </a:p>
           <a:p>
             <a:pPr lvl="1"/>
             <a:r>
               <a:rPr lang="en-US" altLang="x-none" dirty="0"/>
-              <a:t>No mechanism to “block” excess calls</a:t>
+              <a:t>No mechanism to “block” excess data</a:t>
             </a:r>
           </a:p>
           <a:p>
             <a:pPr lvl="1"/>
             <a:r>
               <a:rPr lang="en-US" altLang="x-none" dirty="0"/>
-              <a:t>Instead excess packets are simply dropped</a:t>
+              <a:t>Instead, excess packets are simply </a:t>
+            </a:r>
+            <a:r>
+              <a:rPr lang="en-US" altLang="x-none" dirty="0">
+                <a:solidFill>
+                  <a:srgbClr val="C00000"/>
+                </a:solidFill>
+              </a:rPr>
+              <a:t>dropped</a:t>
+            </a:r>
+            <a:r>
+              <a:rPr lang="en-US" altLang="x-none" dirty="0"/>
+              <a:t> (more later)</a:t>
             </a:r>
           </a:p>
           <a:p>
@@ -6257,7 +4243,7 @@
                 <a:latin typeface="Times New Roman" charset="0"/>
               </a:rPr>
               <a:pPr eaLnBrk="1" hangingPunct="1"/>
-              <a:t>11</a:t>
+              <a:t>10</a:t>
             </a:fld>
             <a:endParaRPr lang="en-US" altLang="x-none" sz="1400" b="0">
               <a:latin typeface="Times New Roman" charset="0"/>
@@ -7174,7 +5160,7 @@
 </p:sld>
 </file>
 
-<file path=ppt/slides/slide12.xml><?xml version="1.0" encoding="utf-8"?>
+<file path=ppt/slides/slide11.xml><?xml version="1.0" encoding="utf-8"?>
 <p:sld xmlns:a="http://schemas.openxmlformats.org/drawingml/2006/main" xmlns:r="http://schemas.openxmlformats.org/officeDocument/2006/relationships" xmlns:p="http://schemas.openxmlformats.org/presentationml/2006/main">
   <p:cSld>
     <p:spTree>
@@ -7226,7 +5212,7 @@
         <p:spPr>
           <a:xfrm>
             <a:off x="838200" y="1825624"/>
-            <a:ext cx="10515600" cy="5032375"/>
+            <a:ext cx="11049000" cy="5032375"/>
           </a:xfrm>
         </p:spPr>
         <p:txBody>
@@ -7299,19 +5285,32 @@
             <a:pPr lvl="1"/>
             <a:r>
               <a:rPr lang="en-US" altLang="x-none" dirty="0"/>
-              <a:t>too little, and don’t effectively relieve congestion</a:t>
-            </a:r>
-          </a:p>
-          <a:p>
-            <a:pPr lvl="2"/>
+              <a:t>React too conservatively &amp; reduce too little </a:t>
+            </a:r>
+            <a:r>
+              <a:rPr lang="en-US" altLang="x-none" dirty="0">
+                <a:sym typeface="Wingdings" pitchFamily="2" charset="2"/>
+              </a:rPr>
+              <a:t> still congested</a:t>
+            </a:r>
+            <a:endParaRPr lang="en-US" altLang="x-none" dirty="0"/>
+          </a:p>
+          <a:p>
+            <a:pPr lvl="1"/>
             <a:r>
               <a:rPr lang="en-US" altLang="x-none" dirty="0"/>
-              <a:t>too much, and you risk losing application performance</a:t>
-            </a:r>
-          </a:p>
-          <a:p>
-            <a:pPr lvl="1"/>
-            <a:endParaRPr lang="en-US" altLang="x-none" dirty="0"/>
+              <a:t>React too aggressively &amp; reduce too much </a:t>
+            </a:r>
+            <a:r>
+              <a:rPr lang="en-US" altLang="x-none" dirty="0">
+                <a:sym typeface="Wingdings" pitchFamily="2" charset="2"/>
+              </a:rPr>
+              <a:t> </a:t>
+            </a:r>
+            <a:r>
+              <a:rPr lang="en-US" altLang="x-none" dirty="0"/>
+              <a:t>degrade app performance needlessly</a:t>
+            </a:r>
           </a:p>
         </p:txBody>
       </p:sp>
@@ -7473,7 +5472,7 @@
                 <a:latin typeface="Times New Roman" charset="0"/>
               </a:rPr>
               <a:pPr eaLnBrk="1" hangingPunct="1"/>
-              <a:t>12</a:t>
+              <a:t>11</a:t>
             </a:fld>
             <a:endParaRPr lang="en-US" altLang="x-none" sz="1400" b="0">
               <a:latin typeface="Times New Roman" charset="0"/>
@@ -7494,7 +5493,7 @@
 </p:sld>
 </file>
 
-<file path=ppt/slides/slide13.xml><?xml version="1.0" encoding="utf-8"?>
+<file path=ppt/slides/slide12.xml><?xml version="1.0" encoding="utf-8"?>
 <p:sld xmlns:a="http://schemas.openxmlformats.org/drawingml/2006/main" xmlns:r="http://schemas.openxmlformats.org/officeDocument/2006/relationships" xmlns:p="http://schemas.openxmlformats.org/presentationml/2006/main">
   <p:cSld>
     <p:spTree>
@@ -7545,12 +5544,14 @@
         </p:nvSpPr>
         <p:spPr>
           <a:xfrm>
-            <a:off x="838200" y="3733801"/>
+            <a:off x="838200" y="3615603"/>
             <a:ext cx="10991850" cy="3124200"/>
           </a:xfrm>
         </p:spPr>
         <p:txBody>
-          <a:bodyPr/>
+          <a:bodyPr>
+            <a:normAutofit fontScale="92500" lnSpcReduction="10000"/>
+          </a:bodyPr>
           <a:lstStyle/>
           <a:p>
             <a:r>
@@ -7580,182 +5581,31 @@
           </a:p>
           <a:p>
             <a:r>
+              <a:rPr lang="en-US" altLang="x-none" dirty="0">
+                <a:solidFill>
+                  <a:srgbClr val="C00000"/>
+                </a:solidFill>
+              </a:rPr>
+              <a:t>Exponential back-off: </a:t>
+            </a:r>
+            <a:r>
               <a:rPr lang="en-US" altLang="x-none" dirty="0"/>
-              <a:t>Exponential back-off: wait before retransmitting</a:t>
+              <a:t>Wait random time, exponentially larger on each retry, before retransmitting</a:t>
             </a:r>
           </a:p>
           <a:p>
             <a:pPr lvl="1"/>
             <a:r>
               <a:rPr lang="en-US" altLang="x-none" dirty="0"/>
-              <a:t>Wait random time, exponentially larger on each retry</a:t>
-            </a:r>
-          </a:p>
-        </p:txBody>
-      </p:sp>
-      <p:sp>
-        <p:nvSpPr>
-          <p:cNvPr id="44036" name="Slide Number Placeholder 3"/>
-          <p:cNvSpPr>
-            <a:spLocks noGrp="1"/>
-          </p:cNvSpPr>
-          <p:nvPr>
-            <p:ph type="sldNum" sz="quarter" idx="10"/>
-          </p:nvPr>
-        </p:nvSpPr>
-        <p:spPr>
-          <a:noFill/>
-          <a:ln/>
-          <a:extLst>
-            <a:ext uri="{909E8E84-426E-40DD-AFC4-6F175D3DCCD1}">
-              <a14:hiddenFill xmlns:a14="http://schemas.microsoft.com/office/drawing/2010/main">
-                <a:solidFill>
-                  <a:srgbClr val="FFFFFF"/>
-                </a:solidFill>
-              </a14:hiddenFill>
-            </a:ext>
-            <a:ext uri="{91240B29-F687-4F45-9708-019B960494DF}">
-              <a14:hiddenLine xmlns:a14="http://schemas.microsoft.com/office/drawing/2010/main" w="9525">
-                <a:solidFill>
-                  <a:srgbClr val="000000"/>
-                </a:solidFill>
-                <a:miter lim="800000"/>
-                <a:headEnd/>
-                <a:tailEnd/>
-              </a14:hiddenLine>
-            </a:ext>
-          </a:extLst>
-        </p:spPr>
-        <p:txBody>
-          <a:bodyPr/>
-          <a:lstStyle>
-            <a:lvl1pPr eaLnBrk="0" hangingPunct="0">
-              <a:defRPr sz="2000" b="1">
-                <a:solidFill>
-                  <a:schemeClr val="tx1"/>
-                </a:solidFill>
-                <a:latin typeface="Helvetica" charset="0"/>
-                <a:ea typeface="Arial" charset="0"/>
-                <a:cs typeface="Arial" charset="0"/>
-              </a:defRPr>
-            </a:lvl1pPr>
-            <a:lvl2pPr marL="37931725" indent="-37474525" eaLnBrk="0" hangingPunct="0">
-              <a:defRPr sz="2000" b="1">
-                <a:solidFill>
-                  <a:schemeClr val="tx1"/>
-                </a:solidFill>
-                <a:latin typeface="Helvetica" charset="0"/>
-                <a:ea typeface="Arial" charset="0"/>
-                <a:cs typeface="Arial" charset="0"/>
-              </a:defRPr>
-            </a:lvl2pPr>
-            <a:lvl3pPr eaLnBrk="0" hangingPunct="0">
-              <a:defRPr sz="2000" b="1">
-                <a:solidFill>
-                  <a:schemeClr val="tx1"/>
-                </a:solidFill>
-                <a:latin typeface="Helvetica" charset="0"/>
-                <a:ea typeface="Arial" charset="0"/>
-                <a:cs typeface="Arial" charset="0"/>
-              </a:defRPr>
-            </a:lvl3pPr>
-            <a:lvl4pPr eaLnBrk="0" hangingPunct="0">
-              <a:defRPr sz="2000" b="1">
-                <a:solidFill>
-                  <a:schemeClr val="tx1"/>
-                </a:solidFill>
-                <a:latin typeface="Helvetica" charset="0"/>
-                <a:ea typeface="Arial" charset="0"/>
-                <a:cs typeface="Arial" charset="0"/>
-              </a:defRPr>
-            </a:lvl4pPr>
-            <a:lvl5pPr eaLnBrk="0" hangingPunct="0">
-              <a:defRPr sz="2000" b="1">
-                <a:solidFill>
-                  <a:schemeClr val="tx1"/>
-                </a:solidFill>
-                <a:latin typeface="Helvetica" charset="0"/>
-                <a:ea typeface="Arial" charset="0"/>
-                <a:cs typeface="Arial" charset="0"/>
-              </a:defRPr>
-            </a:lvl5pPr>
-            <a:lvl6pPr marL="457200" eaLnBrk="0" fontAlgn="base" hangingPunct="0">
-              <a:spcBef>
-                <a:spcPct val="0"/>
-              </a:spcBef>
-              <a:spcAft>
-                <a:spcPct val="0"/>
-              </a:spcAft>
-              <a:defRPr sz="2000" b="1">
-                <a:solidFill>
-                  <a:schemeClr val="tx1"/>
-                </a:solidFill>
-                <a:latin typeface="Helvetica" charset="0"/>
-                <a:ea typeface="Arial" charset="0"/>
-                <a:cs typeface="Arial" charset="0"/>
-              </a:defRPr>
-            </a:lvl6pPr>
-            <a:lvl7pPr marL="914400" eaLnBrk="0" fontAlgn="base" hangingPunct="0">
-              <a:spcBef>
-                <a:spcPct val="0"/>
-              </a:spcBef>
-              <a:spcAft>
-                <a:spcPct val="0"/>
-              </a:spcAft>
-              <a:defRPr sz="2000" b="1">
-                <a:solidFill>
-                  <a:schemeClr val="tx1"/>
-                </a:solidFill>
-                <a:latin typeface="Helvetica" charset="0"/>
-                <a:ea typeface="Arial" charset="0"/>
-                <a:cs typeface="Arial" charset="0"/>
-              </a:defRPr>
-            </a:lvl7pPr>
-            <a:lvl8pPr marL="1371600" eaLnBrk="0" fontAlgn="base" hangingPunct="0">
-              <a:spcBef>
-                <a:spcPct val="0"/>
-              </a:spcBef>
-              <a:spcAft>
-                <a:spcPct val="0"/>
-              </a:spcAft>
-              <a:defRPr sz="2000" b="1">
-                <a:solidFill>
-                  <a:schemeClr val="tx1"/>
-                </a:solidFill>
-                <a:latin typeface="Helvetica" charset="0"/>
-                <a:ea typeface="Arial" charset="0"/>
-                <a:cs typeface="Arial" charset="0"/>
-              </a:defRPr>
-            </a:lvl8pPr>
-            <a:lvl9pPr marL="1828800" eaLnBrk="0" fontAlgn="base" hangingPunct="0">
-              <a:spcBef>
-                <a:spcPct val="0"/>
-              </a:spcBef>
-              <a:spcAft>
-                <a:spcPct val="0"/>
-              </a:spcAft>
-              <a:defRPr sz="2000" b="1">
-                <a:solidFill>
-                  <a:schemeClr val="tx1"/>
-                </a:solidFill>
-                <a:latin typeface="Helvetica" charset="0"/>
-                <a:ea typeface="Arial" charset="0"/>
-                <a:cs typeface="Arial" charset="0"/>
-              </a:defRPr>
-            </a:lvl9pPr>
-          </a:lstStyle>
-          <a:p>
-            <a:pPr eaLnBrk="1" hangingPunct="1"/>
-            <a:fld id="{DA952A29-42AD-A441-85D3-D28D82429C52}" type="slidenum">
-              <a:rPr lang="en-US" altLang="x-none" sz="1400" b="0">
-                <a:latin typeface="Times New Roman" charset="0"/>
-              </a:rPr>
-              <a:pPr eaLnBrk="1" hangingPunct="1"/>
-              <a:t>13</a:t>
-            </a:fld>
-            <a:endParaRPr lang="en-US" altLang="x-none" sz="1400" b="0">
-              <a:latin typeface="Times New Roman" charset="0"/>
-            </a:endParaRPr>
+              <a:t>Handle contention without knowing how many others are contending</a:t>
+            </a:r>
+          </a:p>
+          <a:p>
+            <a:pPr lvl="1"/>
+            <a:r>
+              <a:rPr lang="en-US" altLang="x-none" dirty="0"/>
+              <a:t>IMHO, one of the most powerful ideas in computer science</a:t>
+            </a:r>
           </a:p>
         </p:txBody>
       </p:sp>
@@ -7826,7 +5676,7 @@
 </p:sld>
 </file>
 
-<file path=ppt/slides/slide14.xml><?xml version="1.0" encoding="utf-8"?>
+<file path=ppt/slides/slide13.xml><?xml version="1.0" encoding="utf-8"?>
 <p:sld xmlns:a="http://schemas.openxmlformats.org/drawingml/2006/main" xmlns:r="http://schemas.openxmlformats.org/officeDocument/2006/relationships" xmlns:p="http://schemas.openxmlformats.org/presentationml/2006/main">
   <p:cSld>
     <p:spTree>
@@ -8070,7 +5920,7 @@
                 <a:latin typeface="Times New Roman" charset="0"/>
               </a:rPr>
               <a:pPr eaLnBrk="1" hangingPunct="1"/>
-              <a:t>14</a:t>
+              <a:t>13</a:t>
             </a:fld>
             <a:endParaRPr lang="en-US" altLang="x-none" sz="1400" b="0">
               <a:latin typeface="Times New Roman" charset="0"/>
@@ -9840,756 +7690,6 @@
       </p:grpSpPr>
       <p:sp>
         <p:nvSpPr>
-          <p:cNvPr id="2" name="Title 1"/>
-          <p:cNvSpPr>
-            <a:spLocks noGrp="1"/>
-          </p:cNvSpPr>
-          <p:nvPr>
-            <p:ph type="title"/>
-          </p:nvPr>
-        </p:nvSpPr>
-        <p:spPr/>
-        <p:txBody>
-          <a:bodyPr/>
-          <a:lstStyle/>
-          <a:p>
-            <a:r>
-              <a:rPr lang="en-US" dirty="0"/>
-              <a:t>What happens when you browse?</a:t>
-            </a:r>
-          </a:p>
-        </p:txBody>
-      </p:sp>
-      <p:grpSp>
-        <p:nvGrpSpPr>
-          <p:cNvPr id="15" name="Group 14"/>
-          <p:cNvGrpSpPr/>
-          <p:nvPr/>
-        </p:nvGrpSpPr>
-        <p:grpSpPr>
-          <a:xfrm>
-            <a:off x="563447" y="2502444"/>
-            <a:ext cx="11109709" cy="2306056"/>
-            <a:chOff x="563447" y="2411004"/>
-            <a:chExt cx="11109709" cy="2306056"/>
-          </a:xfrm>
-        </p:grpSpPr>
-        <p:pic>
-          <p:nvPicPr>
-            <p:cNvPr id="16" name="Picture 15"/>
-            <p:cNvPicPr>
-              <a:picLocks noChangeAspect="1"/>
-            </p:cNvPicPr>
-            <p:nvPr/>
-          </p:nvPicPr>
-          <p:blipFill>
-            <a:blip r:embed="rId2">
-              <a:extLst>
-                <a:ext uri="{28A0092B-C50C-407E-A947-70E740481C1C}">
-                  <a14:useLocalDpi xmlns:a14="http://schemas.microsoft.com/office/drawing/2010/main" val="0"/>
-                </a:ext>
-              </a:extLst>
-            </a:blip>
-            <a:stretch>
-              <a:fillRect/>
-            </a:stretch>
-          </p:blipFill>
-          <p:spPr>
-            <a:xfrm>
-              <a:off x="8213208" y="2411004"/>
-              <a:ext cx="3459948" cy="2306056"/>
-            </a:xfrm>
-            <a:prstGeom prst="rect">
-              <a:avLst/>
-            </a:prstGeom>
-          </p:spPr>
-        </p:pic>
-        <p:grpSp>
-          <p:nvGrpSpPr>
-            <p:cNvPr id="17" name="Group 16"/>
-            <p:cNvGrpSpPr/>
-            <p:nvPr/>
-          </p:nvGrpSpPr>
-          <p:grpSpPr>
-            <a:xfrm>
-              <a:off x="3508223" y="3601517"/>
-              <a:ext cx="3974373" cy="1115543"/>
-              <a:chOff x="3151779" y="2249903"/>
-              <a:chExt cx="3974373" cy="2231085"/>
-            </a:xfrm>
-          </p:grpSpPr>
-          <p:sp>
-            <p:nvSpPr>
-              <p:cNvPr id="21" name="Cloud 20"/>
-              <p:cNvSpPr/>
-              <p:nvPr/>
-            </p:nvSpPr>
-            <p:spPr>
-              <a:xfrm>
-                <a:off x="3151779" y="2249903"/>
-                <a:ext cx="3974373" cy="2231085"/>
-              </a:xfrm>
-              <a:prstGeom prst="cloud">
-                <a:avLst/>
-              </a:prstGeom>
-              <a:noFill/>
-              <a:ln w="63500">
-                <a:solidFill>
-                  <a:schemeClr val="tx1"/>
-                </a:solidFill>
-              </a:ln>
-            </p:spPr>
-            <p:style>
-              <a:lnRef idx="2">
-                <a:schemeClr val="accent1">
-                  <a:shade val="50000"/>
-                </a:schemeClr>
-              </a:lnRef>
-              <a:fillRef idx="1">
-                <a:schemeClr val="accent1"/>
-              </a:fillRef>
-              <a:effectRef idx="0">
-                <a:schemeClr val="accent1"/>
-              </a:effectRef>
-              <a:fontRef idx="minor">
-                <a:schemeClr val="lt1"/>
-              </a:fontRef>
-            </p:style>
-            <p:txBody>
-              <a:bodyPr rtlCol="0" anchor="ctr"/>
-              <a:lstStyle/>
-              <a:p>
-                <a:pPr algn="ctr"/>
-                <a:endParaRPr lang="en-US"/>
-              </a:p>
-            </p:txBody>
-          </p:sp>
-          <p:sp>
-            <p:nvSpPr>
-              <p:cNvPr id="22" name="TextBox 21"/>
-              <p:cNvSpPr txBox="1"/>
-              <p:nvPr/>
-            </p:nvSpPr>
-            <p:spPr>
-              <a:xfrm>
-                <a:off x="3466508" y="2787861"/>
-                <a:ext cx="3371278" cy="492444"/>
-              </a:xfrm>
-              <a:prstGeom prst="rect">
-                <a:avLst/>
-              </a:prstGeom>
-              <a:noFill/>
-            </p:spPr>
-            <p:txBody>
-              <a:bodyPr wrap="square" rtlCol="0">
-                <a:spAutoFit/>
-              </a:bodyPr>
-              <a:lstStyle/>
-              <a:p>
-                <a:pPr algn="ctr"/>
-                <a:r>
-                  <a:rPr lang="en-US" sz="2600" dirty="0"/>
-                  <a:t>The Internet</a:t>
-                </a:r>
-              </a:p>
-            </p:txBody>
-          </p:sp>
-        </p:grpSp>
-        <p:pic>
-          <p:nvPicPr>
-            <p:cNvPr id="18" name="Picture 17"/>
-            <p:cNvPicPr>
-              <a:picLocks noChangeAspect="1"/>
-            </p:cNvPicPr>
-            <p:nvPr/>
-          </p:nvPicPr>
-          <p:blipFill>
-            <a:blip r:embed="rId3">
-              <a:extLst>
-                <a:ext uri="{28A0092B-C50C-407E-A947-70E740481C1C}">
-                  <a14:useLocalDpi xmlns:a14="http://schemas.microsoft.com/office/drawing/2010/main" val="0"/>
-                </a:ext>
-              </a:extLst>
-            </a:blip>
-            <a:stretch>
-              <a:fillRect/>
-            </a:stretch>
-          </p:blipFill>
-          <p:spPr>
-            <a:xfrm>
-              <a:off x="563447" y="3345273"/>
-              <a:ext cx="1548282" cy="1371787"/>
-            </a:xfrm>
-            <a:prstGeom prst="rect">
-              <a:avLst/>
-            </a:prstGeom>
-          </p:spPr>
-        </p:pic>
-        <p:cxnSp>
-          <p:nvCxnSpPr>
-            <p:cNvPr id="19" name="Straight Connector 18"/>
-            <p:cNvCxnSpPr>
-              <a:cxnSpLocks/>
-            </p:cNvCxnSpPr>
-            <p:nvPr/>
-          </p:nvCxnSpPr>
-          <p:spPr>
-            <a:xfrm flipH="1" flipV="1">
-              <a:off x="2196325" y="4113900"/>
-              <a:ext cx="1311898" cy="2818"/>
-            </a:xfrm>
-            <a:prstGeom prst="line">
-              <a:avLst/>
-            </a:prstGeom>
-            <a:ln w="50800">
-              <a:solidFill>
-                <a:schemeClr val="tx1"/>
-              </a:solidFill>
-            </a:ln>
-          </p:spPr>
-          <p:style>
-            <a:lnRef idx="1">
-              <a:schemeClr val="accent1"/>
-            </a:lnRef>
-            <a:fillRef idx="0">
-              <a:schemeClr val="accent1"/>
-            </a:fillRef>
-            <a:effectRef idx="0">
-              <a:schemeClr val="accent1"/>
-            </a:effectRef>
-            <a:fontRef idx="minor">
-              <a:schemeClr val="tx1"/>
-            </a:fontRef>
-          </p:style>
-        </p:cxnSp>
-        <p:cxnSp>
-          <p:nvCxnSpPr>
-            <p:cNvPr id="20" name="Straight Connector 19"/>
-            <p:cNvCxnSpPr>
-              <a:cxnSpLocks/>
-            </p:cNvCxnSpPr>
-            <p:nvPr/>
-          </p:nvCxnSpPr>
-          <p:spPr>
-            <a:xfrm flipV="1">
-              <a:off x="7475839" y="4098007"/>
-              <a:ext cx="722129" cy="16918"/>
-            </a:xfrm>
-            <a:prstGeom prst="line">
-              <a:avLst/>
-            </a:prstGeom>
-            <a:ln w="50800">
-              <a:solidFill>
-                <a:schemeClr val="tx1"/>
-              </a:solidFill>
-            </a:ln>
-          </p:spPr>
-          <p:style>
-            <a:lnRef idx="1">
-              <a:schemeClr val="accent1"/>
-            </a:lnRef>
-            <a:fillRef idx="0">
-              <a:schemeClr val="accent1"/>
-            </a:fillRef>
-            <a:effectRef idx="0">
-              <a:schemeClr val="accent1"/>
-            </a:effectRef>
-            <a:fontRef idx="minor">
-              <a:schemeClr val="tx1"/>
-            </a:fontRef>
-          </p:style>
-        </p:cxnSp>
-      </p:grpSp>
-      <p:pic>
-        <p:nvPicPr>
-          <p:cNvPr id="23" name="Picture 22"/>
-          <p:cNvPicPr>
-            <a:picLocks noChangeAspect="1"/>
-          </p:cNvPicPr>
-          <p:nvPr/>
-        </p:nvPicPr>
-        <p:blipFill>
-          <a:blip r:embed="rId4">
-            <a:extLst>
-              <a:ext uri="{28A0092B-C50C-407E-A947-70E740481C1C}">
-                <a14:useLocalDpi xmlns:a14="http://schemas.microsoft.com/office/drawing/2010/main" val="0"/>
-              </a:ext>
-            </a:extLst>
-          </a:blip>
-          <a:stretch>
-            <a:fillRect/>
-          </a:stretch>
-        </p:blipFill>
-        <p:spPr>
-          <a:xfrm>
-            <a:off x="591636" y="3352547"/>
-            <a:ext cx="881534" cy="687078"/>
-          </a:xfrm>
-          <a:prstGeom prst="rect">
-            <a:avLst/>
-          </a:prstGeom>
-        </p:spPr>
-      </p:pic>
-      <p:pic>
-        <p:nvPicPr>
-          <p:cNvPr id="24" name="Picture 23"/>
-          <p:cNvPicPr>
-            <a:picLocks noChangeAspect="1"/>
-          </p:cNvPicPr>
-          <p:nvPr/>
-        </p:nvPicPr>
-        <p:blipFill>
-          <a:blip r:embed="rId5">
-            <a:extLst>
-              <a:ext uri="{28A0092B-C50C-407E-A947-70E740481C1C}">
-                <a14:useLocalDpi xmlns:a14="http://schemas.microsoft.com/office/drawing/2010/main" val="0"/>
-              </a:ext>
-            </a:extLst>
-          </a:blip>
-          <a:stretch>
-            <a:fillRect/>
-          </a:stretch>
-        </p:blipFill>
-        <p:spPr>
-          <a:xfrm>
-            <a:off x="8989758" y="1492360"/>
-            <a:ext cx="2145601" cy="762253"/>
-          </a:xfrm>
-          <a:prstGeom prst="rect">
-            <a:avLst/>
-          </a:prstGeom>
-        </p:spPr>
-      </p:pic>
-      <p:sp>
-        <p:nvSpPr>
-          <p:cNvPr id="3" name="TextBox 2"/>
-          <p:cNvSpPr txBox="1"/>
-          <p:nvPr/>
-        </p:nvSpPr>
-        <p:spPr>
-          <a:xfrm>
-            <a:off x="1318879" y="1465969"/>
-            <a:ext cx="6156960" cy="1292662"/>
-          </a:xfrm>
-          <a:prstGeom prst="rect">
-            <a:avLst/>
-          </a:prstGeom>
-          <a:noFill/>
-        </p:spPr>
-        <p:txBody>
-          <a:bodyPr wrap="square" rtlCol="0">
-            <a:spAutoFit/>
-          </a:bodyPr>
-          <a:lstStyle/>
-          <a:p>
-            <a:r>
-              <a:rPr lang="en-US" sz="2600" dirty="0">
-                <a:latin typeface="Helvetica" charset="0"/>
-                <a:ea typeface="Helvetica" charset="0"/>
-                <a:cs typeface="Helvetica" charset="0"/>
-              </a:rPr>
-              <a:t>(1) Request </a:t>
-            </a:r>
-            <a:r>
-              <a:rPr lang="en-US" sz="2600" dirty="0" err="1">
-                <a:latin typeface="Helvetica" charset="0"/>
-                <a:ea typeface="Helvetica" charset="0"/>
-                <a:cs typeface="Helvetica" charset="0"/>
-              </a:rPr>
-              <a:t>gmail.com</a:t>
-            </a:r>
-            <a:r>
-              <a:rPr lang="en-US" sz="2600" dirty="0">
-                <a:latin typeface="Helvetica" charset="0"/>
-                <a:ea typeface="Helvetica" charset="0"/>
-                <a:cs typeface="Helvetica" charset="0"/>
-              </a:rPr>
-              <a:t> for your mail</a:t>
-            </a:r>
-          </a:p>
-          <a:p>
-            <a:r>
-              <a:rPr lang="en-US" sz="2600" dirty="0">
-                <a:latin typeface="Helvetica" charset="0"/>
-                <a:ea typeface="Helvetica" charset="0"/>
-                <a:cs typeface="Helvetica" charset="0"/>
-              </a:rPr>
-              <a:t>(2) Google churns on your request</a:t>
-            </a:r>
-          </a:p>
-          <a:p>
-            <a:r>
-              <a:rPr lang="en-US" sz="2600" dirty="0">
-                <a:latin typeface="Helvetica" charset="0"/>
-                <a:ea typeface="Helvetica" charset="0"/>
-                <a:cs typeface="Helvetica" charset="0"/>
-              </a:rPr>
-              <a:t>(3) Receive &amp; display the response!</a:t>
-            </a:r>
-          </a:p>
-        </p:txBody>
-      </p:sp>
-      <p:pic>
-        <p:nvPicPr>
-          <p:cNvPr id="14" name="Picture 13"/>
-          <p:cNvPicPr>
-            <a:picLocks noChangeAspect="1"/>
-          </p:cNvPicPr>
-          <p:nvPr/>
-        </p:nvPicPr>
-        <p:blipFill>
-          <a:blip r:embed="rId6">
-            <a:extLst>
-              <a:ext uri="{28A0092B-C50C-407E-A947-70E740481C1C}">
-                <a14:useLocalDpi xmlns:a14="http://schemas.microsoft.com/office/drawing/2010/main" val="0"/>
-              </a:ext>
-            </a:extLst>
-          </a:blip>
-          <a:stretch>
-            <a:fillRect/>
-          </a:stretch>
-        </p:blipFill>
-        <p:spPr>
-          <a:xfrm>
-            <a:off x="2413483" y="3237114"/>
-            <a:ext cx="575951" cy="351331"/>
-          </a:xfrm>
-          <a:prstGeom prst="rect">
-            <a:avLst/>
-          </a:prstGeom>
-        </p:spPr>
-      </p:pic>
-      <p:pic>
-        <p:nvPicPr>
-          <p:cNvPr id="26" name="Picture 25"/>
-          <p:cNvPicPr>
-            <a:picLocks noChangeAspect="1"/>
-          </p:cNvPicPr>
-          <p:nvPr/>
-        </p:nvPicPr>
-        <p:blipFill>
-          <a:blip r:embed="rId6">
-            <a:extLst>
-              <a:ext uri="{28A0092B-C50C-407E-A947-70E740481C1C}">
-                <a14:useLocalDpi xmlns:a14="http://schemas.microsoft.com/office/drawing/2010/main" val="0"/>
-              </a:ext>
-            </a:extLst>
-          </a:blip>
-          <a:stretch>
-            <a:fillRect/>
-          </a:stretch>
-        </p:blipFill>
-        <p:spPr>
-          <a:xfrm>
-            <a:off x="7475839" y="4884447"/>
-            <a:ext cx="575951" cy="351331"/>
-          </a:xfrm>
-          <a:prstGeom prst="rect">
-            <a:avLst/>
-          </a:prstGeom>
-        </p:spPr>
-      </p:pic>
-      <p:pic>
-        <p:nvPicPr>
-          <p:cNvPr id="28" name="Picture 27"/>
-          <p:cNvPicPr>
-            <a:picLocks noChangeAspect="1"/>
-          </p:cNvPicPr>
-          <p:nvPr/>
-        </p:nvPicPr>
-        <p:blipFill>
-          <a:blip r:embed="rId6">
-            <a:extLst>
-              <a:ext uri="{28A0092B-C50C-407E-A947-70E740481C1C}">
-                <a14:useLocalDpi xmlns:a14="http://schemas.microsoft.com/office/drawing/2010/main" val="0"/>
-              </a:ext>
-            </a:extLst>
-          </a:blip>
-          <a:stretch>
-            <a:fillRect/>
-          </a:stretch>
-        </p:blipFill>
-        <p:spPr>
-          <a:xfrm>
-            <a:off x="7628239" y="5036847"/>
-            <a:ext cx="575951" cy="351331"/>
-          </a:xfrm>
-          <a:prstGeom prst="rect">
-            <a:avLst/>
-          </a:prstGeom>
-        </p:spPr>
-      </p:pic>
-      <p:pic>
-        <p:nvPicPr>
-          <p:cNvPr id="29" name="Picture 28"/>
-          <p:cNvPicPr>
-            <a:picLocks noChangeAspect="1"/>
-          </p:cNvPicPr>
-          <p:nvPr/>
-        </p:nvPicPr>
-        <p:blipFill>
-          <a:blip r:embed="rId6">
-            <a:extLst>
-              <a:ext uri="{28A0092B-C50C-407E-A947-70E740481C1C}">
-                <a14:useLocalDpi xmlns:a14="http://schemas.microsoft.com/office/drawing/2010/main" val="0"/>
-              </a:ext>
-            </a:extLst>
-          </a:blip>
-          <a:stretch>
-            <a:fillRect/>
-          </a:stretch>
-        </p:blipFill>
-        <p:spPr>
-          <a:xfrm>
-            <a:off x="7780639" y="5189247"/>
-            <a:ext cx="575951" cy="351331"/>
-          </a:xfrm>
-          <a:prstGeom prst="rect">
-            <a:avLst/>
-          </a:prstGeom>
-        </p:spPr>
-      </p:pic>
-      <p:pic>
-        <p:nvPicPr>
-          <p:cNvPr id="30" name="Picture 29"/>
-          <p:cNvPicPr>
-            <a:picLocks noChangeAspect="1"/>
-          </p:cNvPicPr>
-          <p:nvPr/>
-        </p:nvPicPr>
-        <p:blipFill>
-          <a:blip r:embed="rId6">
-            <a:extLst>
-              <a:ext uri="{28A0092B-C50C-407E-A947-70E740481C1C}">
-                <a14:useLocalDpi xmlns:a14="http://schemas.microsoft.com/office/drawing/2010/main" val="0"/>
-              </a:ext>
-            </a:extLst>
-          </a:blip>
-          <a:stretch>
-            <a:fillRect/>
-          </a:stretch>
-        </p:blipFill>
-        <p:spPr>
-          <a:xfrm>
-            <a:off x="7933039" y="5341647"/>
-            <a:ext cx="575951" cy="351331"/>
-          </a:xfrm>
-          <a:prstGeom prst="rect">
-            <a:avLst/>
-          </a:prstGeom>
-        </p:spPr>
-      </p:pic>
-      <p:pic>
-        <p:nvPicPr>
-          <p:cNvPr id="31" name="Picture 30"/>
-          <p:cNvPicPr>
-            <a:picLocks noChangeAspect="1"/>
-          </p:cNvPicPr>
-          <p:nvPr/>
-        </p:nvPicPr>
-        <p:blipFill>
-          <a:blip r:embed="rId6">
-            <a:extLst>
-              <a:ext uri="{28A0092B-C50C-407E-A947-70E740481C1C}">
-                <a14:useLocalDpi xmlns:a14="http://schemas.microsoft.com/office/drawing/2010/main" val="0"/>
-              </a:ext>
-            </a:extLst>
-          </a:blip>
-          <a:stretch>
-            <a:fillRect/>
-          </a:stretch>
-        </p:blipFill>
-        <p:spPr>
-          <a:xfrm>
-            <a:off x="8085439" y="5494047"/>
-            <a:ext cx="575951" cy="351331"/>
-          </a:xfrm>
-          <a:prstGeom prst="rect">
-            <a:avLst/>
-          </a:prstGeom>
-        </p:spPr>
-      </p:pic>
-      <p:pic>
-        <p:nvPicPr>
-          <p:cNvPr id="4" name="Picture 3"/>
-          <p:cNvPicPr>
-            <a:picLocks noChangeAspect="1"/>
-          </p:cNvPicPr>
-          <p:nvPr/>
-        </p:nvPicPr>
-        <p:blipFill>
-          <a:blip r:embed="rId7">
-            <a:extLst>
-              <a:ext uri="{28A0092B-C50C-407E-A947-70E740481C1C}">
-                <a14:useLocalDpi xmlns:a14="http://schemas.microsoft.com/office/drawing/2010/main" val="0"/>
-              </a:ext>
-            </a:extLst>
-          </a:blip>
-          <a:stretch>
-            <a:fillRect/>
-          </a:stretch>
-        </p:blipFill>
-        <p:spPr>
-          <a:xfrm>
-            <a:off x="8989758" y="5036847"/>
-            <a:ext cx="2332528" cy="1539151"/>
-          </a:xfrm>
-          <a:prstGeom prst="rect">
-            <a:avLst/>
-          </a:prstGeom>
-        </p:spPr>
-      </p:pic>
-      <p:sp>
-        <p:nvSpPr>
-          <p:cNvPr id="5" name="TextBox 4">
-            <a:extLst>
-              <a:ext uri="{FF2B5EF4-FFF2-40B4-BE49-F238E27FC236}">
-                <a16:creationId xmlns:a16="http://schemas.microsoft.com/office/drawing/2014/main" id="{E977E855-0745-B746-B72F-5961A8C85484}"/>
-              </a:ext>
-            </a:extLst>
-          </p:cNvPr>
-          <p:cNvSpPr txBox="1"/>
-          <p:nvPr/>
-        </p:nvSpPr>
-        <p:spPr>
-          <a:xfrm>
-            <a:off x="125461" y="5359307"/>
-            <a:ext cx="7711442" cy="1384995"/>
-          </a:xfrm>
-          <a:prstGeom prst="rect">
-            <a:avLst/>
-          </a:prstGeom>
-          <a:noFill/>
-        </p:spPr>
-        <p:txBody>
-          <a:bodyPr wrap="square" rtlCol="0">
-            <a:spAutoFit/>
-          </a:bodyPr>
-          <a:lstStyle/>
-          <a:p>
-            <a:pPr algn="ctr"/>
-            <a:r>
-              <a:rPr lang="en-US" sz="2800" dirty="0">
-                <a:solidFill>
-                  <a:srgbClr val="C00000"/>
-                </a:solidFill>
-                <a:latin typeface="Helvetica" pitchFamily="2" charset="0"/>
-              </a:rPr>
-              <a:t>But how did the Google server and your laptop attach to the network in the first place? How did they get assigned their addresses?</a:t>
-            </a:r>
-          </a:p>
-        </p:txBody>
-      </p:sp>
-    </p:spTree>
-    <p:extLst>
-      <p:ext uri="{BB962C8B-B14F-4D97-AF65-F5344CB8AC3E}">
-        <p14:creationId xmlns:p14="http://schemas.microsoft.com/office/powerpoint/2010/main" val="905440819"/>
-      </p:ext>
-    </p:extLst>
-  </p:cSld>
-  <p:clrMapOvr>
-    <a:masterClrMapping/>
-  </p:clrMapOvr>
-  <p:timing>
-    <p:tnLst>
-      <p:par>
-        <p:cTn id="1" dur="indefinite" restart="never" nodeType="tmRoot">
-          <p:childTnLst>
-            <p:seq concurrent="1" nextAc="seek">
-              <p:cTn id="2" dur="indefinite" nodeType="mainSeq">
-                <p:childTnLst>
-                  <p:par>
-                    <p:cTn id="3" fill="hold">
-                      <p:stCondLst>
-                        <p:cond delay="indefinite"/>
-                      </p:stCondLst>
-                      <p:childTnLst>
-                        <p:par>
-                          <p:cTn id="4" fill="hold">
-                            <p:stCondLst>
-                              <p:cond delay="0"/>
-                            </p:stCondLst>
-                            <p:childTnLst>
-                              <p:par>
-                                <p:cTn id="5" presetID="1" presetClass="entr" presetSubtype="0" fill="hold" grpId="0" nodeType="clickEffect">
-                                  <p:stCondLst>
-                                    <p:cond delay="0"/>
-                                  </p:stCondLst>
-                                  <p:childTnLst>
-                                    <p:set>
-                                      <p:cBhvr>
-                                        <p:cTn id="6" dur="1" fill="hold">
-                                          <p:stCondLst>
-                                            <p:cond delay="0"/>
-                                          </p:stCondLst>
-                                        </p:cTn>
-                                        <p:tgtEl>
-                                          <p:spTgt spid="5"/>
-                                        </p:tgtEl>
-                                        <p:attrNameLst>
-                                          <p:attrName>style.visibility</p:attrName>
-                                        </p:attrNameLst>
-                                      </p:cBhvr>
-                                      <p:to>
-                                        <p:strVal val="visible"/>
-                                      </p:to>
-                                    </p:set>
-                                  </p:childTnLst>
-                                </p:cTn>
-                              </p:par>
-                            </p:childTnLst>
-                          </p:cTn>
-                        </p:par>
-                      </p:childTnLst>
-                    </p:cTn>
-                  </p:par>
-                </p:childTnLst>
-              </p:cTn>
-              <p:prevCondLst>
-                <p:cond evt="onPrev" delay="0">
-                  <p:tgtEl>
-                    <p:sldTgt/>
-                  </p:tgtEl>
-                </p:cond>
-              </p:prevCondLst>
-              <p:nextCondLst>
-                <p:cond evt="onNext" delay="0">
-                  <p:tgtEl>
-                    <p:sldTgt/>
-                  </p:tgtEl>
-                </p:cond>
-              </p:nextCondLst>
-            </p:seq>
-          </p:childTnLst>
-        </p:cTn>
-      </p:par>
-    </p:tnLst>
-    <p:bldLst>
-      <p:bldP spid="5" grpId="0"/>
-    </p:bldLst>
-  </p:timing>
-</p:sld>
-</file>
-
-<file path=ppt/slides/slide4.xml><?xml version="1.0" encoding="utf-8"?>
-<p:sld xmlns:a="http://schemas.openxmlformats.org/drawingml/2006/main" xmlns:r="http://schemas.openxmlformats.org/officeDocument/2006/relationships" xmlns:p="http://schemas.openxmlformats.org/presentationml/2006/main">
-  <p:cSld>
-    <p:spTree>
-      <p:nvGrpSpPr>
-        <p:cNvPr id="1" name=""/>
-        <p:cNvGrpSpPr/>
-        <p:nvPr/>
-      </p:nvGrpSpPr>
-      <p:grpSpPr>
-        <a:xfrm>
-          <a:off x="0" y="0"/>
-          <a:ext cx="0" cy="0"/>
-          <a:chOff x="0" y="0"/>
-          <a:chExt cx="0" cy="0"/>
-        </a:xfrm>
-      </p:grpSpPr>
-      <p:sp>
-        <p:nvSpPr>
           <p:cNvPr id="20482" name="Title 1"/>
           <p:cNvSpPr>
             <a:spLocks noGrp="1"/>
@@ -10605,7 +7705,7 @@
           <a:p>
             <a:r>
               <a:rPr lang="en-US" altLang="x-none" dirty="0"/>
-              <a:t>The roles of endpoint network software</a:t>
+              <a:t>Three roles of endpoint network software</a:t>
             </a:r>
           </a:p>
         </p:txBody>
@@ -10622,8 +7722,8 @@
         </p:nvSpPr>
         <p:spPr>
           <a:xfrm>
-            <a:off x="838200" y="1825624"/>
-            <a:ext cx="10515600" cy="5032376"/>
+            <a:off x="838199" y="1825624"/>
+            <a:ext cx="10986247" cy="5032376"/>
           </a:xfrm>
         </p:spPr>
         <p:txBody>
@@ -10633,7 +7733,11 @@
           <a:lstStyle/>
           <a:p>
             <a:r>
-              <a:rPr lang="en-US" altLang="x-none" sz="3200" dirty="0"/>
+              <a:rPr lang="en-US" altLang="x-none" sz="3200" dirty="0">
+                <a:solidFill>
+                  <a:srgbClr val="C00000"/>
+                </a:solidFill>
+              </a:rPr>
               <a:t>Bootstrapping the host into the network</a:t>
             </a:r>
           </a:p>
@@ -10653,7 +7757,11 @@
           </a:p>
           <a:p>
             <a:r>
-              <a:rPr lang="en-US" altLang="x-none" sz="3200" dirty="0"/>
+              <a:rPr lang="en-US" altLang="x-none" sz="3200" dirty="0">
+                <a:solidFill>
+                  <a:srgbClr val="C00000"/>
+                </a:solidFill>
+              </a:rPr>
               <a:t>Providing an interface to networked applications</a:t>
             </a:r>
           </a:p>
@@ -10668,12 +7776,16 @@
             <a:pPr lvl="1"/>
             <a:r>
               <a:rPr lang="en-US" altLang="x-none" sz="2800" dirty="0"/>
-              <a:t>What abstractions does the host provide to apps?</a:t>
-            </a:r>
-          </a:p>
-          <a:p>
-            <a:r>
-              <a:rPr lang="en-US" altLang="x-none" sz="3200" dirty="0"/>
+              <a:t>What network abstractions are provided to apps?</a:t>
+            </a:r>
+          </a:p>
+          <a:p>
+            <a:r>
+              <a:rPr lang="en-US" altLang="x-none" sz="3200" dirty="0">
+                <a:solidFill>
+                  <a:srgbClr val="C00000"/>
+                </a:solidFill>
+              </a:rPr>
               <a:t>Distributed resource sharing</a:t>
             </a:r>
           </a:p>
@@ -10681,13 +7793,14 @@
             <a:pPr lvl="1"/>
             <a:r>
               <a:rPr lang="en-US" altLang="x-none" sz="2800" dirty="0"/>
-              <a:t>What roles does the host play in network resource allocation decisions?</a:t>
-            </a:r>
-          </a:p>
-          <a:p>
-            <a:r>
-              <a:rPr lang="en-US" altLang="x-none" sz="3000" dirty="0"/>
-              <a:t>… apart from other things.</a:t>
+              <a:t>How do endpoints participate in network resource allocation?</a:t>
+            </a:r>
+          </a:p>
+          <a:p>
+            <a:pPr lvl="1"/>
+            <a:r>
+              <a:rPr lang="en-US" altLang="x-none" sz="2800" dirty="0"/>
+              <a:t>Related to congestion control and medium access control</a:t>
             </a:r>
           </a:p>
         </p:txBody>
@@ -10705,7 +7818,7 @@
 </p:sld>
 </file>
 
-<file path=ppt/slides/slide5.xml><?xml version="1.0" encoding="utf-8"?>
+<file path=ppt/slides/slide4.xml><?xml version="1.0" encoding="utf-8"?>
 <p:sld xmlns:a="http://schemas.openxmlformats.org/drawingml/2006/main" xmlns:r="http://schemas.openxmlformats.org/officeDocument/2006/relationships" xmlns:p="http://schemas.openxmlformats.org/presentationml/2006/main">
   <p:cSld>
     <p:spTree>
@@ -11715,164 +8828,6 @@
       </p:pic>
       <p:sp>
         <p:nvSpPr>
-          <p:cNvPr id="10" name="Rectangle 18">
-            <a:extLst>
-              <a:ext uri="{FF2B5EF4-FFF2-40B4-BE49-F238E27FC236}">
-                <a16:creationId xmlns:a16="http://schemas.microsoft.com/office/drawing/2014/main" id="{5C371598-0BA7-0443-BCCA-A73D0E1352B8}"/>
-              </a:ext>
-            </a:extLst>
-          </p:cNvPr>
-          <p:cNvSpPr>
-            <a:spLocks noChangeArrowheads="1"/>
-          </p:cNvSpPr>
-          <p:nvPr/>
-        </p:nvSpPr>
-        <p:spPr bwMode="auto">
-          <a:xfrm>
-            <a:off x="1995268" y="1165721"/>
-            <a:ext cx="762000" cy="304800"/>
-          </a:xfrm>
-          <a:prstGeom prst="rect">
-            <a:avLst/>
-          </a:prstGeom>
-          <a:solidFill>
-            <a:schemeClr val="accent1"/>
-          </a:solidFill>
-          <a:ln w="9525">
-            <a:solidFill>
-              <a:schemeClr val="tx1"/>
-            </a:solidFill>
-            <a:miter lim="800000"/>
-            <a:headEnd/>
-            <a:tailEnd/>
-          </a:ln>
-        </p:spPr>
-        <p:txBody>
-          <a:bodyPr wrap="none" anchor="ctr"/>
-          <a:lstStyle>
-            <a:lvl1pPr eaLnBrk="0" hangingPunct="0">
-              <a:defRPr sz="2000" b="1">
-                <a:solidFill>
-                  <a:schemeClr val="tx1"/>
-                </a:solidFill>
-                <a:latin typeface="Helvetica" charset="0"/>
-                <a:ea typeface="Arial" charset="0"/>
-                <a:cs typeface="Arial" charset="0"/>
-              </a:defRPr>
-            </a:lvl1pPr>
-            <a:lvl2pPr marL="37931725" indent="-37474525" eaLnBrk="0" hangingPunct="0">
-              <a:defRPr sz="2000" b="1">
-                <a:solidFill>
-                  <a:schemeClr val="tx1"/>
-                </a:solidFill>
-                <a:latin typeface="Helvetica" charset="0"/>
-                <a:ea typeface="Arial" charset="0"/>
-                <a:cs typeface="Arial" charset="0"/>
-              </a:defRPr>
-            </a:lvl2pPr>
-            <a:lvl3pPr eaLnBrk="0" hangingPunct="0">
-              <a:defRPr sz="2000" b="1">
-                <a:solidFill>
-                  <a:schemeClr val="tx1"/>
-                </a:solidFill>
-                <a:latin typeface="Helvetica" charset="0"/>
-                <a:ea typeface="Arial" charset="0"/>
-                <a:cs typeface="Arial" charset="0"/>
-              </a:defRPr>
-            </a:lvl3pPr>
-            <a:lvl4pPr eaLnBrk="0" hangingPunct="0">
-              <a:defRPr sz="2000" b="1">
-                <a:solidFill>
-                  <a:schemeClr val="tx1"/>
-                </a:solidFill>
-                <a:latin typeface="Helvetica" charset="0"/>
-                <a:ea typeface="Arial" charset="0"/>
-                <a:cs typeface="Arial" charset="0"/>
-              </a:defRPr>
-            </a:lvl4pPr>
-            <a:lvl5pPr eaLnBrk="0" hangingPunct="0">
-              <a:defRPr sz="2000" b="1">
-                <a:solidFill>
-                  <a:schemeClr val="tx1"/>
-                </a:solidFill>
-                <a:latin typeface="Helvetica" charset="0"/>
-                <a:ea typeface="Arial" charset="0"/>
-                <a:cs typeface="Arial" charset="0"/>
-              </a:defRPr>
-            </a:lvl5pPr>
-            <a:lvl6pPr marL="457200" eaLnBrk="0" fontAlgn="base" hangingPunct="0">
-              <a:spcBef>
-                <a:spcPct val="0"/>
-              </a:spcBef>
-              <a:spcAft>
-                <a:spcPct val="0"/>
-              </a:spcAft>
-              <a:defRPr sz="2000" b="1">
-                <a:solidFill>
-                  <a:schemeClr val="tx1"/>
-                </a:solidFill>
-                <a:latin typeface="Helvetica" charset="0"/>
-                <a:ea typeface="Arial" charset="0"/>
-                <a:cs typeface="Arial" charset="0"/>
-              </a:defRPr>
-            </a:lvl6pPr>
-            <a:lvl7pPr marL="914400" eaLnBrk="0" fontAlgn="base" hangingPunct="0">
-              <a:spcBef>
-                <a:spcPct val="0"/>
-              </a:spcBef>
-              <a:spcAft>
-                <a:spcPct val="0"/>
-              </a:spcAft>
-              <a:defRPr sz="2000" b="1">
-                <a:solidFill>
-                  <a:schemeClr val="tx1"/>
-                </a:solidFill>
-                <a:latin typeface="Helvetica" charset="0"/>
-                <a:ea typeface="Arial" charset="0"/>
-                <a:cs typeface="Arial" charset="0"/>
-              </a:defRPr>
-            </a:lvl7pPr>
-            <a:lvl8pPr marL="1371600" eaLnBrk="0" fontAlgn="base" hangingPunct="0">
-              <a:spcBef>
-                <a:spcPct val="0"/>
-              </a:spcBef>
-              <a:spcAft>
-                <a:spcPct val="0"/>
-              </a:spcAft>
-              <a:defRPr sz="2000" b="1">
-                <a:solidFill>
-                  <a:schemeClr val="tx1"/>
-                </a:solidFill>
-                <a:latin typeface="Helvetica" charset="0"/>
-                <a:ea typeface="Arial" charset="0"/>
-                <a:cs typeface="Arial" charset="0"/>
-              </a:defRPr>
-            </a:lvl8pPr>
-            <a:lvl9pPr marL="1828800" eaLnBrk="0" fontAlgn="base" hangingPunct="0">
-              <a:spcBef>
-                <a:spcPct val="0"/>
-              </a:spcBef>
-              <a:spcAft>
-                <a:spcPct val="0"/>
-              </a:spcAft>
-              <a:defRPr sz="2000" b="1">
-                <a:solidFill>
-                  <a:schemeClr val="tx1"/>
-                </a:solidFill>
-                <a:latin typeface="Helvetica" charset="0"/>
-                <a:ea typeface="Arial" charset="0"/>
-                <a:cs typeface="Arial" charset="0"/>
-              </a:defRPr>
-            </a:lvl9pPr>
-          </a:lstStyle>
-          <a:p>
-            <a:pPr eaLnBrk="1" hangingPunct="1"/>
-            <a:endParaRPr lang="x-none" altLang="x-none"/>
-          </a:p>
-        </p:txBody>
-      </p:sp>
-      <p:sp>
-        <p:nvSpPr>
           <p:cNvPr id="11" name="Text Box 21">
             <a:extLst>
               <a:ext uri="{FF2B5EF4-FFF2-40B4-BE49-F238E27FC236}">
@@ -12045,6 +9000,36 @@
           </a:p>
         </p:txBody>
       </p:sp>
+      <p:pic>
+        <p:nvPicPr>
+          <p:cNvPr id="15" name="Picture 14" descr="A circuit board&#10;&#10;Description automatically generated">
+            <a:extLst>
+              <a:ext uri="{FF2B5EF4-FFF2-40B4-BE49-F238E27FC236}">
+                <a16:creationId xmlns:a16="http://schemas.microsoft.com/office/drawing/2014/main" id="{2CE78212-0209-444C-A903-7E5CD8350CEA}"/>
+              </a:ext>
+            </a:extLst>
+          </p:cNvPr>
+          <p:cNvPicPr>
+            <a:picLocks noChangeAspect="1"/>
+          </p:cNvPicPr>
+          <p:nvPr/>
+        </p:nvPicPr>
+        <p:blipFill>
+          <a:blip r:embed="rId3"/>
+          <a:stretch>
+            <a:fillRect/>
+          </a:stretch>
+        </p:blipFill>
+        <p:spPr>
+          <a:xfrm>
+            <a:off x="1820667" y="884811"/>
+            <a:ext cx="1111202" cy="670472"/>
+          </a:xfrm>
+          <a:prstGeom prst="rect">
+            <a:avLst/>
+          </a:prstGeom>
+        </p:spPr>
+      </p:pic>
     </p:spTree>
     <p:extLst>
       <p:ext uri="{BB962C8B-B14F-4D97-AF65-F5344CB8AC3E}">
@@ -12067,6 +9052,9 @@
                     <p:cTn id="3" fill="hold">
                       <p:stCondLst>
                         <p:cond delay="indefinite"/>
+                        <p:cond evt="onBegin" delay="0">
+                          <p:tn val="2"/>
+                        </p:cond>
                       </p:stCondLst>
                       <p:childTnLst>
                         <p:par>
@@ -12076,7 +9064,7 @@
                             </p:stCondLst>
                             <p:childTnLst>
                               <p:par>
-                                <p:cTn id="5" presetID="1" presetClass="entr" presetSubtype="0" fill="hold" grpId="0" nodeType="clickEffect">
+                                <p:cTn id="5" presetID="1" presetClass="entr" presetSubtype="0" fill="hold" grpId="0" nodeType="withEffect">
                                   <p:stCondLst>
                                     <p:cond delay="0"/>
                                   </p:stCondLst>
@@ -12084,33 +9072,6 @@
                                     <p:set>
                                       <p:cBhvr>
                                         <p:cTn id="6" dur="1" fill="hold">
-                                          <p:stCondLst>
-                                            <p:cond delay="0"/>
-                                          </p:stCondLst>
-                                        </p:cTn>
-                                        <p:tgtEl>
-                                          <p:spTgt spid="10"/>
-                                        </p:tgtEl>
-                                        <p:attrNameLst>
-                                          <p:attrName>style.visibility</p:attrName>
-                                        </p:attrNameLst>
-                                      </p:cBhvr>
-                                      <p:to>
-                                        <p:strVal val="visible"/>
-                                      </p:to>
-                                    </p:set>
-                                  </p:childTnLst>
-                                </p:cTn>
-                              </p:par>
-                              <p:par>
-                                <p:cTn id="7" presetID="1" presetClass="entr" presetSubtype="0" fill="hold" grpId="0" nodeType="withEffect">
-                                  <p:stCondLst>
-                                    <p:cond delay="0"/>
-                                  </p:stCondLst>
-                                  <p:childTnLst>
-                                    <p:set>
-                                      <p:cBhvr>
-                                        <p:cTn id="8" dur="1" fill="hold">
                                           <p:stCondLst>
                                             <p:cond delay="0"/>
                                           </p:stCondLst>
@@ -12136,26 +9097,26 @@
                     </p:cTn>
                   </p:par>
                   <p:par>
-                    <p:cTn id="9" fill="hold">
+                    <p:cTn id="7" fill="hold">
                       <p:stCondLst>
                         <p:cond delay="indefinite"/>
                       </p:stCondLst>
                       <p:childTnLst>
                         <p:par>
-                          <p:cTn id="10" fill="hold">
+                          <p:cTn id="8" fill="hold">
                             <p:stCondLst>
                               <p:cond delay="0"/>
                             </p:stCondLst>
                             <p:childTnLst>
                               <p:par>
-                                <p:cTn id="11" presetID="1" presetClass="entr" presetSubtype="0" fill="hold" nodeType="clickEffect">
+                                <p:cTn id="9" presetID="1" presetClass="entr" presetSubtype="0" fill="hold" nodeType="clickEffect">
                                   <p:stCondLst>
                                     <p:cond delay="0"/>
                                   </p:stCondLst>
                                   <p:childTnLst>
                                     <p:set>
                                       <p:cBhvr>
-                                        <p:cTn id="12" dur="1" fill="hold">
+                                        <p:cTn id="10" dur="1" fill="hold">
                                           <p:stCondLst>
                                             <p:cond delay="0"/>
                                           </p:stCondLst>
@@ -12185,26 +9146,26 @@
                     </p:cTn>
                   </p:par>
                   <p:par>
-                    <p:cTn id="13" fill="hold">
+                    <p:cTn id="11" fill="hold">
                       <p:stCondLst>
                         <p:cond delay="indefinite"/>
                       </p:stCondLst>
                       <p:childTnLst>
                         <p:par>
-                          <p:cTn id="14" fill="hold">
+                          <p:cTn id="12" fill="hold">
                             <p:stCondLst>
                               <p:cond delay="0"/>
                             </p:stCondLst>
                             <p:childTnLst>
                               <p:par>
-                                <p:cTn id="15" presetID="1" presetClass="entr" presetSubtype="0" fill="hold" nodeType="clickEffect">
+                                <p:cTn id="13" presetID="1" presetClass="entr" presetSubtype="0" fill="hold" nodeType="clickEffect">
                                   <p:stCondLst>
                                     <p:cond delay="0"/>
                                   </p:stCondLst>
                                   <p:childTnLst>
                                     <p:set>
                                       <p:cBhvr>
-                                        <p:cTn id="16" dur="1" fill="hold">
+                                        <p:cTn id="14" dur="1" fill="hold">
                                           <p:stCondLst>
                                             <p:cond delay="0"/>
                                           </p:stCondLst>
@@ -12228,14 +9189,14 @@
                                 </p:cTn>
                               </p:par>
                               <p:par>
-                                <p:cTn id="17" presetID="1" presetClass="entr" presetSubtype="0" fill="hold" nodeType="withEffect">
+                                <p:cTn id="15" presetID="1" presetClass="entr" presetSubtype="0" fill="hold" nodeType="withEffect">
                                   <p:stCondLst>
                                     <p:cond delay="0"/>
                                   </p:stCondLst>
                                   <p:childTnLst>
                                     <p:set>
                                       <p:cBhvr>
-                                        <p:cTn id="18" dur="1" fill="hold">
+                                        <p:cTn id="16" dur="1" fill="hold">
                                           <p:stCondLst>
                                             <p:cond delay="0"/>
                                           </p:stCondLst>
@@ -12265,26 +9226,26 @@
                     </p:cTn>
                   </p:par>
                   <p:par>
-                    <p:cTn id="19" fill="hold">
+                    <p:cTn id="17" fill="hold">
                       <p:stCondLst>
                         <p:cond delay="indefinite"/>
                       </p:stCondLst>
                       <p:childTnLst>
                         <p:par>
-                          <p:cTn id="20" fill="hold">
+                          <p:cTn id="18" fill="hold">
                             <p:stCondLst>
                               <p:cond delay="0"/>
                             </p:stCondLst>
                             <p:childTnLst>
                               <p:par>
-                                <p:cTn id="21" presetID="1" presetClass="entr" presetSubtype="0" fill="hold" nodeType="clickEffect">
+                                <p:cTn id="19" presetID="1" presetClass="entr" presetSubtype="0" fill="hold" nodeType="clickEffect">
                                   <p:stCondLst>
                                     <p:cond delay="0"/>
                                   </p:stCondLst>
                                   <p:childTnLst>
                                     <p:set>
                                       <p:cBhvr>
-                                        <p:cTn id="22" dur="1" fill="hold">
+                                        <p:cTn id="20" dur="1" fill="hold">
                                           <p:stCondLst>
                                             <p:cond delay="0"/>
                                           </p:stCondLst>
@@ -12308,14 +9269,14 @@
                                 </p:cTn>
                               </p:par>
                               <p:par>
-                                <p:cTn id="23" presetID="1" presetClass="entr" presetSubtype="0" fill="hold" nodeType="withEffect">
+                                <p:cTn id="21" presetID="1" presetClass="entr" presetSubtype="0" fill="hold" nodeType="withEffect">
                                   <p:stCondLst>
                                     <p:cond delay="0"/>
                                   </p:stCondLst>
                                   <p:childTnLst>
                                     <p:set>
                                       <p:cBhvr>
-                                        <p:cTn id="24" dur="1" fill="hold">
+                                        <p:cTn id="22" dur="1" fill="hold">
                                           <p:stCondLst>
                                             <p:cond delay="0"/>
                                           </p:stCondLst>
@@ -12339,14 +9300,14 @@
                                 </p:cTn>
                               </p:par>
                               <p:par>
-                                <p:cTn id="25" presetID="1" presetClass="entr" presetSubtype="0" fill="hold" nodeType="withEffect">
+                                <p:cTn id="23" presetID="1" presetClass="entr" presetSubtype="0" fill="hold" nodeType="withEffect">
                                   <p:stCondLst>
                                     <p:cond delay="0"/>
                                   </p:stCondLst>
                                   <p:childTnLst>
                                     <p:set>
                                       <p:cBhvr>
-                                        <p:cTn id="26" dur="1" fill="hold">
+                                        <p:cTn id="24" dur="1" fill="hold">
                                           <p:stCondLst>
                                             <p:cond delay="0"/>
                                           </p:stCondLst>
@@ -12397,14 +9358,13 @@
       </p:par>
     </p:tnLst>
     <p:bldLst>
-      <p:bldP spid="10" grpId="0" animBg="1"/>
       <p:bldP spid="11" grpId="0"/>
     </p:bldLst>
   </p:timing>
 </p:sld>
 </file>
 
-<file path=ppt/slides/slide6.xml><?xml version="1.0" encoding="utf-8"?>
+<file path=ppt/slides/slide5.xml><?xml version="1.0" encoding="utf-8"?>
 <p:sld xmlns:a="http://schemas.openxmlformats.org/drawingml/2006/main" xmlns:r="http://schemas.openxmlformats.org/officeDocument/2006/relationships" xmlns:p="http://schemas.openxmlformats.org/presentationml/2006/main">
   <p:cSld>
     <p:spTree>
@@ -14265,7 +11225,7 @@
           <a:effectLst/>
           <a:extLst>
             <a:ext uri="{909E8E84-426E-40dd-AFC4-6F175D3DCCD1}">
-              <a14:hiddenFill xmlns="" xmlns:a14="http://schemas.microsoft.com/office/drawing/2010/main">
+              <a14:hiddenFill xmlns:a14="http://schemas.microsoft.com/office/drawing/2010/main" xmlns="">
                 <a:blipFill dpi="0" rotWithShape="0">
                   <a:blip/>
                   <a:srcRect/>
@@ -14276,7 +11236,7 @@
               </a14:hiddenFill>
             </a:ext>
             <a:ext uri="{91240B29-F687-4f45-9708-019B960494DF}">
-              <a14:hiddenLine xmlns="" xmlns:a14="http://schemas.microsoft.com/office/drawing/2010/main" w="9525">
+              <a14:hiddenLine xmlns:a14="http://schemas.microsoft.com/office/drawing/2010/main" xmlns="" w="9525">
                 <a:solidFill>
                   <a:srgbClr val="000000"/>
                 </a:solidFill>
@@ -14286,7 +11246,7 @@
               </a14:hiddenLine>
             </a:ext>
             <a:ext uri="{AF507438-7753-43e0-B8FC-AC1667EBCBE1}">
-              <a14:hiddenEffects xmlns="" xmlns:a14="http://schemas.microsoft.com/office/drawing/2010/main">
+              <a14:hiddenEffects xmlns:a14="http://schemas.microsoft.com/office/drawing/2010/main" xmlns="">
                 <a:effectLst>
                   <a:outerShdw blurRad="63500" dist="38099" dir="2700000" algn="ctr" rotWithShape="0">
                     <a:srgbClr val="000000">
@@ -14312,7 +11272,7 @@
 </p:sld>
 </file>
 
-<file path=ppt/slides/slide7.xml><?xml version="1.0" encoding="utf-8"?>
+<file path=ppt/slides/slide6.xml><?xml version="1.0" encoding="utf-8"?>
 <p:sld xmlns:a="http://schemas.openxmlformats.org/drawingml/2006/main" xmlns:r="http://schemas.openxmlformats.org/officeDocument/2006/relationships" xmlns:p="http://schemas.openxmlformats.org/presentationml/2006/main">
   <p:cSld>
     <p:spTree>
@@ -14407,7 +11367,15 @@
           <a:p>
             <a:r>
               <a:rPr lang="en-US" altLang="x-none" dirty="0"/>
-              <a:t>Applications communicate using “sockets”</a:t>
+              <a:t>Applications interface with the network using </a:t>
+            </a:r>
+            <a:r>
+              <a:rPr lang="en-US" altLang="x-none" dirty="0">
+                <a:solidFill>
+                  <a:srgbClr val="C00000"/>
+                </a:solidFill>
+              </a:rPr>
+              <a:t>sockets</a:t>
             </a:r>
           </a:p>
           <a:p>
@@ -15406,7 +12374,7 @@
         </p:nvSpPr>
         <p:spPr bwMode="auto">
           <a:xfrm>
-            <a:off x="2735263" y="4454384"/>
+            <a:off x="2735263" y="4454388"/>
             <a:ext cx="1394934" cy="707886"/>
           </a:xfrm>
           <a:prstGeom prst="rect">
@@ -15554,14 +12522,14 @@
           <a:p>
             <a:pPr eaLnBrk="1" hangingPunct="1"/>
             <a:r>
-              <a:rPr lang="en-US" altLang="x-none"/>
+              <a:rPr lang="en-US" altLang="x-none" dirty="0"/>
               <a:t>Operating</a:t>
             </a:r>
           </a:p>
           <a:p>
             <a:pPr eaLnBrk="1" hangingPunct="1"/>
             <a:r>
-              <a:rPr lang="en-US" altLang="x-none"/>
+              <a:rPr lang="en-US" altLang="x-none" dirty="0"/>
               <a:t>System</a:t>
             </a:r>
           </a:p>
@@ -15577,7 +12545,7 @@
         </p:nvSpPr>
         <p:spPr bwMode="auto">
           <a:xfrm>
-            <a:off x="7977188" y="4467084"/>
+            <a:off x="7977188" y="4467088"/>
             <a:ext cx="1394934" cy="707886"/>
           </a:xfrm>
           <a:prstGeom prst="rect">
@@ -16431,10 +13399,531 @@
   <p:clrMapOvr>
     <a:masterClrMapping/>
   </p:clrMapOvr>
+  <p:timing>
+    <p:tnLst>
+      <p:par>
+        <p:cTn id="1" dur="indefinite" restart="never" nodeType="tmRoot">
+          <p:childTnLst>
+            <p:seq concurrent="1" nextAc="seek">
+              <p:cTn id="2" dur="indefinite" nodeType="mainSeq">
+                <p:childTnLst>
+                  <p:par>
+                    <p:cTn id="3" fill="hold">
+                      <p:stCondLst>
+                        <p:cond delay="indefinite"/>
+                      </p:stCondLst>
+                      <p:childTnLst>
+                        <p:par>
+                          <p:cTn id="4" fill="hold">
+                            <p:stCondLst>
+                              <p:cond delay="0"/>
+                            </p:stCondLst>
+                            <p:childTnLst>
+                              <p:par>
+                                <p:cTn id="5" presetID="1" presetClass="entr" presetSubtype="0" fill="hold" nodeType="clickEffect">
+                                  <p:stCondLst>
+                                    <p:cond delay="0"/>
+                                  </p:stCondLst>
+                                  <p:childTnLst>
+                                    <p:set>
+                                      <p:cBhvr>
+                                        <p:cTn id="6" dur="1" fill="hold">
+                                          <p:stCondLst>
+                                            <p:cond delay="0"/>
+                                          </p:stCondLst>
+                                        </p:cTn>
+                                        <p:tgtEl>
+                                          <p:spTgt spid="35843">
+                                            <p:txEl>
+                                              <p:pRg st="1" end="1"/>
+                                            </p:txEl>
+                                          </p:spTgt>
+                                        </p:tgtEl>
+                                        <p:attrNameLst>
+                                          <p:attrName>style.visibility</p:attrName>
+                                        </p:attrNameLst>
+                                      </p:cBhvr>
+                                      <p:to>
+                                        <p:strVal val="visible"/>
+                                      </p:to>
+                                    </p:set>
+                                  </p:childTnLst>
+                                </p:cTn>
+                              </p:par>
+                              <p:par>
+                                <p:cTn id="7" presetID="1" presetClass="entr" presetSubtype="0" fill="hold" nodeType="withEffect">
+                                  <p:stCondLst>
+                                    <p:cond delay="0"/>
+                                  </p:stCondLst>
+                                  <p:childTnLst>
+                                    <p:set>
+                                      <p:cBhvr>
+                                        <p:cTn id="8" dur="1" fill="hold">
+                                          <p:stCondLst>
+                                            <p:cond delay="0"/>
+                                          </p:stCondLst>
+                                        </p:cTn>
+                                        <p:tgtEl>
+                                          <p:spTgt spid="35843">
+                                            <p:txEl>
+                                              <p:pRg st="2" end="2"/>
+                                            </p:txEl>
+                                          </p:spTgt>
+                                        </p:tgtEl>
+                                        <p:attrNameLst>
+                                          <p:attrName>style.visibility</p:attrName>
+                                        </p:attrNameLst>
+                                      </p:cBhvr>
+                                      <p:to>
+                                        <p:strVal val="visible"/>
+                                      </p:to>
+                                    </p:set>
+                                  </p:childTnLst>
+                                </p:cTn>
+                              </p:par>
+                            </p:childTnLst>
+                          </p:cTn>
+                        </p:par>
+                      </p:childTnLst>
+                    </p:cTn>
+                  </p:par>
+                  <p:par>
+                    <p:cTn id="9" fill="hold">
+                      <p:stCondLst>
+                        <p:cond delay="indefinite"/>
+                      </p:stCondLst>
+                      <p:childTnLst>
+                        <p:par>
+                          <p:cTn id="10" fill="hold">
+                            <p:stCondLst>
+                              <p:cond delay="0"/>
+                            </p:stCondLst>
+                            <p:childTnLst>
+                              <p:par>
+                                <p:cTn id="11" presetID="1" presetClass="entr" presetSubtype="0" fill="hold" nodeType="clickEffect">
+                                  <p:stCondLst>
+                                    <p:cond delay="0"/>
+                                  </p:stCondLst>
+                                  <p:childTnLst>
+                                    <p:set>
+                                      <p:cBhvr>
+                                        <p:cTn id="12" dur="1" fill="hold">
+                                          <p:stCondLst>
+                                            <p:cond delay="0"/>
+                                          </p:stCondLst>
+                                        </p:cTn>
+                                        <p:tgtEl>
+                                          <p:spTgt spid="35843">
+                                            <p:txEl>
+                                              <p:pRg st="7" end="7"/>
+                                            </p:txEl>
+                                          </p:spTgt>
+                                        </p:tgtEl>
+                                        <p:attrNameLst>
+                                          <p:attrName>style.visibility</p:attrName>
+                                        </p:attrNameLst>
+                                      </p:cBhvr>
+                                      <p:to>
+                                        <p:strVal val="visible"/>
+                                      </p:to>
+                                    </p:set>
+                                  </p:childTnLst>
+                                </p:cTn>
+                              </p:par>
+                              <p:par>
+                                <p:cTn id="13" presetID="1" presetClass="entr" presetSubtype="0" fill="hold" nodeType="withEffect">
+                                  <p:stCondLst>
+                                    <p:cond delay="0"/>
+                                  </p:stCondLst>
+                                  <p:childTnLst>
+                                    <p:set>
+                                      <p:cBhvr>
+                                        <p:cTn id="14" dur="1" fill="hold">
+                                          <p:stCondLst>
+                                            <p:cond delay="0"/>
+                                          </p:stCondLst>
+                                        </p:cTn>
+                                        <p:tgtEl>
+                                          <p:spTgt spid="35843">
+                                            <p:txEl>
+                                              <p:pRg st="8" end="8"/>
+                                            </p:txEl>
+                                          </p:spTgt>
+                                        </p:tgtEl>
+                                        <p:attrNameLst>
+                                          <p:attrName>style.visibility</p:attrName>
+                                        </p:attrNameLst>
+                                      </p:cBhvr>
+                                      <p:to>
+                                        <p:strVal val="visible"/>
+                                      </p:to>
+                                    </p:set>
+                                  </p:childTnLst>
+                                </p:cTn>
+                              </p:par>
+                              <p:par>
+                                <p:cTn id="15" presetID="1" presetClass="entr" presetSubtype="0" fill="hold" nodeType="withEffect">
+                                  <p:stCondLst>
+                                    <p:cond delay="0"/>
+                                  </p:stCondLst>
+                                  <p:childTnLst>
+                                    <p:set>
+                                      <p:cBhvr>
+                                        <p:cTn id="16" dur="1" fill="hold">
+                                          <p:stCondLst>
+                                            <p:cond delay="0"/>
+                                          </p:stCondLst>
+                                        </p:cTn>
+                                        <p:tgtEl>
+                                          <p:spTgt spid="35843">
+                                            <p:txEl>
+                                              <p:pRg st="9" end="9"/>
+                                            </p:txEl>
+                                          </p:spTgt>
+                                        </p:tgtEl>
+                                        <p:attrNameLst>
+                                          <p:attrName>style.visibility</p:attrName>
+                                        </p:attrNameLst>
+                                      </p:cBhvr>
+                                      <p:to>
+                                        <p:strVal val="visible"/>
+                                      </p:to>
+                                    </p:set>
+                                  </p:childTnLst>
+                                </p:cTn>
+                              </p:par>
+                            </p:childTnLst>
+                          </p:cTn>
+                        </p:par>
+                      </p:childTnLst>
+                    </p:cTn>
+                  </p:par>
+                  <p:par>
+                    <p:cTn id="17" fill="hold">
+                      <p:stCondLst>
+                        <p:cond delay="indefinite"/>
+                      </p:stCondLst>
+                      <p:childTnLst>
+                        <p:par>
+                          <p:cTn id="18" fill="hold">
+                            <p:stCondLst>
+                              <p:cond delay="0"/>
+                            </p:stCondLst>
+                            <p:childTnLst>
+                              <p:par>
+                                <p:cTn id="19" presetID="1" presetClass="entr" presetSubtype="0" fill="hold" grpId="0" nodeType="clickEffect">
+                                  <p:stCondLst>
+                                    <p:cond delay="0"/>
+                                  </p:stCondLst>
+                                  <p:childTnLst>
+                                    <p:set>
+                                      <p:cBhvr>
+                                        <p:cTn id="20" dur="1" fill="hold">
+                                          <p:stCondLst>
+                                            <p:cond delay="0"/>
+                                          </p:stCondLst>
+                                        </p:cTn>
+                                        <p:tgtEl>
+                                          <p:spTgt spid="35845"/>
+                                        </p:tgtEl>
+                                        <p:attrNameLst>
+                                          <p:attrName>style.visibility</p:attrName>
+                                        </p:attrNameLst>
+                                      </p:cBhvr>
+                                      <p:to>
+                                        <p:strVal val="visible"/>
+                                      </p:to>
+                                    </p:set>
+                                  </p:childTnLst>
+                                </p:cTn>
+                              </p:par>
+                              <p:par>
+                                <p:cTn id="21" presetID="1" presetClass="entr" presetSubtype="0" fill="hold" grpId="0" nodeType="withEffect">
+                                  <p:stCondLst>
+                                    <p:cond delay="0"/>
+                                  </p:stCondLst>
+                                  <p:childTnLst>
+                                    <p:set>
+                                      <p:cBhvr>
+                                        <p:cTn id="22" dur="1" fill="hold">
+                                          <p:stCondLst>
+                                            <p:cond delay="0"/>
+                                          </p:stCondLst>
+                                        </p:cTn>
+                                        <p:tgtEl>
+                                          <p:spTgt spid="35846"/>
+                                        </p:tgtEl>
+                                        <p:attrNameLst>
+                                          <p:attrName>style.visibility</p:attrName>
+                                        </p:attrNameLst>
+                                      </p:cBhvr>
+                                      <p:to>
+                                        <p:strVal val="visible"/>
+                                      </p:to>
+                                    </p:set>
+                                  </p:childTnLst>
+                                </p:cTn>
+                              </p:par>
+                              <p:par>
+                                <p:cTn id="23" presetID="1" presetClass="entr" presetSubtype="0" fill="hold" grpId="0" nodeType="withEffect">
+                                  <p:stCondLst>
+                                    <p:cond delay="0"/>
+                                  </p:stCondLst>
+                                  <p:childTnLst>
+                                    <p:set>
+                                      <p:cBhvr>
+                                        <p:cTn id="24" dur="1" fill="hold">
+                                          <p:stCondLst>
+                                            <p:cond delay="0"/>
+                                          </p:stCondLst>
+                                        </p:cTn>
+                                        <p:tgtEl>
+                                          <p:spTgt spid="35847"/>
+                                        </p:tgtEl>
+                                        <p:attrNameLst>
+                                          <p:attrName>style.visibility</p:attrName>
+                                        </p:attrNameLst>
+                                      </p:cBhvr>
+                                      <p:to>
+                                        <p:strVal val="visible"/>
+                                      </p:to>
+                                    </p:set>
+                                  </p:childTnLst>
+                                </p:cTn>
+                              </p:par>
+                              <p:par>
+                                <p:cTn id="25" presetID="1" presetClass="entr" presetSubtype="0" fill="hold" grpId="0" nodeType="withEffect">
+                                  <p:stCondLst>
+                                    <p:cond delay="0"/>
+                                  </p:stCondLst>
+                                  <p:childTnLst>
+                                    <p:set>
+                                      <p:cBhvr>
+                                        <p:cTn id="26" dur="1" fill="hold">
+                                          <p:stCondLst>
+                                            <p:cond delay="0"/>
+                                          </p:stCondLst>
+                                        </p:cTn>
+                                        <p:tgtEl>
+                                          <p:spTgt spid="35848"/>
+                                        </p:tgtEl>
+                                        <p:attrNameLst>
+                                          <p:attrName>style.visibility</p:attrName>
+                                        </p:attrNameLst>
+                                      </p:cBhvr>
+                                      <p:to>
+                                        <p:strVal val="visible"/>
+                                      </p:to>
+                                    </p:set>
+                                  </p:childTnLst>
+                                </p:cTn>
+                              </p:par>
+                              <p:par>
+                                <p:cTn id="27" presetID="1" presetClass="entr" presetSubtype="0" fill="hold" grpId="0" nodeType="withEffect">
+                                  <p:stCondLst>
+                                    <p:cond delay="0"/>
+                                  </p:stCondLst>
+                                  <p:childTnLst>
+                                    <p:set>
+                                      <p:cBhvr>
+                                        <p:cTn id="28" dur="1" fill="hold">
+                                          <p:stCondLst>
+                                            <p:cond delay="0"/>
+                                          </p:stCondLst>
+                                        </p:cTn>
+                                        <p:tgtEl>
+                                          <p:spTgt spid="35849"/>
+                                        </p:tgtEl>
+                                        <p:attrNameLst>
+                                          <p:attrName>style.visibility</p:attrName>
+                                        </p:attrNameLst>
+                                      </p:cBhvr>
+                                      <p:to>
+                                        <p:strVal val="visible"/>
+                                      </p:to>
+                                    </p:set>
+                                  </p:childTnLst>
+                                </p:cTn>
+                              </p:par>
+                              <p:par>
+                                <p:cTn id="29" presetID="1" presetClass="entr" presetSubtype="0" fill="hold" grpId="0" nodeType="withEffect">
+                                  <p:stCondLst>
+                                    <p:cond delay="0"/>
+                                  </p:stCondLst>
+                                  <p:childTnLst>
+                                    <p:set>
+                                      <p:cBhvr>
+                                        <p:cTn id="30" dur="1" fill="hold">
+                                          <p:stCondLst>
+                                            <p:cond delay="0"/>
+                                          </p:stCondLst>
+                                        </p:cTn>
+                                        <p:tgtEl>
+                                          <p:spTgt spid="35850"/>
+                                        </p:tgtEl>
+                                        <p:attrNameLst>
+                                          <p:attrName>style.visibility</p:attrName>
+                                        </p:attrNameLst>
+                                      </p:cBhvr>
+                                      <p:to>
+                                        <p:strVal val="visible"/>
+                                      </p:to>
+                                    </p:set>
+                                  </p:childTnLst>
+                                </p:cTn>
+                              </p:par>
+                              <p:par>
+                                <p:cTn id="31" presetID="1" presetClass="entr" presetSubtype="0" fill="hold" grpId="0" nodeType="withEffect">
+                                  <p:stCondLst>
+                                    <p:cond delay="0"/>
+                                  </p:stCondLst>
+                                  <p:childTnLst>
+                                    <p:set>
+                                      <p:cBhvr>
+                                        <p:cTn id="32" dur="1" fill="hold">
+                                          <p:stCondLst>
+                                            <p:cond delay="0"/>
+                                          </p:stCondLst>
+                                        </p:cTn>
+                                        <p:tgtEl>
+                                          <p:spTgt spid="35851"/>
+                                        </p:tgtEl>
+                                        <p:attrNameLst>
+                                          <p:attrName>style.visibility</p:attrName>
+                                        </p:attrNameLst>
+                                      </p:cBhvr>
+                                      <p:to>
+                                        <p:strVal val="visible"/>
+                                      </p:to>
+                                    </p:set>
+                                  </p:childTnLst>
+                                </p:cTn>
+                              </p:par>
+                              <p:par>
+                                <p:cTn id="33" presetID="1" presetClass="entr" presetSubtype="0" fill="hold" grpId="0" nodeType="withEffect">
+                                  <p:stCondLst>
+                                    <p:cond delay="0"/>
+                                  </p:stCondLst>
+                                  <p:childTnLst>
+                                    <p:set>
+                                      <p:cBhvr>
+                                        <p:cTn id="34" dur="1" fill="hold">
+                                          <p:stCondLst>
+                                            <p:cond delay="0"/>
+                                          </p:stCondLst>
+                                        </p:cTn>
+                                        <p:tgtEl>
+                                          <p:spTgt spid="35852"/>
+                                        </p:tgtEl>
+                                        <p:attrNameLst>
+                                          <p:attrName>style.visibility</p:attrName>
+                                        </p:attrNameLst>
+                                      </p:cBhvr>
+                                      <p:to>
+                                        <p:strVal val="visible"/>
+                                      </p:to>
+                                    </p:set>
+                                  </p:childTnLst>
+                                </p:cTn>
+                              </p:par>
+                              <p:par>
+                                <p:cTn id="35" presetID="1" presetClass="entr" presetSubtype="0" fill="hold" grpId="0" nodeType="withEffect">
+                                  <p:stCondLst>
+                                    <p:cond delay="0"/>
+                                  </p:stCondLst>
+                                  <p:childTnLst>
+                                    <p:set>
+                                      <p:cBhvr>
+                                        <p:cTn id="36" dur="1" fill="hold">
+                                          <p:stCondLst>
+                                            <p:cond delay="0"/>
+                                          </p:stCondLst>
+                                        </p:cTn>
+                                        <p:tgtEl>
+                                          <p:spTgt spid="13"/>
+                                        </p:tgtEl>
+                                        <p:attrNameLst>
+                                          <p:attrName>style.visibility</p:attrName>
+                                        </p:attrNameLst>
+                                      </p:cBhvr>
+                                      <p:to>
+                                        <p:strVal val="visible"/>
+                                      </p:to>
+                                    </p:set>
+                                  </p:childTnLst>
+                                </p:cTn>
+                              </p:par>
+                              <p:par>
+                                <p:cTn id="37" presetID="1" presetClass="entr" presetSubtype="0" fill="hold" grpId="0" nodeType="withEffect">
+                                  <p:stCondLst>
+                                    <p:cond delay="0"/>
+                                  </p:stCondLst>
+                                  <p:childTnLst>
+                                    <p:set>
+                                      <p:cBhvr>
+                                        <p:cTn id="38" dur="1" fill="hold">
+                                          <p:stCondLst>
+                                            <p:cond delay="0"/>
+                                          </p:stCondLst>
+                                        </p:cTn>
+                                        <p:tgtEl>
+                                          <p:spTgt spid="35854"/>
+                                        </p:tgtEl>
+                                        <p:attrNameLst>
+                                          <p:attrName>style.visibility</p:attrName>
+                                        </p:attrNameLst>
+                                      </p:cBhvr>
+                                      <p:to>
+                                        <p:strVal val="visible"/>
+                                      </p:to>
+                                    </p:set>
+                                  </p:childTnLst>
+                                </p:cTn>
+                              </p:par>
+                            </p:childTnLst>
+                          </p:cTn>
+                        </p:par>
+                      </p:childTnLst>
+                    </p:cTn>
+                  </p:par>
+                </p:childTnLst>
+              </p:cTn>
+              <p:prevCondLst>
+                <p:cond evt="onPrev" delay="0">
+                  <p:tgtEl>
+                    <p:sldTgt/>
+                  </p:tgtEl>
+                </p:cond>
+              </p:prevCondLst>
+              <p:nextCondLst>
+                <p:cond evt="onNext" delay="0">
+                  <p:tgtEl>
+                    <p:sldTgt/>
+                  </p:tgtEl>
+                </p:cond>
+              </p:nextCondLst>
+            </p:seq>
+          </p:childTnLst>
+        </p:cTn>
+      </p:par>
+    </p:tnLst>
+    <p:bldLst>
+      <p:bldP spid="35845" grpId="0" animBg="1"/>
+      <p:bldP spid="35846" grpId="0" animBg="1"/>
+      <p:bldP spid="35847" grpId="0" animBg="1"/>
+      <p:bldP spid="35848" grpId="0" animBg="1"/>
+      <p:bldP spid="35849" grpId="0"/>
+      <p:bldP spid="35850" grpId="0"/>
+      <p:bldP spid="35851" grpId="0" animBg="1"/>
+      <p:bldP spid="35852" grpId="0" animBg="1"/>
+      <p:bldP spid="13" grpId="0" animBg="1"/>
+      <p:bldP spid="35854" grpId="0" animBg="1"/>
+    </p:bldLst>
+  </p:timing>
 </p:sld>
 </file>
 
-<file path=ppt/slides/slide8.xml><?xml version="1.0" encoding="utf-8"?>
+<file path=ppt/slides/slide7.xml><?xml version="1.0" encoding="utf-8"?>
 <p:sld xmlns:a="http://schemas.openxmlformats.org/drawingml/2006/main" xmlns:r="http://schemas.openxmlformats.org/officeDocument/2006/relationships" xmlns:p="http://schemas.openxmlformats.org/presentationml/2006/main">
   <p:cSld>
     <p:spTree>
@@ -16489,11 +13978,19 @@
           <a:lstStyle/>
           <a:p>
             <a:r>
-              <a:rPr lang="en-US" altLang="x-none" b="1" dirty="0" err="1"/>
+              <a:rPr lang="en-US" altLang="x-none" b="1" dirty="0" err="1">
+                <a:solidFill>
+                  <a:srgbClr val="C00000"/>
+                </a:solidFill>
+              </a:rPr>
               <a:t>Demultiplexing</a:t>
             </a:r>
             <a:r>
-              <a:rPr lang="en-US" altLang="x-none" b="1" dirty="0"/>
+              <a:rPr lang="en-US" altLang="x-none" b="1" dirty="0">
+                <a:solidFill>
+                  <a:srgbClr val="C00000"/>
+                </a:solidFill>
+              </a:rPr>
               <a:t>:</a:t>
             </a:r>
             <a:r>
@@ -16515,12 +14012,24 @@
           </a:p>
           <a:p>
             <a:r>
-              <a:rPr lang="en-US" altLang="x-none" b="1" dirty="0"/>
+              <a:rPr lang="en-US" altLang="x-none" b="1" dirty="0">
+                <a:solidFill>
+                  <a:srgbClr val="C00000"/>
+                </a:solidFill>
+              </a:rPr>
               <a:t>Error detection:</a:t>
             </a:r>
             <a:r>
+              <a:rPr lang="en-US" altLang="x-none" dirty="0">
+                <a:solidFill>
+                  <a:srgbClr val="C00000"/>
+                </a:solidFill>
+              </a:rPr>
+              <a:t> </a:t>
+            </a:r>
+            <a:r>
               <a:rPr lang="en-US" altLang="x-none" dirty="0"/>
-              <a:t> checksums </a:t>
+              <a:t>checksums </a:t>
             </a:r>
           </a:p>
         </p:txBody>
@@ -19074,6 +16583,2056 @@
     <p:extLst>
       <p:ext uri="{BB962C8B-B14F-4D97-AF65-F5344CB8AC3E}">
         <p14:creationId xmlns:p14="http://schemas.microsoft.com/office/powerpoint/2010/main" val="2452581338"/>
+      </p:ext>
+    </p:extLst>
+  </p:cSld>
+  <p:clrMapOvr>
+    <a:masterClrMapping/>
+  </p:clrMapOvr>
+</p:sld>
+</file>
+
+<file path=ppt/slides/slide8.xml><?xml version="1.0" encoding="utf-8"?>
+<p:sld xmlns:a="http://schemas.openxmlformats.org/drawingml/2006/main" xmlns:r="http://schemas.openxmlformats.org/officeDocument/2006/relationships" xmlns:p="http://schemas.openxmlformats.org/presentationml/2006/main">
+  <p:cSld>
+    <p:spTree>
+      <p:nvGrpSpPr>
+        <p:cNvPr id="1" name=""/>
+        <p:cNvGrpSpPr/>
+        <p:nvPr/>
+      </p:nvGrpSpPr>
+      <p:grpSpPr>
+        <a:xfrm>
+          <a:off x="0" y="0"/>
+          <a:ext cx="0" cy="0"/>
+          <a:chOff x="0" y="0"/>
+          <a:chExt cx="0" cy="0"/>
+        </a:xfrm>
+      </p:grpSpPr>
+      <p:sp>
+        <p:nvSpPr>
+          <p:cNvPr id="2" name="Title 1">
+            <a:extLst>
+              <a:ext uri="{FF2B5EF4-FFF2-40B4-BE49-F238E27FC236}">
+                <a16:creationId xmlns:a16="http://schemas.microsoft.com/office/drawing/2014/main" id="{60D35FD9-1452-FE4C-89E6-FADF62C4A3FB}"/>
+              </a:ext>
+            </a:extLst>
+          </p:cNvPr>
+          <p:cNvSpPr>
+            <a:spLocks noGrp="1"/>
+          </p:cNvSpPr>
+          <p:nvPr>
+            <p:ph type="title"/>
+          </p:nvPr>
+        </p:nvSpPr>
+        <p:spPr/>
+        <p:txBody>
+          <a:bodyPr/>
+          <a:lstStyle/>
+          <a:p>
+            <a:r>
+              <a:rPr lang="en-US" dirty="0"/>
+              <a:t>Demultiplexing using sockets</a:t>
+            </a:r>
+          </a:p>
+        </p:txBody>
+      </p:sp>
+      <p:sp>
+        <p:nvSpPr>
+          <p:cNvPr id="3" name="Content Placeholder 2">
+            <a:extLst>
+              <a:ext uri="{FF2B5EF4-FFF2-40B4-BE49-F238E27FC236}">
+                <a16:creationId xmlns:a16="http://schemas.microsoft.com/office/drawing/2014/main" id="{69A88D2F-3226-C84B-AAA4-6DF9450BDDBB}"/>
+              </a:ext>
+            </a:extLst>
+          </p:cNvPr>
+          <p:cNvSpPr>
+            <a:spLocks noGrp="1"/>
+          </p:cNvSpPr>
+          <p:nvPr>
+            <p:ph idx="1"/>
+          </p:nvPr>
+        </p:nvSpPr>
+        <p:spPr>
+          <a:xfrm>
+            <a:off x="838199" y="1825624"/>
+            <a:ext cx="11025851" cy="4841393"/>
+          </a:xfrm>
+        </p:spPr>
+        <p:txBody>
+          <a:bodyPr>
+            <a:normAutofit lnSpcReduction="10000"/>
+          </a:bodyPr>
+          <a:lstStyle/>
+          <a:p>
+            <a:endParaRPr lang="en-US" dirty="0"/>
+          </a:p>
+          <a:p>
+            <a:endParaRPr lang="en-US" dirty="0"/>
+          </a:p>
+          <a:p>
+            <a:endParaRPr lang="en-US" dirty="0"/>
+          </a:p>
+          <a:p>
+            <a:endParaRPr lang="en-US" dirty="0"/>
+          </a:p>
+          <a:p>
+            <a:r>
+              <a:rPr lang="en-US" dirty="0"/>
+              <a:t>A socket is associated with five pieces of information:</a:t>
+            </a:r>
+          </a:p>
+          <a:p>
+            <a:pPr lvl="1"/>
+            <a:r>
+              <a:rPr lang="en-US" dirty="0"/>
+              <a:t>Source and destination IP address</a:t>
+            </a:r>
+          </a:p>
+          <a:p>
+            <a:pPr lvl="1"/>
+            <a:r>
+              <a:rPr lang="en-US" dirty="0"/>
+              <a:t>Source and destination port</a:t>
+            </a:r>
+          </a:p>
+          <a:p>
+            <a:pPr lvl="1"/>
+            <a:r>
+              <a:rPr lang="en-US" dirty="0"/>
+              <a:t>Kind of transport protocol (e.g., TCP/UDP)</a:t>
+            </a:r>
+          </a:p>
+          <a:p>
+            <a:r>
+              <a:rPr lang="en-US" dirty="0"/>
+              <a:t>Together referred to as the </a:t>
+            </a:r>
+            <a:r>
+              <a:rPr lang="en-US" dirty="0">
+                <a:solidFill>
+                  <a:srgbClr val="C00000"/>
+                </a:solidFill>
+              </a:rPr>
+              <a:t>connection five-tuple</a:t>
+            </a:r>
+          </a:p>
+          <a:p>
+            <a:r>
+              <a:rPr lang="en-US" dirty="0"/>
+              <a:t>Operating system performs a connection </a:t>
+            </a:r>
+            <a:r>
+              <a:rPr lang="en-US" dirty="0">
+                <a:solidFill>
+                  <a:srgbClr val="C00000"/>
+                </a:solidFill>
+              </a:rPr>
+              <a:t>lookup </a:t>
+            </a:r>
+            <a:r>
+              <a:rPr lang="en-US" dirty="0"/>
+              <a:t>using the 5-tuple to send incoming data to the right application</a:t>
+            </a:r>
+          </a:p>
+          <a:p>
+            <a:endParaRPr lang="en-US" dirty="0"/>
+          </a:p>
+        </p:txBody>
+      </p:sp>
+      <p:sp>
+        <p:nvSpPr>
+          <p:cNvPr id="4" name="Oval 5">
+            <a:extLst>
+              <a:ext uri="{FF2B5EF4-FFF2-40B4-BE49-F238E27FC236}">
+                <a16:creationId xmlns:a16="http://schemas.microsoft.com/office/drawing/2014/main" id="{5234BFF6-3743-4847-BD31-331B12E95BF6}"/>
+              </a:ext>
+            </a:extLst>
+          </p:cNvPr>
+          <p:cNvSpPr>
+            <a:spLocks noChangeArrowheads="1"/>
+          </p:cNvSpPr>
+          <p:nvPr/>
+        </p:nvSpPr>
+        <p:spPr bwMode="auto">
+          <a:xfrm>
+            <a:off x="2240929" y="1441450"/>
+            <a:ext cx="2419350" cy="768350"/>
+          </a:xfrm>
+          <a:prstGeom prst="ellipse">
+            <a:avLst/>
+          </a:prstGeom>
+          <a:noFill/>
+          <a:ln w="9525">
+            <a:solidFill>
+              <a:schemeClr val="tx1"/>
+            </a:solidFill>
+            <a:round/>
+            <a:headEnd/>
+            <a:tailEnd/>
+          </a:ln>
+          <a:extLst>
+            <a:ext uri="{909E8E84-426E-40DD-AFC4-6F175D3DCCD1}">
+              <a14:hiddenFill xmlns:a14="http://schemas.microsoft.com/office/drawing/2010/main">
+                <a:solidFill>
+                  <a:srgbClr val="FFFFFF"/>
+                </a:solidFill>
+              </a14:hiddenFill>
+            </a:ext>
+          </a:extLst>
+        </p:spPr>
+        <p:txBody>
+          <a:bodyPr wrap="none" anchor="ctr"/>
+          <a:lstStyle>
+            <a:lvl1pPr eaLnBrk="0" hangingPunct="0">
+              <a:defRPr sz="2000" b="1">
+                <a:solidFill>
+                  <a:schemeClr val="tx1"/>
+                </a:solidFill>
+                <a:latin typeface="Helvetica" charset="0"/>
+                <a:ea typeface="Arial" charset="0"/>
+                <a:cs typeface="Arial" charset="0"/>
+              </a:defRPr>
+            </a:lvl1pPr>
+            <a:lvl2pPr marL="37931725" indent="-37474525" eaLnBrk="0" hangingPunct="0">
+              <a:defRPr sz="2000" b="1">
+                <a:solidFill>
+                  <a:schemeClr val="tx1"/>
+                </a:solidFill>
+                <a:latin typeface="Helvetica" charset="0"/>
+                <a:ea typeface="Arial" charset="0"/>
+                <a:cs typeface="Arial" charset="0"/>
+              </a:defRPr>
+            </a:lvl2pPr>
+            <a:lvl3pPr eaLnBrk="0" hangingPunct="0">
+              <a:defRPr sz="2000" b="1">
+                <a:solidFill>
+                  <a:schemeClr val="tx1"/>
+                </a:solidFill>
+                <a:latin typeface="Helvetica" charset="0"/>
+                <a:ea typeface="Arial" charset="0"/>
+                <a:cs typeface="Arial" charset="0"/>
+              </a:defRPr>
+            </a:lvl3pPr>
+            <a:lvl4pPr eaLnBrk="0" hangingPunct="0">
+              <a:defRPr sz="2000" b="1">
+                <a:solidFill>
+                  <a:schemeClr val="tx1"/>
+                </a:solidFill>
+                <a:latin typeface="Helvetica" charset="0"/>
+                <a:ea typeface="Arial" charset="0"/>
+                <a:cs typeface="Arial" charset="0"/>
+              </a:defRPr>
+            </a:lvl4pPr>
+            <a:lvl5pPr eaLnBrk="0" hangingPunct="0">
+              <a:defRPr sz="2000" b="1">
+                <a:solidFill>
+                  <a:schemeClr val="tx1"/>
+                </a:solidFill>
+                <a:latin typeface="Helvetica" charset="0"/>
+                <a:ea typeface="Arial" charset="0"/>
+                <a:cs typeface="Arial" charset="0"/>
+              </a:defRPr>
+            </a:lvl5pPr>
+            <a:lvl6pPr marL="457200" eaLnBrk="0" fontAlgn="base" hangingPunct="0">
+              <a:spcBef>
+                <a:spcPct val="0"/>
+              </a:spcBef>
+              <a:spcAft>
+                <a:spcPct val="0"/>
+              </a:spcAft>
+              <a:defRPr sz="2000" b="1">
+                <a:solidFill>
+                  <a:schemeClr val="tx1"/>
+                </a:solidFill>
+                <a:latin typeface="Helvetica" charset="0"/>
+                <a:ea typeface="Arial" charset="0"/>
+                <a:cs typeface="Arial" charset="0"/>
+              </a:defRPr>
+            </a:lvl6pPr>
+            <a:lvl7pPr marL="914400" eaLnBrk="0" fontAlgn="base" hangingPunct="0">
+              <a:spcBef>
+                <a:spcPct val="0"/>
+              </a:spcBef>
+              <a:spcAft>
+                <a:spcPct val="0"/>
+              </a:spcAft>
+              <a:defRPr sz="2000" b="1">
+                <a:solidFill>
+                  <a:schemeClr val="tx1"/>
+                </a:solidFill>
+                <a:latin typeface="Helvetica" charset="0"/>
+                <a:ea typeface="Arial" charset="0"/>
+                <a:cs typeface="Arial" charset="0"/>
+              </a:defRPr>
+            </a:lvl7pPr>
+            <a:lvl8pPr marL="1371600" eaLnBrk="0" fontAlgn="base" hangingPunct="0">
+              <a:spcBef>
+                <a:spcPct val="0"/>
+              </a:spcBef>
+              <a:spcAft>
+                <a:spcPct val="0"/>
+              </a:spcAft>
+              <a:defRPr sz="2000" b="1">
+                <a:solidFill>
+                  <a:schemeClr val="tx1"/>
+                </a:solidFill>
+                <a:latin typeface="Helvetica" charset="0"/>
+                <a:ea typeface="Arial" charset="0"/>
+                <a:cs typeface="Arial" charset="0"/>
+              </a:defRPr>
+            </a:lvl8pPr>
+            <a:lvl9pPr marL="1828800" eaLnBrk="0" fontAlgn="base" hangingPunct="0">
+              <a:spcBef>
+                <a:spcPct val="0"/>
+              </a:spcBef>
+              <a:spcAft>
+                <a:spcPct val="0"/>
+              </a:spcAft>
+              <a:defRPr sz="2000" b="1">
+                <a:solidFill>
+                  <a:schemeClr val="tx1"/>
+                </a:solidFill>
+                <a:latin typeface="Helvetica" charset="0"/>
+                <a:ea typeface="Arial" charset="0"/>
+                <a:cs typeface="Arial" charset="0"/>
+              </a:defRPr>
+            </a:lvl9pPr>
+          </a:lstStyle>
+          <a:p>
+            <a:pPr eaLnBrk="1" hangingPunct="1"/>
+            <a:endParaRPr lang="x-none" altLang="x-none"/>
+          </a:p>
+        </p:txBody>
+      </p:sp>
+      <p:sp>
+        <p:nvSpPr>
+          <p:cNvPr id="5" name="Oval 6">
+            <a:extLst>
+              <a:ext uri="{FF2B5EF4-FFF2-40B4-BE49-F238E27FC236}">
+                <a16:creationId xmlns:a16="http://schemas.microsoft.com/office/drawing/2014/main" id="{EE9BE5AC-6023-8246-98E7-0DFAC1F311EA}"/>
+              </a:ext>
+            </a:extLst>
+          </p:cNvPr>
+          <p:cNvSpPr>
+            <a:spLocks noChangeArrowheads="1"/>
+          </p:cNvSpPr>
+          <p:nvPr/>
+        </p:nvSpPr>
+        <p:spPr bwMode="auto">
+          <a:xfrm>
+            <a:off x="7501904" y="1441450"/>
+            <a:ext cx="2419350" cy="768350"/>
+          </a:xfrm>
+          <a:prstGeom prst="ellipse">
+            <a:avLst/>
+          </a:prstGeom>
+          <a:noFill/>
+          <a:ln w="9525">
+            <a:solidFill>
+              <a:schemeClr val="tx1"/>
+            </a:solidFill>
+            <a:round/>
+            <a:headEnd/>
+            <a:tailEnd/>
+          </a:ln>
+          <a:extLst>
+            <a:ext uri="{909E8E84-426E-40DD-AFC4-6F175D3DCCD1}">
+              <a14:hiddenFill xmlns:a14="http://schemas.microsoft.com/office/drawing/2010/main">
+                <a:solidFill>
+                  <a:srgbClr val="FFFFFF"/>
+                </a:solidFill>
+              </a14:hiddenFill>
+            </a:ext>
+          </a:extLst>
+        </p:spPr>
+        <p:txBody>
+          <a:bodyPr wrap="none" anchor="ctr"/>
+          <a:lstStyle>
+            <a:lvl1pPr eaLnBrk="0" hangingPunct="0">
+              <a:defRPr sz="2000" b="1">
+                <a:solidFill>
+                  <a:schemeClr val="tx1"/>
+                </a:solidFill>
+                <a:latin typeface="Helvetica" charset="0"/>
+                <a:ea typeface="Arial" charset="0"/>
+                <a:cs typeface="Arial" charset="0"/>
+              </a:defRPr>
+            </a:lvl1pPr>
+            <a:lvl2pPr marL="37931725" indent="-37474525" eaLnBrk="0" hangingPunct="0">
+              <a:defRPr sz="2000" b="1">
+                <a:solidFill>
+                  <a:schemeClr val="tx1"/>
+                </a:solidFill>
+                <a:latin typeface="Helvetica" charset="0"/>
+                <a:ea typeface="Arial" charset="0"/>
+                <a:cs typeface="Arial" charset="0"/>
+              </a:defRPr>
+            </a:lvl2pPr>
+            <a:lvl3pPr eaLnBrk="0" hangingPunct="0">
+              <a:defRPr sz="2000" b="1">
+                <a:solidFill>
+                  <a:schemeClr val="tx1"/>
+                </a:solidFill>
+                <a:latin typeface="Helvetica" charset="0"/>
+                <a:ea typeface="Arial" charset="0"/>
+                <a:cs typeface="Arial" charset="0"/>
+              </a:defRPr>
+            </a:lvl3pPr>
+            <a:lvl4pPr eaLnBrk="0" hangingPunct="0">
+              <a:defRPr sz="2000" b="1">
+                <a:solidFill>
+                  <a:schemeClr val="tx1"/>
+                </a:solidFill>
+                <a:latin typeface="Helvetica" charset="0"/>
+                <a:ea typeface="Arial" charset="0"/>
+                <a:cs typeface="Arial" charset="0"/>
+              </a:defRPr>
+            </a:lvl4pPr>
+            <a:lvl5pPr eaLnBrk="0" hangingPunct="0">
+              <a:defRPr sz="2000" b="1">
+                <a:solidFill>
+                  <a:schemeClr val="tx1"/>
+                </a:solidFill>
+                <a:latin typeface="Helvetica" charset="0"/>
+                <a:ea typeface="Arial" charset="0"/>
+                <a:cs typeface="Arial" charset="0"/>
+              </a:defRPr>
+            </a:lvl5pPr>
+            <a:lvl6pPr marL="457200" eaLnBrk="0" fontAlgn="base" hangingPunct="0">
+              <a:spcBef>
+                <a:spcPct val="0"/>
+              </a:spcBef>
+              <a:spcAft>
+                <a:spcPct val="0"/>
+              </a:spcAft>
+              <a:defRPr sz="2000" b="1">
+                <a:solidFill>
+                  <a:schemeClr val="tx1"/>
+                </a:solidFill>
+                <a:latin typeface="Helvetica" charset="0"/>
+                <a:ea typeface="Arial" charset="0"/>
+                <a:cs typeface="Arial" charset="0"/>
+              </a:defRPr>
+            </a:lvl6pPr>
+            <a:lvl7pPr marL="914400" eaLnBrk="0" fontAlgn="base" hangingPunct="0">
+              <a:spcBef>
+                <a:spcPct val="0"/>
+              </a:spcBef>
+              <a:spcAft>
+                <a:spcPct val="0"/>
+              </a:spcAft>
+              <a:defRPr sz="2000" b="1">
+                <a:solidFill>
+                  <a:schemeClr val="tx1"/>
+                </a:solidFill>
+                <a:latin typeface="Helvetica" charset="0"/>
+                <a:ea typeface="Arial" charset="0"/>
+                <a:cs typeface="Arial" charset="0"/>
+              </a:defRPr>
+            </a:lvl7pPr>
+            <a:lvl8pPr marL="1371600" eaLnBrk="0" fontAlgn="base" hangingPunct="0">
+              <a:spcBef>
+                <a:spcPct val="0"/>
+              </a:spcBef>
+              <a:spcAft>
+                <a:spcPct val="0"/>
+              </a:spcAft>
+              <a:defRPr sz="2000" b="1">
+                <a:solidFill>
+                  <a:schemeClr val="tx1"/>
+                </a:solidFill>
+                <a:latin typeface="Helvetica" charset="0"/>
+                <a:ea typeface="Arial" charset="0"/>
+                <a:cs typeface="Arial" charset="0"/>
+              </a:defRPr>
+            </a:lvl8pPr>
+            <a:lvl9pPr marL="1828800" eaLnBrk="0" fontAlgn="base" hangingPunct="0">
+              <a:spcBef>
+                <a:spcPct val="0"/>
+              </a:spcBef>
+              <a:spcAft>
+                <a:spcPct val="0"/>
+              </a:spcAft>
+              <a:defRPr sz="2000" b="1">
+                <a:solidFill>
+                  <a:schemeClr val="tx1"/>
+                </a:solidFill>
+                <a:latin typeface="Helvetica" charset="0"/>
+                <a:ea typeface="Arial" charset="0"/>
+                <a:cs typeface="Arial" charset="0"/>
+              </a:defRPr>
+            </a:lvl9pPr>
+          </a:lstStyle>
+          <a:p>
+            <a:pPr eaLnBrk="1" hangingPunct="1"/>
+            <a:endParaRPr lang="x-none" altLang="x-none"/>
+          </a:p>
+        </p:txBody>
+      </p:sp>
+      <p:sp>
+        <p:nvSpPr>
+          <p:cNvPr id="6" name="Text Box 8">
+            <a:extLst>
+              <a:ext uri="{FF2B5EF4-FFF2-40B4-BE49-F238E27FC236}">
+                <a16:creationId xmlns:a16="http://schemas.microsoft.com/office/drawing/2014/main" id="{D8811DC0-846D-514C-B9A7-3DF9EFE96A6C}"/>
+              </a:ext>
+            </a:extLst>
+          </p:cNvPr>
+          <p:cNvSpPr txBox="1">
+            <a:spLocks noChangeArrowheads="1"/>
+          </p:cNvSpPr>
+          <p:nvPr/>
+        </p:nvSpPr>
+        <p:spPr bwMode="auto">
+          <a:xfrm>
+            <a:off x="2625104" y="2247901"/>
+            <a:ext cx="1481496" cy="584775"/>
+          </a:xfrm>
+          <a:prstGeom prst="rect">
+            <a:avLst/>
+          </a:prstGeom>
+          <a:solidFill>
+            <a:srgbClr val="CCFFFF"/>
+          </a:solidFill>
+          <a:ln w="9525">
+            <a:solidFill>
+              <a:schemeClr val="tx1"/>
+            </a:solidFill>
+            <a:miter lim="800000"/>
+            <a:headEnd/>
+            <a:tailEnd/>
+          </a:ln>
+        </p:spPr>
+        <p:txBody>
+          <a:bodyPr wrap="none">
+            <a:spAutoFit/>
+          </a:bodyPr>
+          <a:lstStyle>
+            <a:lvl1pPr eaLnBrk="0" hangingPunct="0">
+              <a:defRPr sz="2000" b="1">
+                <a:solidFill>
+                  <a:schemeClr val="tx1"/>
+                </a:solidFill>
+                <a:latin typeface="Helvetica" charset="0"/>
+                <a:ea typeface="Arial" charset="0"/>
+                <a:cs typeface="Arial" charset="0"/>
+              </a:defRPr>
+            </a:lvl1pPr>
+            <a:lvl2pPr marL="37931725" indent="-37474525" eaLnBrk="0" hangingPunct="0">
+              <a:defRPr sz="2000" b="1">
+                <a:solidFill>
+                  <a:schemeClr val="tx1"/>
+                </a:solidFill>
+                <a:latin typeface="Helvetica" charset="0"/>
+                <a:ea typeface="Arial" charset="0"/>
+                <a:cs typeface="Arial" charset="0"/>
+              </a:defRPr>
+            </a:lvl2pPr>
+            <a:lvl3pPr eaLnBrk="0" hangingPunct="0">
+              <a:defRPr sz="2000" b="1">
+                <a:solidFill>
+                  <a:schemeClr val="tx1"/>
+                </a:solidFill>
+                <a:latin typeface="Helvetica" charset="0"/>
+                <a:ea typeface="Arial" charset="0"/>
+                <a:cs typeface="Arial" charset="0"/>
+              </a:defRPr>
+            </a:lvl3pPr>
+            <a:lvl4pPr eaLnBrk="0" hangingPunct="0">
+              <a:defRPr sz="2000" b="1">
+                <a:solidFill>
+                  <a:schemeClr val="tx1"/>
+                </a:solidFill>
+                <a:latin typeface="Helvetica" charset="0"/>
+                <a:ea typeface="Arial" charset="0"/>
+                <a:cs typeface="Arial" charset="0"/>
+              </a:defRPr>
+            </a:lvl4pPr>
+            <a:lvl5pPr eaLnBrk="0" hangingPunct="0">
+              <a:defRPr sz="2000" b="1">
+                <a:solidFill>
+                  <a:schemeClr val="tx1"/>
+                </a:solidFill>
+                <a:latin typeface="Helvetica" charset="0"/>
+                <a:ea typeface="Arial" charset="0"/>
+                <a:cs typeface="Arial" charset="0"/>
+              </a:defRPr>
+            </a:lvl5pPr>
+            <a:lvl6pPr marL="457200" eaLnBrk="0" fontAlgn="base" hangingPunct="0">
+              <a:spcBef>
+                <a:spcPct val="0"/>
+              </a:spcBef>
+              <a:spcAft>
+                <a:spcPct val="0"/>
+              </a:spcAft>
+              <a:defRPr sz="2000" b="1">
+                <a:solidFill>
+                  <a:schemeClr val="tx1"/>
+                </a:solidFill>
+                <a:latin typeface="Helvetica" charset="0"/>
+                <a:ea typeface="Arial" charset="0"/>
+                <a:cs typeface="Arial" charset="0"/>
+              </a:defRPr>
+            </a:lvl6pPr>
+            <a:lvl7pPr marL="914400" eaLnBrk="0" fontAlgn="base" hangingPunct="0">
+              <a:spcBef>
+                <a:spcPct val="0"/>
+              </a:spcBef>
+              <a:spcAft>
+                <a:spcPct val="0"/>
+              </a:spcAft>
+              <a:defRPr sz="2000" b="1">
+                <a:solidFill>
+                  <a:schemeClr val="tx1"/>
+                </a:solidFill>
+                <a:latin typeface="Helvetica" charset="0"/>
+                <a:ea typeface="Arial" charset="0"/>
+                <a:cs typeface="Arial" charset="0"/>
+              </a:defRPr>
+            </a:lvl7pPr>
+            <a:lvl8pPr marL="1371600" eaLnBrk="0" fontAlgn="base" hangingPunct="0">
+              <a:spcBef>
+                <a:spcPct val="0"/>
+              </a:spcBef>
+              <a:spcAft>
+                <a:spcPct val="0"/>
+              </a:spcAft>
+              <a:defRPr sz="2000" b="1">
+                <a:solidFill>
+                  <a:schemeClr val="tx1"/>
+                </a:solidFill>
+                <a:latin typeface="Helvetica" charset="0"/>
+                <a:ea typeface="Arial" charset="0"/>
+                <a:cs typeface="Arial" charset="0"/>
+              </a:defRPr>
+            </a:lvl8pPr>
+            <a:lvl9pPr marL="1828800" eaLnBrk="0" fontAlgn="base" hangingPunct="0">
+              <a:spcBef>
+                <a:spcPct val="0"/>
+              </a:spcBef>
+              <a:spcAft>
+                <a:spcPct val="0"/>
+              </a:spcAft>
+              <a:defRPr sz="2000" b="1">
+                <a:solidFill>
+                  <a:schemeClr val="tx1"/>
+                </a:solidFill>
+                <a:latin typeface="Helvetica" charset="0"/>
+                <a:ea typeface="Arial" charset="0"/>
+                <a:cs typeface="Arial" charset="0"/>
+              </a:defRPr>
+            </a:lvl9pPr>
+          </a:lstStyle>
+          <a:p>
+            <a:pPr eaLnBrk="1" hangingPunct="1"/>
+            <a:r>
+              <a:rPr lang="en-US" altLang="x-none" sz="3200"/>
+              <a:t>socket</a:t>
+            </a:r>
+          </a:p>
+        </p:txBody>
+      </p:sp>
+      <p:sp>
+        <p:nvSpPr>
+          <p:cNvPr id="7" name="Text Box 9">
+            <a:extLst>
+              <a:ext uri="{FF2B5EF4-FFF2-40B4-BE49-F238E27FC236}">
+                <a16:creationId xmlns:a16="http://schemas.microsoft.com/office/drawing/2014/main" id="{878664BF-55F2-5446-A75F-CD0D37C8348F}"/>
+              </a:ext>
+            </a:extLst>
+          </p:cNvPr>
+          <p:cNvSpPr txBox="1">
+            <a:spLocks noChangeArrowheads="1"/>
+          </p:cNvSpPr>
+          <p:nvPr/>
+        </p:nvSpPr>
+        <p:spPr bwMode="auto">
+          <a:xfrm>
+            <a:off x="7847979" y="2247901"/>
+            <a:ext cx="1481496" cy="584775"/>
+          </a:xfrm>
+          <a:prstGeom prst="rect">
+            <a:avLst/>
+          </a:prstGeom>
+          <a:solidFill>
+            <a:srgbClr val="CCFFFF"/>
+          </a:solidFill>
+          <a:ln w="9525">
+            <a:solidFill>
+              <a:schemeClr val="tx1"/>
+            </a:solidFill>
+            <a:miter lim="800000"/>
+            <a:headEnd/>
+            <a:tailEnd/>
+          </a:ln>
+        </p:spPr>
+        <p:txBody>
+          <a:bodyPr wrap="none">
+            <a:spAutoFit/>
+          </a:bodyPr>
+          <a:lstStyle>
+            <a:lvl1pPr eaLnBrk="0" hangingPunct="0">
+              <a:defRPr sz="2000" b="1">
+                <a:solidFill>
+                  <a:schemeClr val="tx1"/>
+                </a:solidFill>
+                <a:latin typeface="Helvetica" charset="0"/>
+                <a:ea typeface="Arial" charset="0"/>
+                <a:cs typeface="Arial" charset="0"/>
+              </a:defRPr>
+            </a:lvl1pPr>
+            <a:lvl2pPr marL="37931725" indent="-37474525" eaLnBrk="0" hangingPunct="0">
+              <a:defRPr sz="2000" b="1">
+                <a:solidFill>
+                  <a:schemeClr val="tx1"/>
+                </a:solidFill>
+                <a:latin typeface="Helvetica" charset="0"/>
+                <a:ea typeface="Arial" charset="0"/>
+                <a:cs typeface="Arial" charset="0"/>
+              </a:defRPr>
+            </a:lvl2pPr>
+            <a:lvl3pPr eaLnBrk="0" hangingPunct="0">
+              <a:defRPr sz="2000" b="1">
+                <a:solidFill>
+                  <a:schemeClr val="tx1"/>
+                </a:solidFill>
+                <a:latin typeface="Helvetica" charset="0"/>
+                <a:ea typeface="Arial" charset="0"/>
+                <a:cs typeface="Arial" charset="0"/>
+              </a:defRPr>
+            </a:lvl3pPr>
+            <a:lvl4pPr eaLnBrk="0" hangingPunct="0">
+              <a:defRPr sz="2000" b="1">
+                <a:solidFill>
+                  <a:schemeClr val="tx1"/>
+                </a:solidFill>
+                <a:latin typeface="Helvetica" charset="0"/>
+                <a:ea typeface="Arial" charset="0"/>
+                <a:cs typeface="Arial" charset="0"/>
+              </a:defRPr>
+            </a:lvl4pPr>
+            <a:lvl5pPr eaLnBrk="0" hangingPunct="0">
+              <a:defRPr sz="2000" b="1">
+                <a:solidFill>
+                  <a:schemeClr val="tx1"/>
+                </a:solidFill>
+                <a:latin typeface="Helvetica" charset="0"/>
+                <a:ea typeface="Arial" charset="0"/>
+                <a:cs typeface="Arial" charset="0"/>
+              </a:defRPr>
+            </a:lvl5pPr>
+            <a:lvl6pPr marL="457200" eaLnBrk="0" fontAlgn="base" hangingPunct="0">
+              <a:spcBef>
+                <a:spcPct val="0"/>
+              </a:spcBef>
+              <a:spcAft>
+                <a:spcPct val="0"/>
+              </a:spcAft>
+              <a:defRPr sz="2000" b="1">
+                <a:solidFill>
+                  <a:schemeClr val="tx1"/>
+                </a:solidFill>
+                <a:latin typeface="Helvetica" charset="0"/>
+                <a:ea typeface="Arial" charset="0"/>
+                <a:cs typeface="Arial" charset="0"/>
+              </a:defRPr>
+            </a:lvl6pPr>
+            <a:lvl7pPr marL="914400" eaLnBrk="0" fontAlgn="base" hangingPunct="0">
+              <a:spcBef>
+                <a:spcPct val="0"/>
+              </a:spcBef>
+              <a:spcAft>
+                <a:spcPct val="0"/>
+              </a:spcAft>
+              <a:defRPr sz="2000" b="1">
+                <a:solidFill>
+                  <a:schemeClr val="tx1"/>
+                </a:solidFill>
+                <a:latin typeface="Helvetica" charset="0"/>
+                <a:ea typeface="Arial" charset="0"/>
+                <a:cs typeface="Arial" charset="0"/>
+              </a:defRPr>
+            </a:lvl7pPr>
+            <a:lvl8pPr marL="1371600" eaLnBrk="0" fontAlgn="base" hangingPunct="0">
+              <a:spcBef>
+                <a:spcPct val="0"/>
+              </a:spcBef>
+              <a:spcAft>
+                <a:spcPct val="0"/>
+              </a:spcAft>
+              <a:defRPr sz="2000" b="1">
+                <a:solidFill>
+                  <a:schemeClr val="tx1"/>
+                </a:solidFill>
+                <a:latin typeface="Helvetica" charset="0"/>
+                <a:ea typeface="Arial" charset="0"/>
+                <a:cs typeface="Arial" charset="0"/>
+              </a:defRPr>
+            </a:lvl8pPr>
+            <a:lvl9pPr marL="1828800" eaLnBrk="0" fontAlgn="base" hangingPunct="0">
+              <a:spcBef>
+                <a:spcPct val="0"/>
+              </a:spcBef>
+              <a:spcAft>
+                <a:spcPct val="0"/>
+              </a:spcAft>
+              <a:defRPr sz="2000" b="1">
+                <a:solidFill>
+                  <a:schemeClr val="tx1"/>
+                </a:solidFill>
+                <a:latin typeface="Helvetica" charset="0"/>
+                <a:ea typeface="Arial" charset="0"/>
+                <a:cs typeface="Arial" charset="0"/>
+              </a:defRPr>
+            </a:lvl9pPr>
+          </a:lstStyle>
+          <a:p>
+            <a:pPr eaLnBrk="1" hangingPunct="1"/>
+            <a:r>
+              <a:rPr lang="en-US" altLang="x-none" sz="3200"/>
+              <a:t>socket</a:t>
+            </a:r>
+          </a:p>
+        </p:txBody>
+      </p:sp>
+      <p:sp>
+        <p:nvSpPr>
+          <p:cNvPr id="8" name="Text Box 11">
+            <a:extLst>
+              <a:ext uri="{FF2B5EF4-FFF2-40B4-BE49-F238E27FC236}">
+                <a16:creationId xmlns:a16="http://schemas.microsoft.com/office/drawing/2014/main" id="{B3AC0863-F204-E647-9AA5-CB7E05735E3D}"/>
+              </a:ext>
+            </a:extLst>
+          </p:cNvPr>
+          <p:cNvSpPr txBox="1">
+            <a:spLocks noChangeArrowheads="1"/>
+          </p:cNvSpPr>
+          <p:nvPr/>
+        </p:nvSpPr>
+        <p:spPr bwMode="auto">
+          <a:xfrm>
+            <a:off x="2433017" y="1633538"/>
+            <a:ext cx="1810111" cy="400110"/>
+          </a:xfrm>
+          <a:prstGeom prst="rect">
+            <a:avLst/>
+          </a:prstGeom>
+          <a:noFill/>
+          <a:ln>
+            <a:noFill/>
+          </a:ln>
+          <a:extLst>
+            <a:ext uri="{909E8E84-426E-40DD-AFC4-6F175D3DCCD1}">
+              <a14:hiddenFill xmlns:a14="http://schemas.microsoft.com/office/drawing/2010/main">
+                <a:solidFill>
+                  <a:srgbClr val="FFFFFF"/>
+                </a:solidFill>
+              </a14:hiddenFill>
+            </a:ext>
+            <a:ext uri="{91240B29-F687-4F45-9708-019B960494DF}">
+              <a14:hiddenLine xmlns:a14="http://schemas.microsoft.com/office/drawing/2010/main" w="9525">
+                <a:solidFill>
+                  <a:srgbClr val="000000"/>
+                </a:solidFill>
+                <a:miter lim="800000"/>
+                <a:headEnd/>
+                <a:tailEnd/>
+              </a14:hiddenLine>
+            </a:ext>
+          </a:extLst>
+        </p:spPr>
+        <p:txBody>
+          <a:bodyPr wrap="none">
+            <a:spAutoFit/>
+          </a:bodyPr>
+          <a:lstStyle>
+            <a:lvl1pPr eaLnBrk="0" hangingPunct="0">
+              <a:defRPr sz="2000" b="1">
+                <a:solidFill>
+                  <a:schemeClr val="tx1"/>
+                </a:solidFill>
+                <a:latin typeface="Helvetica" charset="0"/>
+                <a:ea typeface="Arial" charset="0"/>
+                <a:cs typeface="Arial" charset="0"/>
+              </a:defRPr>
+            </a:lvl1pPr>
+            <a:lvl2pPr marL="37931725" indent="-37474525" eaLnBrk="0" hangingPunct="0">
+              <a:defRPr sz="2000" b="1">
+                <a:solidFill>
+                  <a:schemeClr val="tx1"/>
+                </a:solidFill>
+                <a:latin typeface="Helvetica" charset="0"/>
+                <a:ea typeface="Arial" charset="0"/>
+                <a:cs typeface="Arial" charset="0"/>
+              </a:defRPr>
+            </a:lvl2pPr>
+            <a:lvl3pPr eaLnBrk="0" hangingPunct="0">
+              <a:defRPr sz="2000" b="1">
+                <a:solidFill>
+                  <a:schemeClr val="tx1"/>
+                </a:solidFill>
+                <a:latin typeface="Helvetica" charset="0"/>
+                <a:ea typeface="Arial" charset="0"/>
+                <a:cs typeface="Arial" charset="0"/>
+              </a:defRPr>
+            </a:lvl3pPr>
+            <a:lvl4pPr eaLnBrk="0" hangingPunct="0">
+              <a:defRPr sz="2000" b="1">
+                <a:solidFill>
+                  <a:schemeClr val="tx1"/>
+                </a:solidFill>
+                <a:latin typeface="Helvetica" charset="0"/>
+                <a:ea typeface="Arial" charset="0"/>
+                <a:cs typeface="Arial" charset="0"/>
+              </a:defRPr>
+            </a:lvl4pPr>
+            <a:lvl5pPr eaLnBrk="0" hangingPunct="0">
+              <a:defRPr sz="2000" b="1">
+                <a:solidFill>
+                  <a:schemeClr val="tx1"/>
+                </a:solidFill>
+                <a:latin typeface="Helvetica" charset="0"/>
+                <a:ea typeface="Arial" charset="0"/>
+                <a:cs typeface="Arial" charset="0"/>
+              </a:defRPr>
+            </a:lvl5pPr>
+            <a:lvl6pPr marL="457200" eaLnBrk="0" fontAlgn="base" hangingPunct="0">
+              <a:spcBef>
+                <a:spcPct val="0"/>
+              </a:spcBef>
+              <a:spcAft>
+                <a:spcPct val="0"/>
+              </a:spcAft>
+              <a:defRPr sz="2000" b="1">
+                <a:solidFill>
+                  <a:schemeClr val="tx1"/>
+                </a:solidFill>
+                <a:latin typeface="Helvetica" charset="0"/>
+                <a:ea typeface="Arial" charset="0"/>
+                <a:cs typeface="Arial" charset="0"/>
+              </a:defRPr>
+            </a:lvl6pPr>
+            <a:lvl7pPr marL="914400" eaLnBrk="0" fontAlgn="base" hangingPunct="0">
+              <a:spcBef>
+                <a:spcPct val="0"/>
+              </a:spcBef>
+              <a:spcAft>
+                <a:spcPct val="0"/>
+              </a:spcAft>
+              <a:defRPr sz="2000" b="1">
+                <a:solidFill>
+                  <a:schemeClr val="tx1"/>
+                </a:solidFill>
+                <a:latin typeface="Helvetica" charset="0"/>
+                <a:ea typeface="Arial" charset="0"/>
+                <a:cs typeface="Arial" charset="0"/>
+              </a:defRPr>
+            </a:lvl7pPr>
+            <a:lvl8pPr marL="1371600" eaLnBrk="0" fontAlgn="base" hangingPunct="0">
+              <a:spcBef>
+                <a:spcPct val="0"/>
+              </a:spcBef>
+              <a:spcAft>
+                <a:spcPct val="0"/>
+              </a:spcAft>
+              <a:defRPr sz="2000" b="1">
+                <a:solidFill>
+                  <a:schemeClr val="tx1"/>
+                </a:solidFill>
+                <a:latin typeface="Helvetica" charset="0"/>
+                <a:ea typeface="Arial" charset="0"/>
+                <a:cs typeface="Arial" charset="0"/>
+              </a:defRPr>
+            </a:lvl8pPr>
+            <a:lvl9pPr marL="1828800" eaLnBrk="0" fontAlgn="base" hangingPunct="0">
+              <a:spcBef>
+                <a:spcPct val="0"/>
+              </a:spcBef>
+              <a:spcAft>
+                <a:spcPct val="0"/>
+              </a:spcAft>
+              <a:defRPr sz="2000" b="1">
+                <a:solidFill>
+                  <a:schemeClr val="tx1"/>
+                </a:solidFill>
+                <a:latin typeface="Helvetica" charset="0"/>
+                <a:ea typeface="Arial" charset="0"/>
+                <a:cs typeface="Arial" charset="0"/>
+              </a:defRPr>
+            </a:lvl9pPr>
+          </a:lstStyle>
+          <a:p>
+            <a:pPr eaLnBrk="1" hangingPunct="1"/>
+            <a:r>
+              <a:rPr lang="en-US" altLang="x-none"/>
+              <a:t>User process</a:t>
+            </a:r>
+          </a:p>
+        </p:txBody>
+      </p:sp>
+      <p:sp>
+        <p:nvSpPr>
+          <p:cNvPr id="9" name="Text Box 12">
+            <a:extLst>
+              <a:ext uri="{FF2B5EF4-FFF2-40B4-BE49-F238E27FC236}">
+                <a16:creationId xmlns:a16="http://schemas.microsoft.com/office/drawing/2014/main" id="{C0946131-8E23-DE4B-9DCB-A0A8A2567F51}"/>
+              </a:ext>
+            </a:extLst>
+          </p:cNvPr>
+          <p:cNvSpPr txBox="1">
+            <a:spLocks noChangeArrowheads="1"/>
+          </p:cNvSpPr>
+          <p:nvPr/>
+        </p:nvSpPr>
+        <p:spPr bwMode="auto">
+          <a:xfrm>
+            <a:off x="7732092" y="1620838"/>
+            <a:ext cx="1810111" cy="400110"/>
+          </a:xfrm>
+          <a:prstGeom prst="rect">
+            <a:avLst/>
+          </a:prstGeom>
+          <a:noFill/>
+          <a:ln>
+            <a:noFill/>
+          </a:ln>
+          <a:extLst>
+            <a:ext uri="{909E8E84-426E-40DD-AFC4-6F175D3DCCD1}">
+              <a14:hiddenFill xmlns:a14="http://schemas.microsoft.com/office/drawing/2010/main">
+                <a:solidFill>
+                  <a:srgbClr val="FFFFFF"/>
+                </a:solidFill>
+              </a14:hiddenFill>
+            </a:ext>
+            <a:ext uri="{91240B29-F687-4F45-9708-019B960494DF}">
+              <a14:hiddenLine xmlns:a14="http://schemas.microsoft.com/office/drawing/2010/main" w="9525">
+                <a:solidFill>
+                  <a:srgbClr val="000000"/>
+                </a:solidFill>
+                <a:miter lim="800000"/>
+                <a:headEnd/>
+                <a:tailEnd/>
+              </a14:hiddenLine>
+            </a:ext>
+          </a:extLst>
+        </p:spPr>
+        <p:txBody>
+          <a:bodyPr wrap="none">
+            <a:spAutoFit/>
+          </a:bodyPr>
+          <a:lstStyle>
+            <a:lvl1pPr eaLnBrk="0" hangingPunct="0">
+              <a:defRPr sz="2000" b="1">
+                <a:solidFill>
+                  <a:schemeClr val="tx1"/>
+                </a:solidFill>
+                <a:latin typeface="Helvetica" charset="0"/>
+                <a:ea typeface="Arial" charset="0"/>
+                <a:cs typeface="Arial" charset="0"/>
+              </a:defRPr>
+            </a:lvl1pPr>
+            <a:lvl2pPr marL="37931725" indent="-37474525" eaLnBrk="0" hangingPunct="0">
+              <a:defRPr sz="2000" b="1">
+                <a:solidFill>
+                  <a:schemeClr val="tx1"/>
+                </a:solidFill>
+                <a:latin typeface="Helvetica" charset="0"/>
+                <a:ea typeface="Arial" charset="0"/>
+                <a:cs typeface="Arial" charset="0"/>
+              </a:defRPr>
+            </a:lvl2pPr>
+            <a:lvl3pPr eaLnBrk="0" hangingPunct="0">
+              <a:defRPr sz="2000" b="1">
+                <a:solidFill>
+                  <a:schemeClr val="tx1"/>
+                </a:solidFill>
+                <a:latin typeface="Helvetica" charset="0"/>
+                <a:ea typeface="Arial" charset="0"/>
+                <a:cs typeface="Arial" charset="0"/>
+              </a:defRPr>
+            </a:lvl3pPr>
+            <a:lvl4pPr eaLnBrk="0" hangingPunct="0">
+              <a:defRPr sz="2000" b="1">
+                <a:solidFill>
+                  <a:schemeClr val="tx1"/>
+                </a:solidFill>
+                <a:latin typeface="Helvetica" charset="0"/>
+                <a:ea typeface="Arial" charset="0"/>
+                <a:cs typeface="Arial" charset="0"/>
+              </a:defRPr>
+            </a:lvl4pPr>
+            <a:lvl5pPr eaLnBrk="0" hangingPunct="0">
+              <a:defRPr sz="2000" b="1">
+                <a:solidFill>
+                  <a:schemeClr val="tx1"/>
+                </a:solidFill>
+                <a:latin typeface="Helvetica" charset="0"/>
+                <a:ea typeface="Arial" charset="0"/>
+                <a:cs typeface="Arial" charset="0"/>
+              </a:defRPr>
+            </a:lvl5pPr>
+            <a:lvl6pPr marL="457200" eaLnBrk="0" fontAlgn="base" hangingPunct="0">
+              <a:spcBef>
+                <a:spcPct val="0"/>
+              </a:spcBef>
+              <a:spcAft>
+                <a:spcPct val="0"/>
+              </a:spcAft>
+              <a:defRPr sz="2000" b="1">
+                <a:solidFill>
+                  <a:schemeClr val="tx1"/>
+                </a:solidFill>
+                <a:latin typeface="Helvetica" charset="0"/>
+                <a:ea typeface="Arial" charset="0"/>
+                <a:cs typeface="Arial" charset="0"/>
+              </a:defRPr>
+            </a:lvl6pPr>
+            <a:lvl7pPr marL="914400" eaLnBrk="0" fontAlgn="base" hangingPunct="0">
+              <a:spcBef>
+                <a:spcPct val="0"/>
+              </a:spcBef>
+              <a:spcAft>
+                <a:spcPct val="0"/>
+              </a:spcAft>
+              <a:defRPr sz="2000" b="1">
+                <a:solidFill>
+                  <a:schemeClr val="tx1"/>
+                </a:solidFill>
+                <a:latin typeface="Helvetica" charset="0"/>
+                <a:ea typeface="Arial" charset="0"/>
+                <a:cs typeface="Arial" charset="0"/>
+              </a:defRPr>
+            </a:lvl7pPr>
+            <a:lvl8pPr marL="1371600" eaLnBrk="0" fontAlgn="base" hangingPunct="0">
+              <a:spcBef>
+                <a:spcPct val="0"/>
+              </a:spcBef>
+              <a:spcAft>
+                <a:spcPct val="0"/>
+              </a:spcAft>
+              <a:defRPr sz="2000" b="1">
+                <a:solidFill>
+                  <a:schemeClr val="tx1"/>
+                </a:solidFill>
+                <a:latin typeface="Helvetica" charset="0"/>
+                <a:ea typeface="Arial" charset="0"/>
+                <a:cs typeface="Arial" charset="0"/>
+              </a:defRPr>
+            </a:lvl8pPr>
+            <a:lvl9pPr marL="1828800" eaLnBrk="0" fontAlgn="base" hangingPunct="0">
+              <a:spcBef>
+                <a:spcPct val="0"/>
+              </a:spcBef>
+              <a:spcAft>
+                <a:spcPct val="0"/>
+              </a:spcAft>
+              <a:defRPr sz="2000" b="1">
+                <a:solidFill>
+                  <a:schemeClr val="tx1"/>
+                </a:solidFill>
+                <a:latin typeface="Helvetica" charset="0"/>
+                <a:ea typeface="Arial" charset="0"/>
+                <a:cs typeface="Arial" charset="0"/>
+              </a:defRPr>
+            </a:lvl9pPr>
+          </a:lstStyle>
+          <a:p>
+            <a:pPr eaLnBrk="1" hangingPunct="1"/>
+            <a:r>
+              <a:rPr lang="en-US" altLang="x-none"/>
+              <a:t>User process</a:t>
+            </a:r>
+          </a:p>
+        </p:txBody>
+      </p:sp>
+      <p:sp>
+        <p:nvSpPr>
+          <p:cNvPr id="10" name="Text Box 13">
+            <a:extLst>
+              <a:ext uri="{FF2B5EF4-FFF2-40B4-BE49-F238E27FC236}">
+                <a16:creationId xmlns:a16="http://schemas.microsoft.com/office/drawing/2014/main" id="{326D560E-144B-9D49-BD4A-5AD8CBDCDFDB}"/>
+              </a:ext>
+            </a:extLst>
+          </p:cNvPr>
+          <p:cNvSpPr txBox="1">
+            <a:spLocks noChangeArrowheads="1"/>
+          </p:cNvSpPr>
+          <p:nvPr/>
+        </p:nvSpPr>
+        <p:spPr bwMode="auto">
+          <a:xfrm>
+            <a:off x="2682254" y="2851150"/>
+            <a:ext cx="1394934" cy="707886"/>
+          </a:xfrm>
+          <a:prstGeom prst="rect">
+            <a:avLst/>
+          </a:prstGeom>
+          <a:solidFill>
+            <a:srgbClr val="99CCFF"/>
+          </a:solidFill>
+          <a:ln>
+            <a:noFill/>
+          </a:ln>
+          <a:extLst>
+            <a:ext uri="{91240B29-F687-4F45-9708-019B960494DF}">
+              <a14:hiddenLine xmlns:a14="http://schemas.microsoft.com/office/drawing/2010/main" w="9525">
+                <a:solidFill>
+                  <a:srgbClr val="000000"/>
+                </a:solidFill>
+                <a:miter lim="800000"/>
+                <a:headEnd/>
+                <a:tailEnd/>
+              </a14:hiddenLine>
+            </a:ext>
+          </a:extLst>
+        </p:spPr>
+        <p:txBody>
+          <a:bodyPr wrap="none">
+            <a:spAutoFit/>
+          </a:bodyPr>
+          <a:lstStyle>
+            <a:lvl1pPr eaLnBrk="0" hangingPunct="0">
+              <a:defRPr sz="2000" b="1">
+                <a:solidFill>
+                  <a:schemeClr val="tx1"/>
+                </a:solidFill>
+                <a:latin typeface="Helvetica" charset="0"/>
+                <a:ea typeface="Arial" charset="0"/>
+                <a:cs typeface="Arial" charset="0"/>
+              </a:defRPr>
+            </a:lvl1pPr>
+            <a:lvl2pPr marL="37931725" indent="-37474525" eaLnBrk="0" hangingPunct="0">
+              <a:defRPr sz="2000" b="1">
+                <a:solidFill>
+                  <a:schemeClr val="tx1"/>
+                </a:solidFill>
+                <a:latin typeface="Helvetica" charset="0"/>
+                <a:ea typeface="Arial" charset="0"/>
+                <a:cs typeface="Arial" charset="0"/>
+              </a:defRPr>
+            </a:lvl2pPr>
+            <a:lvl3pPr eaLnBrk="0" hangingPunct="0">
+              <a:defRPr sz="2000" b="1">
+                <a:solidFill>
+                  <a:schemeClr val="tx1"/>
+                </a:solidFill>
+                <a:latin typeface="Helvetica" charset="0"/>
+                <a:ea typeface="Arial" charset="0"/>
+                <a:cs typeface="Arial" charset="0"/>
+              </a:defRPr>
+            </a:lvl3pPr>
+            <a:lvl4pPr eaLnBrk="0" hangingPunct="0">
+              <a:defRPr sz="2000" b="1">
+                <a:solidFill>
+                  <a:schemeClr val="tx1"/>
+                </a:solidFill>
+                <a:latin typeface="Helvetica" charset="0"/>
+                <a:ea typeface="Arial" charset="0"/>
+                <a:cs typeface="Arial" charset="0"/>
+              </a:defRPr>
+            </a:lvl4pPr>
+            <a:lvl5pPr eaLnBrk="0" hangingPunct="0">
+              <a:defRPr sz="2000" b="1">
+                <a:solidFill>
+                  <a:schemeClr val="tx1"/>
+                </a:solidFill>
+                <a:latin typeface="Helvetica" charset="0"/>
+                <a:ea typeface="Arial" charset="0"/>
+                <a:cs typeface="Arial" charset="0"/>
+              </a:defRPr>
+            </a:lvl5pPr>
+            <a:lvl6pPr marL="457200" eaLnBrk="0" fontAlgn="base" hangingPunct="0">
+              <a:spcBef>
+                <a:spcPct val="0"/>
+              </a:spcBef>
+              <a:spcAft>
+                <a:spcPct val="0"/>
+              </a:spcAft>
+              <a:defRPr sz="2000" b="1">
+                <a:solidFill>
+                  <a:schemeClr val="tx1"/>
+                </a:solidFill>
+                <a:latin typeface="Helvetica" charset="0"/>
+                <a:ea typeface="Arial" charset="0"/>
+                <a:cs typeface="Arial" charset="0"/>
+              </a:defRPr>
+            </a:lvl6pPr>
+            <a:lvl7pPr marL="914400" eaLnBrk="0" fontAlgn="base" hangingPunct="0">
+              <a:spcBef>
+                <a:spcPct val="0"/>
+              </a:spcBef>
+              <a:spcAft>
+                <a:spcPct val="0"/>
+              </a:spcAft>
+              <a:defRPr sz="2000" b="1">
+                <a:solidFill>
+                  <a:schemeClr val="tx1"/>
+                </a:solidFill>
+                <a:latin typeface="Helvetica" charset="0"/>
+                <a:ea typeface="Arial" charset="0"/>
+                <a:cs typeface="Arial" charset="0"/>
+              </a:defRPr>
+            </a:lvl7pPr>
+            <a:lvl8pPr marL="1371600" eaLnBrk="0" fontAlgn="base" hangingPunct="0">
+              <a:spcBef>
+                <a:spcPct val="0"/>
+              </a:spcBef>
+              <a:spcAft>
+                <a:spcPct val="0"/>
+              </a:spcAft>
+              <a:defRPr sz="2000" b="1">
+                <a:solidFill>
+                  <a:schemeClr val="tx1"/>
+                </a:solidFill>
+                <a:latin typeface="Helvetica" charset="0"/>
+                <a:ea typeface="Arial" charset="0"/>
+                <a:cs typeface="Arial" charset="0"/>
+              </a:defRPr>
+            </a:lvl8pPr>
+            <a:lvl9pPr marL="1828800" eaLnBrk="0" fontAlgn="base" hangingPunct="0">
+              <a:spcBef>
+                <a:spcPct val="0"/>
+              </a:spcBef>
+              <a:spcAft>
+                <a:spcPct val="0"/>
+              </a:spcAft>
+              <a:defRPr sz="2000" b="1">
+                <a:solidFill>
+                  <a:schemeClr val="tx1"/>
+                </a:solidFill>
+                <a:latin typeface="Helvetica" charset="0"/>
+                <a:ea typeface="Arial" charset="0"/>
+                <a:cs typeface="Arial" charset="0"/>
+              </a:defRPr>
+            </a:lvl9pPr>
+          </a:lstStyle>
+          <a:p>
+            <a:pPr eaLnBrk="1" hangingPunct="1"/>
+            <a:r>
+              <a:rPr lang="en-US" altLang="x-none"/>
+              <a:t>Operating</a:t>
+            </a:r>
+          </a:p>
+          <a:p>
+            <a:pPr eaLnBrk="1" hangingPunct="1"/>
+            <a:r>
+              <a:rPr lang="en-US" altLang="x-none"/>
+              <a:t>System</a:t>
+            </a:r>
+          </a:p>
+        </p:txBody>
+      </p:sp>
+      <p:sp>
+        <p:nvSpPr>
+          <p:cNvPr id="11" name="Text Box 14">
+            <a:extLst>
+              <a:ext uri="{FF2B5EF4-FFF2-40B4-BE49-F238E27FC236}">
+                <a16:creationId xmlns:a16="http://schemas.microsoft.com/office/drawing/2014/main" id="{D873DBBA-3F63-5047-A188-73BEFDE33264}"/>
+              </a:ext>
+            </a:extLst>
+          </p:cNvPr>
+          <p:cNvSpPr txBox="1">
+            <a:spLocks noChangeArrowheads="1"/>
+          </p:cNvSpPr>
+          <p:nvPr/>
+        </p:nvSpPr>
+        <p:spPr bwMode="auto">
+          <a:xfrm>
+            <a:off x="7924179" y="2863850"/>
+            <a:ext cx="1394934" cy="707886"/>
+          </a:xfrm>
+          <a:prstGeom prst="rect">
+            <a:avLst/>
+          </a:prstGeom>
+          <a:solidFill>
+            <a:srgbClr val="99CCFF"/>
+          </a:solidFill>
+          <a:ln>
+            <a:noFill/>
+          </a:ln>
+          <a:extLst>
+            <a:ext uri="{91240B29-F687-4F45-9708-019B960494DF}">
+              <a14:hiddenLine xmlns:a14="http://schemas.microsoft.com/office/drawing/2010/main" w="9525">
+                <a:solidFill>
+                  <a:srgbClr val="000000"/>
+                </a:solidFill>
+                <a:miter lim="800000"/>
+                <a:headEnd/>
+                <a:tailEnd/>
+              </a14:hiddenLine>
+            </a:ext>
+          </a:extLst>
+        </p:spPr>
+        <p:txBody>
+          <a:bodyPr wrap="none">
+            <a:spAutoFit/>
+          </a:bodyPr>
+          <a:lstStyle>
+            <a:lvl1pPr eaLnBrk="0" hangingPunct="0">
+              <a:defRPr sz="2000" b="1">
+                <a:solidFill>
+                  <a:schemeClr val="tx1"/>
+                </a:solidFill>
+                <a:latin typeface="Helvetica" charset="0"/>
+                <a:ea typeface="Arial" charset="0"/>
+                <a:cs typeface="Arial" charset="0"/>
+              </a:defRPr>
+            </a:lvl1pPr>
+            <a:lvl2pPr marL="37931725" indent="-37474525" eaLnBrk="0" hangingPunct="0">
+              <a:defRPr sz="2000" b="1">
+                <a:solidFill>
+                  <a:schemeClr val="tx1"/>
+                </a:solidFill>
+                <a:latin typeface="Helvetica" charset="0"/>
+                <a:ea typeface="Arial" charset="0"/>
+                <a:cs typeface="Arial" charset="0"/>
+              </a:defRPr>
+            </a:lvl2pPr>
+            <a:lvl3pPr eaLnBrk="0" hangingPunct="0">
+              <a:defRPr sz="2000" b="1">
+                <a:solidFill>
+                  <a:schemeClr val="tx1"/>
+                </a:solidFill>
+                <a:latin typeface="Helvetica" charset="0"/>
+                <a:ea typeface="Arial" charset="0"/>
+                <a:cs typeface="Arial" charset="0"/>
+              </a:defRPr>
+            </a:lvl3pPr>
+            <a:lvl4pPr eaLnBrk="0" hangingPunct="0">
+              <a:defRPr sz="2000" b="1">
+                <a:solidFill>
+                  <a:schemeClr val="tx1"/>
+                </a:solidFill>
+                <a:latin typeface="Helvetica" charset="0"/>
+                <a:ea typeface="Arial" charset="0"/>
+                <a:cs typeface="Arial" charset="0"/>
+              </a:defRPr>
+            </a:lvl4pPr>
+            <a:lvl5pPr eaLnBrk="0" hangingPunct="0">
+              <a:defRPr sz="2000" b="1">
+                <a:solidFill>
+                  <a:schemeClr val="tx1"/>
+                </a:solidFill>
+                <a:latin typeface="Helvetica" charset="0"/>
+                <a:ea typeface="Arial" charset="0"/>
+                <a:cs typeface="Arial" charset="0"/>
+              </a:defRPr>
+            </a:lvl5pPr>
+            <a:lvl6pPr marL="457200" eaLnBrk="0" fontAlgn="base" hangingPunct="0">
+              <a:spcBef>
+                <a:spcPct val="0"/>
+              </a:spcBef>
+              <a:spcAft>
+                <a:spcPct val="0"/>
+              </a:spcAft>
+              <a:defRPr sz="2000" b="1">
+                <a:solidFill>
+                  <a:schemeClr val="tx1"/>
+                </a:solidFill>
+                <a:latin typeface="Helvetica" charset="0"/>
+                <a:ea typeface="Arial" charset="0"/>
+                <a:cs typeface="Arial" charset="0"/>
+              </a:defRPr>
+            </a:lvl6pPr>
+            <a:lvl7pPr marL="914400" eaLnBrk="0" fontAlgn="base" hangingPunct="0">
+              <a:spcBef>
+                <a:spcPct val="0"/>
+              </a:spcBef>
+              <a:spcAft>
+                <a:spcPct val="0"/>
+              </a:spcAft>
+              <a:defRPr sz="2000" b="1">
+                <a:solidFill>
+                  <a:schemeClr val="tx1"/>
+                </a:solidFill>
+                <a:latin typeface="Helvetica" charset="0"/>
+                <a:ea typeface="Arial" charset="0"/>
+                <a:cs typeface="Arial" charset="0"/>
+              </a:defRPr>
+            </a:lvl7pPr>
+            <a:lvl8pPr marL="1371600" eaLnBrk="0" fontAlgn="base" hangingPunct="0">
+              <a:spcBef>
+                <a:spcPct val="0"/>
+              </a:spcBef>
+              <a:spcAft>
+                <a:spcPct val="0"/>
+              </a:spcAft>
+              <a:defRPr sz="2000" b="1">
+                <a:solidFill>
+                  <a:schemeClr val="tx1"/>
+                </a:solidFill>
+                <a:latin typeface="Helvetica" charset="0"/>
+                <a:ea typeface="Arial" charset="0"/>
+                <a:cs typeface="Arial" charset="0"/>
+              </a:defRPr>
+            </a:lvl8pPr>
+            <a:lvl9pPr marL="1828800" eaLnBrk="0" fontAlgn="base" hangingPunct="0">
+              <a:spcBef>
+                <a:spcPct val="0"/>
+              </a:spcBef>
+              <a:spcAft>
+                <a:spcPct val="0"/>
+              </a:spcAft>
+              <a:defRPr sz="2000" b="1">
+                <a:solidFill>
+                  <a:schemeClr val="tx1"/>
+                </a:solidFill>
+                <a:latin typeface="Helvetica" charset="0"/>
+                <a:ea typeface="Arial" charset="0"/>
+                <a:cs typeface="Arial" charset="0"/>
+              </a:defRPr>
+            </a:lvl9pPr>
+          </a:lstStyle>
+          <a:p>
+            <a:pPr eaLnBrk="1" hangingPunct="1"/>
+            <a:r>
+              <a:rPr lang="en-US" altLang="x-none"/>
+              <a:t>Operating</a:t>
+            </a:r>
+          </a:p>
+          <a:p>
+            <a:pPr eaLnBrk="1" hangingPunct="1"/>
+            <a:r>
+              <a:rPr lang="en-US" altLang="x-none"/>
+              <a:t>System</a:t>
+            </a:r>
+          </a:p>
+        </p:txBody>
+      </p:sp>
+      <p:sp>
+        <p:nvSpPr>
+          <p:cNvPr id="12" name="Cloud">
+            <a:extLst>
+              <a:ext uri="{FF2B5EF4-FFF2-40B4-BE49-F238E27FC236}">
+                <a16:creationId xmlns:a16="http://schemas.microsoft.com/office/drawing/2014/main" id="{ABA0741B-C199-5442-9102-50053C075F08}"/>
+              </a:ext>
+            </a:extLst>
+          </p:cNvPr>
+          <p:cNvSpPr>
+            <a:spLocks noChangeAspect="1" noEditPoints="1" noChangeArrowheads="1"/>
+          </p:cNvSpPr>
+          <p:nvPr/>
+        </p:nvSpPr>
+        <p:spPr bwMode="auto">
+          <a:xfrm>
+            <a:off x="4698380" y="2863851"/>
+            <a:ext cx="2689225" cy="779463"/>
+          </a:xfrm>
+          <a:custGeom>
+            <a:avLst/>
+            <a:gdLst>
+              <a:gd name="T0" fmla="*/ 8342 w 21600"/>
+              <a:gd name="T1" fmla="*/ 389731 h 21600"/>
+              <a:gd name="T2" fmla="*/ 1344613 w 21600"/>
+              <a:gd name="T3" fmla="*/ 778632 h 21600"/>
+              <a:gd name="T4" fmla="*/ 2686984 w 21600"/>
+              <a:gd name="T5" fmla="*/ 389731 h 21600"/>
+              <a:gd name="T6" fmla="*/ 1344613 w 21600"/>
+              <a:gd name="T7" fmla="*/ 44566 h 21600"/>
+              <a:gd name="T8" fmla="*/ 0 60000 65536"/>
+              <a:gd name="T9" fmla="*/ 0 60000 65536"/>
+              <a:gd name="T10" fmla="*/ 0 60000 65536"/>
+              <a:gd name="T11" fmla="*/ 0 60000 65536"/>
+              <a:gd name="T12" fmla="*/ 2977 w 21600"/>
+              <a:gd name="T13" fmla="*/ 3262 h 21600"/>
+              <a:gd name="T14" fmla="*/ 17087 w 21600"/>
+              <a:gd name="T15" fmla="*/ 17337 h 21600"/>
+            </a:gdLst>
+            <a:ahLst/>
+            <a:cxnLst>
+              <a:cxn ang="T8">
+                <a:pos x="T0" y="T1"/>
+              </a:cxn>
+              <a:cxn ang="T9">
+                <a:pos x="T2" y="T3"/>
+              </a:cxn>
+              <a:cxn ang="T10">
+                <a:pos x="T4" y="T5"/>
+              </a:cxn>
+              <a:cxn ang="T11">
+                <a:pos x="T6" y="T7"/>
+              </a:cxn>
+            </a:cxnLst>
+            <a:rect l="T12" t="T13" r="T14" b="T15"/>
+            <a:pathLst>
+              <a:path w="21600" h="21600" extrusionOk="0">
+                <a:moveTo>
+                  <a:pt x="1949" y="7180"/>
+                </a:moveTo>
+                <a:cubicBezTo>
+                  <a:pt x="841" y="7336"/>
+                  <a:pt x="-1" y="8613"/>
+                  <a:pt x="-1" y="10137"/>
+                </a:cubicBezTo>
+                <a:cubicBezTo>
+                  <a:pt x="-1" y="11192"/>
+                  <a:pt x="409" y="12169"/>
+                  <a:pt x="1074" y="12702"/>
+                </a:cubicBezTo>
+                <a:lnTo>
+                  <a:pt x="1063" y="12668"/>
+                </a:lnTo>
+                <a:cubicBezTo>
+                  <a:pt x="685" y="13217"/>
+                  <a:pt x="474" y="13940"/>
+                  <a:pt x="474" y="14690"/>
+                </a:cubicBezTo>
+                <a:cubicBezTo>
+                  <a:pt x="475" y="16325"/>
+                  <a:pt x="1451" y="17650"/>
+                  <a:pt x="2655" y="17650"/>
+                </a:cubicBezTo>
+                <a:cubicBezTo>
+                  <a:pt x="2739" y="17650"/>
+                  <a:pt x="2824" y="17643"/>
+                  <a:pt x="2909" y="17629"/>
+                </a:cubicBezTo>
+                <a:lnTo>
+                  <a:pt x="2897" y="17649"/>
+                </a:lnTo>
+                <a:cubicBezTo>
+                  <a:pt x="3585" y="19288"/>
+                  <a:pt x="4863" y="20299"/>
+                  <a:pt x="6247" y="20299"/>
+                </a:cubicBezTo>
+                <a:cubicBezTo>
+                  <a:pt x="6947" y="20299"/>
+                  <a:pt x="7635" y="20039"/>
+                  <a:pt x="8235" y="19546"/>
+                </a:cubicBezTo>
+                <a:lnTo>
+                  <a:pt x="8229" y="19550"/>
+                </a:lnTo>
+                <a:cubicBezTo>
+                  <a:pt x="8855" y="20829"/>
+                  <a:pt x="9908" y="21596"/>
+                  <a:pt x="11036" y="21596"/>
+                </a:cubicBezTo>
+                <a:cubicBezTo>
+                  <a:pt x="12523" y="21596"/>
+                  <a:pt x="13836" y="20267"/>
+                  <a:pt x="14267" y="18324"/>
+                </a:cubicBezTo>
+                <a:lnTo>
+                  <a:pt x="14270" y="18350"/>
+                </a:lnTo>
+                <a:cubicBezTo>
+                  <a:pt x="14730" y="18740"/>
+                  <a:pt x="15260" y="18946"/>
+                  <a:pt x="15802" y="18946"/>
+                </a:cubicBezTo>
+                <a:cubicBezTo>
+                  <a:pt x="17390" y="18946"/>
+                  <a:pt x="18682" y="17205"/>
+                  <a:pt x="18694" y="15045"/>
+                </a:cubicBezTo>
+                <a:lnTo>
+                  <a:pt x="18689" y="15035"/>
+                </a:lnTo>
+                <a:cubicBezTo>
+                  <a:pt x="20357" y="14710"/>
+                  <a:pt x="21597" y="12765"/>
+                  <a:pt x="21597" y="10472"/>
+                </a:cubicBezTo>
+                <a:cubicBezTo>
+                  <a:pt x="21597" y="9456"/>
+                  <a:pt x="21350" y="8469"/>
+                  <a:pt x="20896" y="7663"/>
+                </a:cubicBezTo>
+                <a:lnTo>
+                  <a:pt x="20889" y="7661"/>
+                </a:lnTo>
+                <a:cubicBezTo>
+                  <a:pt x="21031" y="7208"/>
+                  <a:pt x="21105" y="6721"/>
+                  <a:pt x="21105" y="6228"/>
+                </a:cubicBezTo>
+                <a:cubicBezTo>
+                  <a:pt x="21105" y="4588"/>
+                  <a:pt x="20299" y="3150"/>
+                  <a:pt x="19139" y="2719"/>
+                </a:cubicBezTo>
+                <a:lnTo>
+                  <a:pt x="19148" y="2712"/>
+                </a:lnTo>
+                <a:cubicBezTo>
+                  <a:pt x="18940" y="1142"/>
+                  <a:pt x="17933" y="-1"/>
+                  <a:pt x="16758" y="-1"/>
+                </a:cubicBezTo>
+                <a:cubicBezTo>
+                  <a:pt x="16044" y="-1"/>
+                  <a:pt x="15367" y="426"/>
+                  <a:pt x="14905" y="1165"/>
+                </a:cubicBezTo>
+                <a:lnTo>
+                  <a:pt x="14909" y="1170"/>
+                </a:lnTo>
+                <a:cubicBezTo>
+                  <a:pt x="14497" y="432"/>
+                  <a:pt x="13855" y="-1"/>
+                  <a:pt x="13174" y="-1"/>
+                </a:cubicBezTo>
+                <a:cubicBezTo>
+                  <a:pt x="12347" y="-1"/>
+                  <a:pt x="11590" y="637"/>
+                  <a:pt x="11221" y="1645"/>
+                </a:cubicBezTo>
+                <a:lnTo>
+                  <a:pt x="11229" y="1694"/>
+                </a:lnTo>
+                <a:cubicBezTo>
+                  <a:pt x="10730" y="1024"/>
+                  <a:pt x="10058" y="649"/>
+                  <a:pt x="9358" y="649"/>
+                </a:cubicBezTo>
+                <a:cubicBezTo>
+                  <a:pt x="8372" y="649"/>
+                  <a:pt x="7466" y="1391"/>
+                  <a:pt x="7003" y="2578"/>
+                </a:cubicBezTo>
+                <a:lnTo>
+                  <a:pt x="6995" y="2602"/>
+                </a:lnTo>
+                <a:cubicBezTo>
+                  <a:pt x="6477" y="2189"/>
+                  <a:pt x="5888" y="1971"/>
+                  <a:pt x="5288" y="1971"/>
+                </a:cubicBezTo>
+                <a:cubicBezTo>
+                  <a:pt x="3423" y="1972"/>
+                  <a:pt x="1912" y="4029"/>
+                  <a:pt x="1912" y="6567"/>
+                </a:cubicBezTo>
+                <a:cubicBezTo>
+                  <a:pt x="1911" y="6774"/>
+                  <a:pt x="1922" y="6981"/>
+                  <a:pt x="1942" y="7186"/>
+                </a:cubicBezTo>
+                <a:close/>
+              </a:path>
+              <a:path w="21600" h="21600" fill="none" extrusionOk="0">
+                <a:moveTo>
+                  <a:pt x="1074" y="12702"/>
+                </a:moveTo>
+                <a:cubicBezTo>
+                  <a:pt x="1407" y="12969"/>
+                  <a:pt x="1786" y="13109"/>
+                  <a:pt x="2172" y="13109"/>
+                </a:cubicBezTo>
+                <a:cubicBezTo>
+                  <a:pt x="2228" y="13109"/>
+                  <a:pt x="2285" y="13107"/>
+                  <a:pt x="2341" y="13101"/>
+                </a:cubicBezTo>
+              </a:path>
+              <a:path w="21600" h="21600" fill="none" extrusionOk="0">
+                <a:moveTo>
+                  <a:pt x="2909" y="17629"/>
+                </a:moveTo>
+                <a:cubicBezTo>
+                  <a:pt x="3099" y="17599"/>
+                  <a:pt x="3285" y="17535"/>
+                  <a:pt x="3463" y="17439"/>
+                </a:cubicBezTo>
+              </a:path>
+              <a:path w="21600" h="21600" fill="none" extrusionOk="0">
+                <a:moveTo>
+                  <a:pt x="7895" y="18680"/>
+                </a:moveTo>
+                <a:cubicBezTo>
+                  <a:pt x="7983" y="18985"/>
+                  <a:pt x="8095" y="19277"/>
+                  <a:pt x="8229" y="19550"/>
+                </a:cubicBezTo>
+              </a:path>
+              <a:path w="21600" h="21600" fill="none" extrusionOk="0">
+                <a:moveTo>
+                  <a:pt x="14267" y="18324"/>
+                </a:moveTo>
+                <a:cubicBezTo>
+                  <a:pt x="14336" y="18013"/>
+                  <a:pt x="14380" y="17693"/>
+                  <a:pt x="14400" y="17370"/>
+                </a:cubicBezTo>
+              </a:path>
+              <a:path w="21600" h="21600" fill="none" extrusionOk="0">
+                <a:moveTo>
+                  <a:pt x="18694" y="15045"/>
+                </a:moveTo>
+                <a:cubicBezTo>
+                  <a:pt x="18694" y="15034"/>
+                  <a:pt x="18695" y="15024"/>
+                  <a:pt x="18695" y="15013"/>
+                </a:cubicBezTo>
+                <a:cubicBezTo>
+                  <a:pt x="18695" y="13508"/>
+                  <a:pt x="18063" y="12136"/>
+                  <a:pt x="17069" y="11477"/>
+                </a:cubicBezTo>
+              </a:path>
+              <a:path w="21600" h="21600" fill="none" extrusionOk="0">
+                <a:moveTo>
+                  <a:pt x="20165" y="8999"/>
+                </a:moveTo>
+                <a:cubicBezTo>
+                  <a:pt x="20479" y="8635"/>
+                  <a:pt x="20726" y="8177"/>
+                  <a:pt x="20889" y="7661"/>
+                </a:cubicBezTo>
+              </a:path>
+              <a:path w="21600" h="21600" fill="none" extrusionOk="0">
+                <a:moveTo>
+                  <a:pt x="19186" y="3344"/>
+                </a:moveTo>
+                <a:cubicBezTo>
+                  <a:pt x="19186" y="3328"/>
+                  <a:pt x="19187" y="3313"/>
+                  <a:pt x="19187" y="3297"/>
+                </a:cubicBezTo>
+                <a:cubicBezTo>
+                  <a:pt x="19187" y="3101"/>
+                  <a:pt x="19174" y="2905"/>
+                  <a:pt x="19148" y="2712"/>
+                </a:cubicBezTo>
+              </a:path>
+              <a:path w="21600" h="21600" fill="none" extrusionOk="0">
+                <a:moveTo>
+                  <a:pt x="14905" y="1165"/>
+                </a:moveTo>
+                <a:cubicBezTo>
+                  <a:pt x="14754" y="1408"/>
+                  <a:pt x="14629" y="1679"/>
+                  <a:pt x="14535" y="1971"/>
+                </a:cubicBezTo>
+              </a:path>
+              <a:path w="21600" h="21600" fill="none" extrusionOk="0">
+                <a:moveTo>
+                  <a:pt x="11221" y="1645"/>
+                </a:moveTo>
+                <a:cubicBezTo>
+                  <a:pt x="11140" y="1866"/>
+                  <a:pt x="11080" y="2099"/>
+                  <a:pt x="11041" y="2340"/>
+                </a:cubicBezTo>
+              </a:path>
+              <a:path w="21600" h="21600" fill="none" extrusionOk="0">
+                <a:moveTo>
+                  <a:pt x="7645" y="3276"/>
+                </a:moveTo>
+                <a:cubicBezTo>
+                  <a:pt x="7449" y="3016"/>
+                  <a:pt x="7231" y="2790"/>
+                  <a:pt x="6995" y="2602"/>
+                </a:cubicBezTo>
+              </a:path>
+              <a:path w="21600" h="21600" fill="none" extrusionOk="0">
+                <a:moveTo>
+                  <a:pt x="1942" y="7186"/>
+                </a:moveTo>
+                <a:cubicBezTo>
+                  <a:pt x="1966" y="7426"/>
+                  <a:pt x="2004" y="7663"/>
+                  <a:pt x="2056" y="7895"/>
+                </a:cubicBezTo>
+              </a:path>
+            </a:pathLst>
+          </a:custGeom>
+          <a:solidFill>
+            <a:srgbClr val="FFBE7D"/>
+          </a:solidFill>
+          <a:ln w="9525">
+            <a:solidFill>
+              <a:srgbClr val="000000"/>
+            </a:solidFill>
+            <a:miter lim="800000"/>
+            <a:headEnd/>
+            <a:tailEnd/>
+          </a:ln>
+          <a:effectLst>
+            <a:outerShdw blurRad="63500" dist="107763" dir="2700000" algn="ctr" rotWithShape="0">
+              <a:srgbClr val="000000">
+                <a:alpha val="74997"/>
+              </a:srgbClr>
+            </a:outerShdw>
+          </a:effectLst>
+        </p:spPr>
+        <p:txBody>
+          <a:bodyPr/>
+          <a:lstStyle>
+            <a:lvl1pPr eaLnBrk="0" hangingPunct="0">
+              <a:defRPr sz="2000" b="1">
+                <a:solidFill>
+                  <a:schemeClr val="tx1"/>
+                </a:solidFill>
+                <a:latin typeface="Helvetica" charset="0"/>
+                <a:ea typeface="Arial" charset="0"/>
+                <a:cs typeface="Arial" charset="0"/>
+              </a:defRPr>
+            </a:lvl1pPr>
+            <a:lvl2pPr marL="37931725" indent="-37474525" eaLnBrk="0" hangingPunct="0">
+              <a:defRPr sz="2000" b="1">
+                <a:solidFill>
+                  <a:schemeClr val="tx1"/>
+                </a:solidFill>
+                <a:latin typeface="Helvetica" charset="0"/>
+                <a:ea typeface="Arial" charset="0"/>
+                <a:cs typeface="Arial" charset="0"/>
+              </a:defRPr>
+            </a:lvl2pPr>
+            <a:lvl3pPr eaLnBrk="0" hangingPunct="0">
+              <a:defRPr sz="2000" b="1">
+                <a:solidFill>
+                  <a:schemeClr val="tx1"/>
+                </a:solidFill>
+                <a:latin typeface="Helvetica" charset="0"/>
+                <a:ea typeface="Arial" charset="0"/>
+                <a:cs typeface="Arial" charset="0"/>
+              </a:defRPr>
+            </a:lvl3pPr>
+            <a:lvl4pPr eaLnBrk="0" hangingPunct="0">
+              <a:defRPr sz="2000" b="1">
+                <a:solidFill>
+                  <a:schemeClr val="tx1"/>
+                </a:solidFill>
+                <a:latin typeface="Helvetica" charset="0"/>
+                <a:ea typeface="Arial" charset="0"/>
+                <a:cs typeface="Arial" charset="0"/>
+              </a:defRPr>
+            </a:lvl4pPr>
+            <a:lvl5pPr eaLnBrk="0" hangingPunct="0">
+              <a:defRPr sz="2000" b="1">
+                <a:solidFill>
+                  <a:schemeClr val="tx1"/>
+                </a:solidFill>
+                <a:latin typeface="Helvetica" charset="0"/>
+                <a:ea typeface="Arial" charset="0"/>
+                <a:cs typeface="Arial" charset="0"/>
+              </a:defRPr>
+            </a:lvl5pPr>
+            <a:lvl6pPr marL="457200" eaLnBrk="0" fontAlgn="base" hangingPunct="0">
+              <a:spcBef>
+                <a:spcPct val="0"/>
+              </a:spcBef>
+              <a:spcAft>
+                <a:spcPct val="0"/>
+              </a:spcAft>
+              <a:defRPr sz="2000" b="1">
+                <a:solidFill>
+                  <a:schemeClr val="tx1"/>
+                </a:solidFill>
+                <a:latin typeface="Helvetica" charset="0"/>
+                <a:ea typeface="Arial" charset="0"/>
+                <a:cs typeface="Arial" charset="0"/>
+              </a:defRPr>
+            </a:lvl6pPr>
+            <a:lvl7pPr marL="914400" eaLnBrk="0" fontAlgn="base" hangingPunct="0">
+              <a:spcBef>
+                <a:spcPct val="0"/>
+              </a:spcBef>
+              <a:spcAft>
+                <a:spcPct val="0"/>
+              </a:spcAft>
+              <a:defRPr sz="2000" b="1">
+                <a:solidFill>
+                  <a:schemeClr val="tx1"/>
+                </a:solidFill>
+                <a:latin typeface="Helvetica" charset="0"/>
+                <a:ea typeface="Arial" charset="0"/>
+                <a:cs typeface="Arial" charset="0"/>
+              </a:defRPr>
+            </a:lvl7pPr>
+            <a:lvl8pPr marL="1371600" eaLnBrk="0" fontAlgn="base" hangingPunct="0">
+              <a:spcBef>
+                <a:spcPct val="0"/>
+              </a:spcBef>
+              <a:spcAft>
+                <a:spcPct val="0"/>
+              </a:spcAft>
+              <a:defRPr sz="2000" b="1">
+                <a:solidFill>
+                  <a:schemeClr val="tx1"/>
+                </a:solidFill>
+                <a:latin typeface="Helvetica" charset="0"/>
+                <a:ea typeface="Arial" charset="0"/>
+                <a:cs typeface="Arial" charset="0"/>
+              </a:defRPr>
+            </a:lvl8pPr>
+            <a:lvl9pPr marL="1828800" eaLnBrk="0" fontAlgn="base" hangingPunct="0">
+              <a:spcBef>
+                <a:spcPct val="0"/>
+              </a:spcBef>
+              <a:spcAft>
+                <a:spcPct val="0"/>
+              </a:spcAft>
+              <a:defRPr sz="2000" b="1">
+                <a:solidFill>
+                  <a:schemeClr val="tx1"/>
+                </a:solidFill>
+                <a:latin typeface="Helvetica" charset="0"/>
+                <a:ea typeface="Arial" charset="0"/>
+                <a:cs typeface="Arial" charset="0"/>
+              </a:defRPr>
+            </a:lvl9pPr>
+          </a:lstStyle>
+          <a:p>
+            <a:pPr eaLnBrk="1" hangingPunct="1"/>
+            <a:endParaRPr lang="x-none" altLang="x-none"/>
+          </a:p>
+        </p:txBody>
+      </p:sp>
+      <p:sp>
+        <p:nvSpPr>
+          <p:cNvPr id="13" name="Line 16">
+            <a:extLst>
+              <a:ext uri="{FF2B5EF4-FFF2-40B4-BE49-F238E27FC236}">
+                <a16:creationId xmlns:a16="http://schemas.microsoft.com/office/drawing/2014/main" id="{2BC87729-11E9-584B-A7B1-28EB34131432}"/>
+              </a:ext>
+            </a:extLst>
+          </p:cNvPr>
+          <p:cNvSpPr>
+            <a:spLocks noChangeShapeType="1"/>
+          </p:cNvSpPr>
+          <p:nvPr/>
+        </p:nvSpPr>
+        <p:spPr bwMode="auto">
+          <a:xfrm flipV="1">
+            <a:off x="4238005" y="3246439"/>
+            <a:ext cx="3648075" cy="39687"/>
+          </a:xfrm>
+          <a:prstGeom prst="line">
+            <a:avLst/>
+          </a:prstGeom>
+          <a:noFill/>
+          <a:ln w="38100">
+            <a:solidFill>
+              <a:schemeClr val="tx1"/>
+            </a:solidFill>
+            <a:round/>
+            <a:headEnd type="triangle" w="med" len="med"/>
+            <a:tailEnd type="triangle" w="med" len="med"/>
+          </a:ln>
+          <a:extLst>
+            <a:ext uri="{909E8E84-426E-40DD-AFC4-6F175D3DCCD1}">
+              <a14:hiddenFill xmlns:a14="http://schemas.microsoft.com/office/drawing/2010/main">
+                <a:noFill/>
+              </a14:hiddenFill>
+            </a:ext>
+          </a:extLst>
+        </p:spPr>
+        <p:txBody>
+          <a:bodyPr wrap="none" anchor="ctr"/>
+          <a:lstStyle/>
+          <a:p>
+            <a:endParaRPr lang="en-US"/>
+          </a:p>
+        </p:txBody>
+      </p:sp>
+    </p:spTree>
+    <p:extLst>
+      <p:ext uri="{BB962C8B-B14F-4D97-AF65-F5344CB8AC3E}">
+        <p14:creationId xmlns:p14="http://schemas.microsoft.com/office/powerpoint/2010/main" val="1620664493"/>
       </p:ext>
     </p:extLst>
   </p:cSld>
@@ -19132,10 +18691,15 @@
             <p:ph idx="1"/>
           </p:nvPr>
         </p:nvSpPr>
-        <p:spPr/>
+        <p:spPr>
+          <a:xfrm>
+            <a:off x="838200" y="1825624"/>
+            <a:ext cx="10515600" cy="4933763"/>
+          </a:xfrm>
+        </p:spPr>
         <p:txBody>
           <a:bodyPr>
-            <a:normAutofit lnSpcReduction="10000"/>
+            <a:normAutofit fontScale="92500" lnSpcReduction="10000"/>
           </a:bodyPr>
           <a:lstStyle/>
           <a:p>
@@ -19205,7 +18769,19 @@
             <a:pPr lvl="1"/>
             <a:r>
               <a:rPr lang="en-US" altLang="x-none" dirty="0"/>
-              <a:t>Putting out-of-order data back in order</a:t>
+              <a:t>Putting out-of-order data back in order (</a:t>
+            </a:r>
+            <a:r>
+              <a:rPr lang="en-US" altLang="x-none" dirty="0">
+                <a:solidFill>
+                  <a:srgbClr val="C00000"/>
+                </a:solidFill>
+              </a:rPr>
+              <a:t>reassembly</a:t>
+            </a:r>
+            <a:r>
+              <a:rPr lang="en-US" altLang="x-none" dirty="0"/>
+              <a:t>)</a:t>
             </a:r>
           </a:p>
           <a:p>
@@ -19226,7 +18802,92 @@
             <a:pPr lvl="1"/>
             <a:r>
               <a:rPr lang="en-US" altLang="x-none" dirty="0"/>
-              <a:t>Higher overhead, good for most stateful applications</a:t>
+              <a:t>Higher overhead than UDP; good for most stateful applications</a:t>
+            </a:r>
+          </a:p>
+          <a:p>
+            <a:r>
+              <a:rPr lang="en-US" altLang="x-none" dirty="0"/>
+              <a:t>There are other (less popular) transports, too, e.g., DCCP</a:t>
+            </a:r>
+          </a:p>
+        </p:txBody>
+      </p:sp>
+      <p:sp>
+        <p:nvSpPr>
+          <p:cNvPr id="2" name="TextBox 1">
+            <a:extLst>
+              <a:ext uri="{FF2B5EF4-FFF2-40B4-BE49-F238E27FC236}">
+                <a16:creationId xmlns:a16="http://schemas.microsoft.com/office/drawing/2014/main" id="{B6F1546C-5B81-884A-BEB2-086E6AFE7A88}"/>
+              </a:ext>
+            </a:extLst>
+          </p:cNvPr>
+          <p:cNvSpPr txBox="1"/>
+          <p:nvPr/>
+        </p:nvSpPr>
+        <p:spPr>
+          <a:xfrm>
+            <a:off x="5397661" y="6308209"/>
+            <a:ext cx="6794339" cy="369332"/>
+          </a:xfrm>
+          <a:prstGeom prst="rect">
+            <a:avLst/>
+          </a:prstGeom>
+          <a:noFill/>
+        </p:spPr>
+        <p:txBody>
+          <a:bodyPr wrap="square" rtlCol="0">
+            <a:spAutoFit/>
+          </a:bodyPr>
+          <a:lstStyle/>
+          <a:p>
+            <a:pPr algn="ctr"/>
+            <a:r>
+              <a:rPr lang="en-US" dirty="0">
+                <a:hlinkClick r:id="rId2"/>
+              </a:rPr>
+              <a:t>https://www.anmolsarma.in/post/dccp/</a:t>
+            </a:r>
+            <a:endParaRPr lang="en-US" dirty="0">
+              <a:latin typeface="Helvetica" pitchFamily="2" charset="0"/>
+            </a:endParaRPr>
+          </a:p>
+        </p:txBody>
+      </p:sp>
+      <p:sp>
+        <p:nvSpPr>
+          <p:cNvPr id="3" name="TextBox 2">
+            <a:extLst>
+              <a:ext uri="{FF2B5EF4-FFF2-40B4-BE49-F238E27FC236}">
+                <a16:creationId xmlns:a16="http://schemas.microsoft.com/office/drawing/2014/main" id="{AD5D4C59-EF84-1048-A1F9-9ADAB45169CE}"/>
+              </a:ext>
+            </a:extLst>
+          </p:cNvPr>
+          <p:cNvSpPr txBox="1"/>
+          <p:nvPr/>
+        </p:nvSpPr>
+        <p:spPr>
+          <a:xfrm>
+            <a:off x="9248172" y="762987"/>
+            <a:ext cx="2720050" cy="3970318"/>
+          </a:xfrm>
+          <a:prstGeom prst="rect">
+            <a:avLst/>
+          </a:prstGeom>
+          <a:noFill/>
+        </p:spPr>
+        <p:txBody>
+          <a:bodyPr wrap="square" rtlCol="0">
+            <a:spAutoFit/>
+          </a:bodyPr>
+          <a:lstStyle/>
+          <a:p>
+            <a:pPr algn="ctr"/>
+            <a:r>
+              <a:rPr lang="en-US" sz="2800" dirty="0">
+                <a:latin typeface="Helvetica" pitchFamily="2" charset="0"/>
+              </a:rPr>
+              <a:t>Reliable delivery, and other guarantees, are ultimately the endpoint’s responsibility, not the network’s.</a:t>
             </a:r>
           </a:p>
         </p:txBody>
@@ -19241,6 +18902,369 @@
   <p:clrMapOvr>
     <a:masterClrMapping/>
   </p:clrMapOvr>
+  <p:timing>
+    <p:tnLst>
+      <p:par>
+        <p:cTn id="1" dur="indefinite" restart="never" nodeType="tmRoot">
+          <p:childTnLst>
+            <p:seq concurrent="1" nextAc="seek">
+              <p:cTn id="2" dur="indefinite" nodeType="mainSeq">
+                <p:childTnLst>
+                  <p:par>
+                    <p:cTn id="3" fill="hold">
+                      <p:stCondLst>
+                        <p:cond delay="indefinite"/>
+                      </p:stCondLst>
+                      <p:childTnLst>
+                        <p:par>
+                          <p:cTn id="4" fill="hold">
+                            <p:stCondLst>
+                              <p:cond delay="0"/>
+                            </p:stCondLst>
+                            <p:childTnLst>
+                              <p:par>
+                                <p:cTn id="5" presetID="1" presetClass="entr" presetSubtype="0" fill="hold" nodeType="clickEffect">
+                                  <p:stCondLst>
+                                    <p:cond delay="0"/>
+                                  </p:stCondLst>
+                                  <p:childTnLst>
+                                    <p:set>
+                                      <p:cBhvr>
+                                        <p:cTn id="6" dur="1" fill="hold">
+                                          <p:stCondLst>
+                                            <p:cond delay="0"/>
+                                          </p:stCondLst>
+                                        </p:cTn>
+                                        <p:tgtEl>
+                                          <p:spTgt spid="38915">
+                                            <p:txEl>
+                                              <p:pRg st="4" end="4"/>
+                                            </p:txEl>
+                                          </p:spTgt>
+                                        </p:tgtEl>
+                                        <p:attrNameLst>
+                                          <p:attrName>style.visibility</p:attrName>
+                                        </p:attrNameLst>
+                                      </p:cBhvr>
+                                      <p:to>
+                                        <p:strVal val="visible"/>
+                                      </p:to>
+                                    </p:set>
+                                  </p:childTnLst>
+                                </p:cTn>
+                              </p:par>
+                              <p:par>
+                                <p:cTn id="7" presetID="1" presetClass="entr" presetSubtype="0" fill="hold" nodeType="withEffect">
+                                  <p:stCondLst>
+                                    <p:cond delay="0"/>
+                                  </p:stCondLst>
+                                  <p:childTnLst>
+                                    <p:set>
+                                      <p:cBhvr>
+                                        <p:cTn id="8" dur="1" fill="hold">
+                                          <p:stCondLst>
+                                            <p:cond delay="0"/>
+                                          </p:stCondLst>
+                                        </p:cTn>
+                                        <p:tgtEl>
+                                          <p:spTgt spid="38915">
+                                            <p:txEl>
+                                              <p:pRg st="5" end="5"/>
+                                            </p:txEl>
+                                          </p:spTgt>
+                                        </p:tgtEl>
+                                        <p:attrNameLst>
+                                          <p:attrName>style.visibility</p:attrName>
+                                        </p:attrNameLst>
+                                      </p:cBhvr>
+                                      <p:to>
+                                        <p:strVal val="visible"/>
+                                      </p:to>
+                                    </p:set>
+                                  </p:childTnLst>
+                                </p:cTn>
+                              </p:par>
+                              <p:par>
+                                <p:cTn id="9" presetID="1" presetClass="entr" presetSubtype="0" fill="hold" nodeType="withEffect">
+                                  <p:stCondLst>
+                                    <p:cond delay="0"/>
+                                  </p:stCondLst>
+                                  <p:childTnLst>
+                                    <p:set>
+                                      <p:cBhvr>
+                                        <p:cTn id="10" dur="1" fill="hold">
+                                          <p:stCondLst>
+                                            <p:cond delay="0"/>
+                                          </p:stCondLst>
+                                        </p:cTn>
+                                        <p:tgtEl>
+                                          <p:spTgt spid="38915">
+                                            <p:txEl>
+                                              <p:pRg st="6" end="6"/>
+                                            </p:txEl>
+                                          </p:spTgt>
+                                        </p:tgtEl>
+                                        <p:attrNameLst>
+                                          <p:attrName>style.visibility</p:attrName>
+                                        </p:attrNameLst>
+                                      </p:cBhvr>
+                                      <p:to>
+                                        <p:strVal val="visible"/>
+                                      </p:to>
+                                    </p:set>
+                                  </p:childTnLst>
+                                </p:cTn>
+                              </p:par>
+                              <p:par>
+                                <p:cTn id="11" presetID="1" presetClass="entr" presetSubtype="0" fill="hold" nodeType="withEffect">
+                                  <p:stCondLst>
+                                    <p:cond delay="0"/>
+                                  </p:stCondLst>
+                                  <p:childTnLst>
+                                    <p:set>
+                                      <p:cBhvr>
+                                        <p:cTn id="12" dur="1" fill="hold">
+                                          <p:stCondLst>
+                                            <p:cond delay="0"/>
+                                          </p:stCondLst>
+                                        </p:cTn>
+                                        <p:tgtEl>
+                                          <p:spTgt spid="38915">
+                                            <p:txEl>
+                                              <p:pRg st="7" end="7"/>
+                                            </p:txEl>
+                                          </p:spTgt>
+                                        </p:tgtEl>
+                                        <p:attrNameLst>
+                                          <p:attrName>style.visibility</p:attrName>
+                                        </p:attrNameLst>
+                                      </p:cBhvr>
+                                      <p:to>
+                                        <p:strVal val="visible"/>
+                                      </p:to>
+                                    </p:set>
+                                  </p:childTnLst>
+                                </p:cTn>
+                              </p:par>
+                              <p:par>
+                                <p:cTn id="13" presetID="1" presetClass="entr" presetSubtype="0" fill="hold" nodeType="withEffect">
+                                  <p:stCondLst>
+                                    <p:cond delay="0"/>
+                                  </p:stCondLst>
+                                  <p:childTnLst>
+                                    <p:set>
+                                      <p:cBhvr>
+                                        <p:cTn id="14" dur="1" fill="hold">
+                                          <p:stCondLst>
+                                            <p:cond delay="0"/>
+                                          </p:stCondLst>
+                                        </p:cTn>
+                                        <p:tgtEl>
+                                          <p:spTgt spid="38915">
+                                            <p:txEl>
+                                              <p:pRg st="8" end="8"/>
+                                            </p:txEl>
+                                          </p:spTgt>
+                                        </p:tgtEl>
+                                        <p:attrNameLst>
+                                          <p:attrName>style.visibility</p:attrName>
+                                        </p:attrNameLst>
+                                      </p:cBhvr>
+                                      <p:to>
+                                        <p:strVal val="visible"/>
+                                      </p:to>
+                                    </p:set>
+                                  </p:childTnLst>
+                                </p:cTn>
+                              </p:par>
+                              <p:par>
+                                <p:cTn id="15" presetID="1" presetClass="entr" presetSubtype="0" fill="hold" nodeType="withEffect">
+                                  <p:stCondLst>
+                                    <p:cond delay="0"/>
+                                  </p:stCondLst>
+                                  <p:childTnLst>
+                                    <p:set>
+                                      <p:cBhvr>
+                                        <p:cTn id="16" dur="1" fill="hold">
+                                          <p:stCondLst>
+                                            <p:cond delay="0"/>
+                                          </p:stCondLst>
+                                        </p:cTn>
+                                        <p:tgtEl>
+                                          <p:spTgt spid="38915">
+                                            <p:txEl>
+                                              <p:pRg st="9" end="9"/>
+                                            </p:txEl>
+                                          </p:spTgt>
+                                        </p:tgtEl>
+                                        <p:attrNameLst>
+                                          <p:attrName>style.visibility</p:attrName>
+                                        </p:attrNameLst>
+                                      </p:cBhvr>
+                                      <p:to>
+                                        <p:strVal val="visible"/>
+                                      </p:to>
+                                    </p:set>
+                                  </p:childTnLst>
+                                </p:cTn>
+                              </p:par>
+                              <p:par>
+                                <p:cTn id="17" presetID="1" presetClass="entr" presetSubtype="0" fill="hold" nodeType="withEffect">
+                                  <p:stCondLst>
+                                    <p:cond delay="0"/>
+                                  </p:stCondLst>
+                                  <p:childTnLst>
+                                    <p:set>
+                                      <p:cBhvr>
+                                        <p:cTn id="18" dur="1" fill="hold">
+                                          <p:stCondLst>
+                                            <p:cond delay="0"/>
+                                          </p:stCondLst>
+                                        </p:cTn>
+                                        <p:tgtEl>
+                                          <p:spTgt spid="38915">
+                                            <p:txEl>
+                                              <p:pRg st="10" end="10"/>
+                                            </p:txEl>
+                                          </p:spTgt>
+                                        </p:tgtEl>
+                                        <p:attrNameLst>
+                                          <p:attrName>style.visibility</p:attrName>
+                                        </p:attrNameLst>
+                                      </p:cBhvr>
+                                      <p:to>
+                                        <p:strVal val="visible"/>
+                                      </p:to>
+                                    </p:set>
+                                  </p:childTnLst>
+                                </p:cTn>
+                              </p:par>
+                            </p:childTnLst>
+                          </p:cTn>
+                        </p:par>
+                      </p:childTnLst>
+                    </p:cTn>
+                  </p:par>
+                  <p:par>
+                    <p:cTn id="19" fill="hold">
+                      <p:stCondLst>
+                        <p:cond delay="indefinite"/>
+                      </p:stCondLst>
+                      <p:childTnLst>
+                        <p:par>
+                          <p:cTn id="20" fill="hold">
+                            <p:stCondLst>
+                              <p:cond delay="0"/>
+                            </p:stCondLst>
+                            <p:childTnLst>
+                              <p:par>
+                                <p:cTn id="21" presetID="1" presetClass="entr" presetSubtype="0" fill="hold" nodeType="clickEffect">
+                                  <p:stCondLst>
+                                    <p:cond delay="0"/>
+                                  </p:stCondLst>
+                                  <p:childTnLst>
+                                    <p:set>
+                                      <p:cBhvr>
+                                        <p:cTn id="22" dur="1" fill="hold">
+                                          <p:stCondLst>
+                                            <p:cond delay="0"/>
+                                          </p:stCondLst>
+                                        </p:cTn>
+                                        <p:tgtEl>
+                                          <p:spTgt spid="38915">
+                                            <p:txEl>
+                                              <p:pRg st="11" end="11"/>
+                                            </p:txEl>
+                                          </p:spTgt>
+                                        </p:tgtEl>
+                                        <p:attrNameLst>
+                                          <p:attrName>style.visibility</p:attrName>
+                                        </p:attrNameLst>
+                                      </p:cBhvr>
+                                      <p:to>
+                                        <p:strVal val="visible"/>
+                                      </p:to>
+                                    </p:set>
+                                  </p:childTnLst>
+                                </p:cTn>
+                              </p:par>
+                            </p:childTnLst>
+                          </p:cTn>
+                        </p:par>
+                      </p:childTnLst>
+                    </p:cTn>
+                  </p:par>
+                  <p:par>
+                    <p:cTn id="23" fill="hold">
+                      <p:stCondLst>
+                        <p:cond delay="indefinite"/>
+                      </p:stCondLst>
+                      <p:childTnLst>
+                        <p:par>
+                          <p:cTn id="24" fill="hold">
+                            <p:stCondLst>
+                              <p:cond delay="0"/>
+                            </p:stCondLst>
+                            <p:childTnLst>
+                              <p:par>
+                                <p:cTn id="25" presetID="1" presetClass="entr" presetSubtype="0" fill="hold" nodeType="clickEffect">
+                                  <p:stCondLst>
+                                    <p:cond delay="0"/>
+                                  </p:stCondLst>
+                                  <p:childTnLst>
+                                    <p:set>
+                                      <p:cBhvr>
+                                        <p:cTn id="26" dur="1" fill="hold">
+                                          <p:stCondLst>
+                                            <p:cond delay="0"/>
+                                          </p:stCondLst>
+                                        </p:cTn>
+                                        <p:tgtEl>
+                                          <p:spTgt spid="3">
+                                            <p:txEl>
+                                              <p:pRg st="0" end="0"/>
+                                            </p:txEl>
+                                          </p:spTgt>
+                                        </p:tgtEl>
+                                        <p:attrNameLst>
+                                          <p:attrName>style.visibility</p:attrName>
+                                        </p:attrNameLst>
+                                      </p:cBhvr>
+                                      <p:to>
+                                        <p:strVal val="visible"/>
+                                      </p:to>
+                                    </p:set>
+                                  </p:childTnLst>
+                                </p:cTn>
+                              </p:par>
+                            </p:childTnLst>
+                          </p:cTn>
+                        </p:par>
+                      </p:childTnLst>
+                    </p:cTn>
+                  </p:par>
+                </p:childTnLst>
+              </p:cTn>
+              <p:prevCondLst>
+                <p:cond evt="onPrev" delay="0">
+                  <p:tgtEl>
+                    <p:sldTgt/>
+                  </p:tgtEl>
+                </p:cond>
+              </p:prevCondLst>
+              <p:nextCondLst>
+                <p:cond evt="onNext" delay="0">
+                  <p:tgtEl>
+                    <p:sldTgt/>
+                  </p:tgtEl>
+                </p:cond>
+              </p:nextCondLst>
+            </p:seq>
+          </p:childTnLst>
+        </p:cTn>
+      </p:par>
+    </p:tnLst>
+  </p:timing>
 </p:sld>
 </file>
 
